--- a/Patch Distribution Modeling Framework for Anomaly Detection and Localization/Patch Distribution Modeling Framework for Anomaly Detection and Localization(eng).pptx
+++ b/Patch Distribution Modeling Framework for Anomaly Detection and Localization/Patch Distribution Modeling Framework for Anomaly Detection and Localization(eng).pptx
@@ -5,19 +5,21 @@
     <p:sldMasterId id="2147483648" r:id="rId1"/>
   </p:sldMasterIdLst>
   <p:notesMasterIdLst>
-    <p:notesMasterId r:id="rId12"/>
+    <p:notesMasterId r:id="rId14"/>
   </p:notesMasterIdLst>
   <p:sldIdLst>
     <p:sldId id="256" r:id="rId2"/>
     <p:sldId id="257" r:id="rId3"/>
-    <p:sldId id="294" r:id="rId4"/>
-    <p:sldId id="299" r:id="rId5"/>
-    <p:sldId id="295" r:id="rId6"/>
-    <p:sldId id="298" r:id="rId7"/>
-    <p:sldId id="293" r:id="rId8"/>
-    <p:sldId id="296" r:id="rId9"/>
-    <p:sldId id="297" r:id="rId10"/>
-    <p:sldId id="270" r:id="rId11"/>
+    <p:sldId id="300" r:id="rId4"/>
+    <p:sldId id="294" r:id="rId5"/>
+    <p:sldId id="299" r:id="rId6"/>
+    <p:sldId id="295" r:id="rId7"/>
+    <p:sldId id="298" r:id="rId8"/>
+    <p:sldId id="293" r:id="rId9"/>
+    <p:sldId id="296" r:id="rId10"/>
+    <p:sldId id="297" r:id="rId11"/>
+    <p:sldId id="301" r:id="rId12"/>
+    <p:sldId id="270" r:id="rId13"/>
   </p:sldIdLst>
   <p:sldSz cx="12192000" cy="6858000"/>
   <p:notesSz cx="6858000" cy="9144000"/>
@@ -221,7 +223,7 @@
               <a:pPr lvl="0">
                 <a:defRPr/>
               </a:pPr>
-              <a:t>2024-02-05</a:t>
+              <a:t>2024-02-06</a:t>
             </a:fld>
             <a:endParaRPr lang="ko-KR" altLang="en-US"/>
           </a:p>
@@ -511,6 +513,400 @@
 </p:notesMaster>
 </file>
 
+<file path=ppt/notesSlides/notesSlide1.xml><?xml version="1.0" encoding="utf-8"?>
+<p:notes xmlns:a="http://schemas.openxmlformats.org/drawingml/2006/main" xmlns:r="http://schemas.openxmlformats.org/officeDocument/2006/relationships" xmlns:p="http://schemas.openxmlformats.org/presentationml/2006/main">
+  <p:cSld>
+    <p:spTree>
+      <p:nvGrpSpPr>
+        <p:cNvPr id="1" name=""/>
+        <p:cNvGrpSpPr/>
+        <p:nvPr/>
+      </p:nvGrpSpPr>
+      <p:grpSpPr>
+        <a:xfrm>
+          <a:off x="0" y="0"/>
+          <a:ext cx="0" cy="0"/>
+          <a:chOff x="0" y="0"/>
+          <a:chExt cx="0" cy="0"/>
+        </a:xfrm>
+      </p:grpSpPr>
+      <p:sp>
+        <p:nvSpPr>
+          <p:cNvPr id="2" name="슬라이드 이미지 개체 틀 1"/>
+          <p:cNvSpPr>
+            <a:spLocks noGrp="1" noRot="1" noChangeAspect="1"/>
+          </p:cNvSpPr>
+          <p:nvPr>
+            <p:ph type="sldImg"/>
+          </p:nvPr>
+        </p:nvSpPr>
+        <p:spPr/>
+      </p:sp>
+      <p:sp>
+        <p:nvSpPr>
+          <p:cNvPr id="3" name="슬라이드 노트 개체 틀 2"/>
+          <p:cNvSpPr>
+            <a:spLocks noGrp="1"/>
+          </p:cNvSpPr>
+          <p:nvPr>
+            <p:ph type="body" idx="1"/>
+          </p:nvPr>
+        </p:nvSpPr>
+        <p:spPr/>
+        <p:txBody>
+          <a:bodyPr/>
+          <a:lstStyle/>
+          <a:p>
+            <a:r>
+              <a:rPr lang="en-US" altLang="ko-KR" dirty="0"/>
+              <a:t>I don't know how much you know about </a:t>
+            </a:r>
+            <a:r>
+              <a:rPr lang="en-US" altLang="ko-KR" dirty="0" err="1"/>
+              <a:t>Padim</a:t>
+            </a:r>
+            <a:r>
+              <a:rPr lang="en-US" altLang="ko-KR" dirty="0"/>
+              <a:t>, so I’ll explain a quick overview of the basics of </a:t>
+            </a:r>
+            <a:r>
+              <a:rPr lang="en-US" altLang="ko-KR" dirty="0" err="1"/>
+              <a:t>Padim</a:t>
+            </a:r>
+            <a:endParaRPr lang="ko-KR" altLang="en-US" dirty="0"/>
+          </a:p>
+        </p:txBody>
+      </p:sp>
+      <p:sp>
+        <p:nvSpPr>
+          <p:cNvPr id="4" name="슬라이드 번호 개체 틀 3"/>
+          <p:cNvSpPr>
+            <a:spLocks noGrp="1"/>
+          </p:cNvSpPr>
+          <p:nvPr>
+            <p:ph type="sldNum" sz="quarter" idx="5"/>
+          </p:nvPr>
+        </p:nvSpPr>
+        <p:spPr/>
+        <p:txBody>
+          <a:bodyPr/>
+          <a:lstStyle/>
+          <a:p>
+            <a:pPr lvl="0">
+              <a:defRPr/>
+            </a:pPr>
+            <a:fld id="{17CD097A-5759-4135-9984-2451C32C3456}" type="slidenum">
+              <a:rPr lang="ko-KR" altLang="en-US" smtClean="0"/>
+              <a:pPr lvl="0">
+                <a:defRPr/>
+              </a:pPr>
+              <a:t>2</a:t>
+            </a:fld>
+            <a:endParaRPr lang="ko-KR" altLang="en-US"/>
+          </a:p>
+        </p:txBody>
+      </p:sp>
+    </p:spTree>
+    <p:extLst>
+      <p:ext uri="{BB962C8B-B14F-4D97-AF65-F5344CB8AC3E}">
+        <p14:creationId xmlns:p14="http://schemas.microsoft.com/office/powerpoint/2010/main" val="261781022"/>
+      </p:ext>
+    </p:extLst>
+  </p:cSld>
+  <p:clrMapOvr>
+    <a:masterClrMapping/>
+  </p:clrMapOvr>
+</p:notes>
+</file>
+
+<file path=ppt/notesSlides/notesSlide2.xml><?xml version="1.0" encoding="utf-8"?>
+<p:notes xmlns:a="http://schemas.openxmlformats.org/drawingml/2006/main" xmlns:r="http://schemas.openxmlformats.org/officeDocument/2006/relationships" xmlns:p="http://schemas.openxmlformats.org/presentationml/2006/main">
+  <p:cSld>
+    <p:spTree>
+      <p:nvGrpSpPr>
+        <p:cNvPr id="1" name=""/>
+        <p:cNvGrpSpPr/>
+        <p:nvPr/>
+      </p:nvGrpSpPr>
+      <p:grpSpPr>
+        <a:xfrm>
+          <a:off x="0" y="0"/>
+          <a:ext cx="0" cy="0"/>
+          <a:chOff x="0" y="0"/>
+          <a:chExt cx="0" cy="0"/>
+        </a:xfrm>
+      </p:grpSpPr>
+      <p:sp>
+        <p:nvSpPr>
+          <p:cNvPr id="2" name="슬라이드 이미지 개체 틀 1"/>
+          <p:cNvSpPr>
+            <a:spLocks noGrp="1" noRot="1" noChangeAspect="1"/>
+          </p:cNvSpPr>
+          <p:nvPr>
+            <p:ph type="sldImg"/>
+          </p:nvPr>
+        </p:nvSpPr>
+        <p:spPr/>
+      </p:sp>
+      <p:sp>
+        <p:nvSpPr>
+          <p:cNvPr id="3" name="슬라이드 노트 개체 틀 2"/>
+          <p:cNvSpPr>
+            <a:spLocks noGrp="1"/>
+          </p:cNvSpPr>
+          <p:nvPr>
+            <p:ph type="body" idx="1"/>
+          </p:nvPr>
+        </p:nvSpPr>
+        <p:spPr/>
+        <p:txBody>
+          <a:bodyPr/>
+          <a:lstStyle/>
+          <a:p>
+            <a:r>
+              <a:rPr lang="en-US" altLang="ko-KR" dirty="0"/>
+              <a:t>Image of a bottle viewed from above</a:t>
+            </a:r>
+          </a:p>
+          <a:p>
+            <a:r>
+              <a:rPr lang="en-US" altLang="ko-KR" dirty="0"/>
+              <a:t>crack</a:t>
+            </a:r>
+            <a:endParaRPr lang="ko-KR" altLang="en-US" dirty="0"/>
+          </a:p>
+        </p:txBody>
+      </p:sp>
+      <p:sp>
+        <p:nvSpPr>
+          <p:cNvPr id="4" name="슬라이드 번호 개체 틀 3"/>
+          <p:cNvSpPr>
+            <a:spLocks noGrp="1"/>
+          </p:cNvSpPr>
+          <p:nvPr>
+            <p:ph type="sldNum" sz="quarter" idx="5"/>
+          </p:nvPr>
+        </p:nvSpPr>
+        <p:spPr/>
+        <p:txBody>
+          <a:bodyPr/>
+          <a:lstStyle/>
+          <a:p>
+            <a:pPr lvl="0">
+              <a:defRPr/>
+            </a:pPr>
+            <a:fld id="{17CD097A-5759-4135-9984-2451C32C3456}" type="slidenum">
+              <a:rPr lang="ko-KR" altLang="en-US" smtClean="0"/>
+              <a:pPr lvl="0">
+                <a:defRPr/>
+              </a:pPr>
+              <a:t>4</a:t>
+            </a:fld>
+            <a:endParaRPr lang="ko-KR" altLang="en-US"/>
+          </a:p>
+        </p:txBody>
+      </p:sp>
+    </p:spTree>
+    <p:extLst>
+      <p:ext uri="{BB962C8B-B14F-4D97-AF65-F5344CB8AC3E}">
+        <p14:creationId xmlns:p14="http://schemas.microsoft.com/office/powerpoint/2010/main" val="3601050800"/>
+      </p:ext>
+    </p:extLst>
+  </p:cSld>
+  <p:clrMapOvr>
+    <a:masterClrMapping/>
+  </p:clrMapOvr>
+</p:notes>
+</file>
+
+<file path=ppt/notesSlides/notesSlide3.xml><?xml version="1.0" encoding="utf-8"?>
+<p:notes xmlns:a="http://schemas.openxmlformats.org/drawingml/2006/main" xmlns:r="http://schemas.openxmlformats.org/officeDocument/2006/relationships" xmlns:p="http://schemas.openxmlformats.org/presentationml/2006/main">
+  <p:cSld>
+    <p:spTree>
+      <p:nvGrpSpPr>
+        <p:cNvPr id="1" name=""/>
+        <p:cNvGrpSpPr/>
+        <p:nvPr/>
+      </p:nvGrpSpPr>
+      <p:grpSpPr>
+        <a:xfrm>
+          <a:off x="0" y="0"/>
+          <a:ext cx="0" cy="0"/>
+          <a:chOff x="0" y="0"/>
+          <a:chExt cx="0" cy="0"/>
+        </a:xfrm>
+      </p:grpSpPr>
+      <p:sp>
+        <p:nvSpPr>
+          <p:cNvPr id="2" name="슬라이드 이미지 개체 틀 1"/>
+          <p:cNvSpPr>
+            <a:spLocks noGrp="1" noRot="1" noChangeAspect="1"/>
+          </p:cNvSpPr>
+          <p:nvPr>
+            <p:ph type="sldImg"/>
+          </p:nvPr>
+        </p:nvSpPr>
+        <p:spPr/>
+      </p:sp>
+      <p:sp>
+        <p:nvSpPr>
+          <p:cNvPr id="3" name="슬라이드 노트 개체 틀 2"/>
+          <p:cNvSpPr>
+            <a:spLocks noGrp="1"/>
+          </p:cNvSpPr>
+          <p:nvPr>
+            <p:ph type="body" idx="1"/>
+          </p:nvPr>
+        </p:nvSpPr>
+        <p:spPr/>
+        <p:txBody>
+          <a:bodyPr/>
+          <a:lstStyle/>
+          <a:p>
+            <a:r>
+              <a:rPr lang="en-US" altLang="ko-KR" dirty="0"/>
+              <a:t>The red circle is the set of points that have the same probability value</a:t>
+            </a:r>
+            <a:endParaRPr lang="ko-KR" altLang="en-US" dirty="0"/>
+          </a:p>
+        </p:txBody>
+      </p:sp>
+      <p:sp>
+        <p:nvSpPr>
+          <p:cNvPr id="4" name="슬라이드 번호 개체 틀 3"/>
+          <p:cNvSpPr>
+            <a:spLocks noGrp="1"/>
+          </p:cNvSpPr>
+          <p:nvPr>
+            <p:ph type="sldNum" sz="quarter" idx="5"/>
+          </p:nvPr>
+        </p:nvSpPr>
+        <p:spPr/>
+        <p:txBody>
+          <a:bodyPr/>
+          <a:lstStyle/>
+          <a:p>
+            <a:pPr lvl="0">
+              <a:defRPr/>
+            </a:pPr>
+            <a:fld id="{17CD097A-5759-4135-9984-2451C32C3456}" type="slidenum">
+              <a:rPr lang="ko-KR" altLang="en-US" smtClean="0"/>
+              <a:pPr lvl="0">
+                <a:defRPr/>
+              </a:pPr>
+              <a:t>5</a:t>
+            </a:fld>
+            <a:endParaRPr lang="ko-KR" altLang="en-US"/>
+          </a:p>
+        </p:txBody>
+      </p:sp>
+    </p:spTree>
+    <p:extLst>
+      <p:ext uri="{BB962C8B-B14F-4D97-AF65-F5344CB8AC3E}">
+        <p14:creationId xmlns:p14="http://schemas.microsoft.com/office/powerpoint/2010/main" val="4120146764"/>
+      </p:ext>
+    </p:extLst>
+  </p:cSld>
+  <p:clrMapOvr>
+    <a:masterClrMapping/>
+  </p:clrMapOvr>
+</p:notes>
+</file>
+
+<file path=ppt/notesSlides/notesSlide4.xml><?xml version="1.0" encoding="utf-8"?>
+<p:notes xmlns:a="http://schemas.openxmlformats.org/drawingml/2006/main" xmlns:r="http://schemas.openxmlformats.org/officeDocument/2006/relationships" xmlns:p="http://schemas.openxmlformats.org/presentationml/2006/main">
+  <p:cSld>
+    <p:spTree>
+      <p:nvGrpSpPr>
+        <p:cNvPr id="1" name=""/>
+        <p:cNvGrpSpPr/>
+        <p:nvPr/>
+      </p:nvGrpSpPr>
+      <p:grpSpPr>
+        <a:xfrm>
+          <a:off x="0" y="0"/>
+          <a:ext cx="0" cy="0"/>
+          <a:chOff x="0" y="0"/>
+          <a:chExt cx="0" cy="0"/>
+        </a:xfrm>
+      </p:grpSpPr>
+      <p:sp>
+        <p:nvSpPr>
+          <p:cNvPr id="2" name="슬라이드 이미지 개체 틀 1"/>
+          <p:cNvSpPr>
+            <a:spLocks noGrp="1" noRot="1" noChangeAspect="1"/>
+          </p:cNvSpPr>
+          <p:nvPr>
+            <p:ph type="sldImg"/>
+          </p:nvPr>
+        </p:nvSpPr>
+        <p:spPr/>
+      </p:sp>
+      <p:sp>
+        <p:nvSpPr>
+          <p:cNvPr id="3" name="슬라이드 노트 개체 틀 2"/>
+          <p:cNvSpPr>
+            <a:spLocks noGrp="1"/>
+          </p:cNvSpPr>
+          <p:nvPr>
+            <p:ph type="body" idx="1"/>
+          </p:nvPr>
+        </p:nvSpPr>
+        <p:spPr/>
+        <p:txBody>
+          <a:bodyPr/>
+          <a:lstStyle/>
+          <a:p>
+            <a:r>
+              <a:rPr lang="en-US" altLang="ko-KR" dirty="0"/>
+              <a:t>Get the data from multiple channels in the red rectangle and calculate mean and covariance.</a:t>
+            </a:r>
+            <a:endParaRPr lang="ko-KR" altLang="en-US" dirty="0"/>
+          </a:p>
+        </p:txBody>
+      </p:sp>
+      <p:sp>
+        <p:nvSpPr>
+          <p:cNvPr id="4" name="슬라이드 번호 개체 틀 3"/>
+          <p:cNvSpPr>
+            <a:spLocks noGrp="1"/>
+          </p:cNvSpPr>
+          <p:nvPr>
+            <p:ph type="sldNum" sz="quarter" idx="5"/>
+          </p:nvPr>
+        </p:nvSpPr>
+        <p:spPr/>
+        <p:txBody>
+          <a:bodyPr/>
+          <a:lstStyle/>
+          <a:p>
+            <a:pPr lvl="0">
+              <a:defRPr/>
+            </a:pPr>
+            <a:fld id="{17CD097A-5759-4135-9984-2451C32C3456}" type="slidenum">
+              <a:rPr lang="ko-KR" altLang="en-US" smtClean="0"/>
+              <a:pPr lvl="0">
+                <a:defRPr/>
+              </a:pPr>
+              <a:t>7</a:t>
+            </a:fld>
+            <a:endParaRPr lang="ko-KR" altLang="en-US"/>
+          </a:p>
+        </p:txBody>
+      </p:sp>
+    </p:spTree>
+    <p:extLst>
+      <p:ext uri="{BB962C8B-B14F-4D97-AF65-F5344CB8AC3E}">
+        <p14:creationId xmlns:p14="http://schemas.microsoft.com/office/powerpoint/2010/main" val="4132936142"/>
+      </p:ext>
+    </p:extLst>
+  </p:cSld>
+  <p:clrMapOvr>
+    <a:masterClrMapping/>
+  </p:clrMapOvr>
+</p:notes>
+</file>
+
 <file path=ppt/slideLayouts/slideLayout1.xml><?xml version="1.0" encoding="utf-8"?>
 <p:sldLayout xmlns:a="http://schemas.openxmlformats.org/drawingml/2006/main" xmlns:r="http://schemas.openxmlformats.org/officeDocument/2006/relationships" xmlns:p="http://schemas.openxmlformats.org/presentationml/2006/main" type="title" preserve="1">
   <p:cSld name="제목 슬라이드">
@@ -658,7 +1054,7 @@
           <a:p>
             <a:fld id="{C98425AB-0F5E-4B1B-A3F7-CE19EA6D8895}" type="datetimeFigureOut">
               <a:rPr lang="ko-KR" altLang="en-US" smtClean="0"/>
-              <a:t>2024-02-05</a:t>
+              <a:t>2024-02-06</a:t>
             </a:fld>
             <a:endParaRPr lang="ko-KR" altLang="en-US"/>
           </a:p>
@@ -856,7 +1252,7 @@
           <a:p>
             <a:fld id="{C98425AB-0F5E-4B1B-A3F7-CE19EA6D8895}" type="datetimeFigureOut">
               <a:rPr lang="ko-KR" altLang="en-US" smtClean="0"/>
-              <a:t>2024-02-05</a:t>
+              <a:t>2024-02-06</a:t>
             </a:fld>
             <a:endParaRPr lang="ko-KR" altLang="en-US"/>
           </a:p>
@@ -1064,7 +1460,7 @@
           <a:p>
             <a:fld id="{C98425AB-0F5E-4B1B-A3F7-CE19EA6D8895}" type="datetimeFigureOut">
               <a:rPr lang="ko-KR" altLang="en-US" smtClean="0"/>
-              <a:t>2024-02-05</a:t>
+              <a:t>2024-02-06</a:t>
             </a:fld>
             <a:endParaRPr lang="ko-KR" altLang="en-US"/>
           </a:p>
@@ -1262,7 +1658,7 @@
           <a:p>
             <a:fld id="{C98425AB-0F5E-4B1B-A3F7-CE19EA6D8895}" type="datetimeFigureOut">
               <a:rPr lang="ko-KR" altLang="en-US" smtClean="0"/>
-              <a:t>2024-02-05</a:t>
+              <a:t>2024-02-06</a:t>
             </a:fld>
             <a:endParaRPr lang="ko-KR" altLang="en-US"/>
           </a:p>
@@ -1537,7 +1933,7 @@
           <a:p>
             <a:fld id="{C98425AB-0F5E-4B1B-A3F7-CE19EA6D8895}" type="datetimeFigureOut">
               <a:rPr lang="ko-KR" altLang="en-US" smtClean="0"/>
-              <a:t>2024-02-05</a:t>
+              <a:t>2024-02-06</a:t>
             </a:fld>
             <a:endParaRPr lang="ko-KR" altLang="en-US"/>
           </a:p>
@@ -1802,7 +2198,7 @@
           <a:p>
             <a:fld id="{C98425AB-0F5E-4B1B-A3F7-CE19EA6D8895}" type="datetimeFigureOut">
               <a:rPr lang="ko-KR" altLang="en-US" smtClean="0"/>
-              <a:t>2024-02-05</a:t>
+              <a:t>2024-02-06</a:t>
             </a:fld>
             <a:endParaRPr lang="ko-KR" altLang="en-US"/>
           </a:p>
@@ -2214,7 +2610,7 @@
           <a:p>
             <a:fld id="{C98425AB-0F5E-4B1B-A3F7-CE19EA6D8895}" type="datetimeFigureOut">
               <a:rPr lang="ko-KR" altLang="en-US" smtClean="0"/>
-              <a:t>2024-02-05</a:t>
+              <a:t>2024-02-06</a:t>
             </a:fld>
             <a:endParaRPr lang="ko-KR" altLang="en-US"/>
           </a:p>
@@ -2355,7 +2751,7 @@
           <a:p>
             <a:fld id="{C98425AB-0F5E-4B1B-A3F7-CE19EA6D8895}" type="datetimeFigureOut">
               <a:rPr lang="ko-KR" altLang="en-US" smtClean="0"/>
-              <a:t>2024-02-05</a:t>
+              <a:t>2024-02-06</a:t>
             </a:fld>
             <a:endParaRPr lang="ko-KR" altLang="en-US"/>
           </a:p>
@@ -2468,7 +2864,7 @@
           <a:p>
             <a:fld id="{C98425AB-0F5E-4B1B-A3F7-CE19EA6D8895}" type="datetimeFigureOut">
               <a:rPr lang="ko-KR" altLang="en-US" smtClean="0"/>
-              <a:t>2024-02-05</a:t>
+              <a:t>2024-02-06</a:t>
             </a:fld>
             <a:endParaRPr lang="ko-KR" altLang="en-US"/>
           </a:p>
@@ -2779,7 +3175,7 @@
           <a:p>
             <a:fld id="{C98425AB-0F5E-4B1B-A3F7-CE19EA6D8895}" type="datetimeFigureOut">
               <a:rPr lang="ko-KR" altLang="en-US" smtClean="0"/>
-              <a:t>2024-02-05</a:t>
+              <a:t>2024-02-06</a:t>
             </a:fld>
             <a:endParaRPr lang="ko-KR" altLang="en-US"/>
           </a:p>
@@ -3067,7 +3463,7 @@
           <a:p>
             <a:fld id="{C98425AB-0F5E-4B1B-A3F7-CE19EA6D8895}" type="datetimeFigureOut">
               <a:rPr lang="ko-KR" altLang="en-US" smtClean="0"/>
-              <a:t>2024-02-05</a:t>
+              <a:t>2024-02-06</a:t>
             </a:fld>
             <a:endParaRPr lang="ko-KR" altLang="en-US"/>
           </a:p>
@@ -3308,7 +3704,7 @@
           <a:p>
             <a:fld id="{C98425AB-0F5E-4B1B-A3F7-CE19EA6D8895}" type="datetimeFigureOut">
               <a:rPr lang="ko-KR" altLang="en-US" smtClean="0"/>
-              <a:t>2024-02-05</a:t>
+              <a:t>2024-02-06</a:t>
             </a:fld>
             <a:endParaRPr lang="ko-KR" altLang="en-US"/>
           </a:p>
@@ -3844,31 +4240,39 @@
           <a:lstStyle/>
           <a:p>
             <a:r>
+              <a:rPr lang="en-US" altLang="ko-KR" sz="3600" dirty="0" err="1">
+                <a:solidFill>
+                  <a:schemeClr val="bg1"/>
+                </a:solidFill>
+                <a:latin typeface="Georgia" panose="02040502050405020303" pitchFamily="18" charset="0"/>
+              </a:rPr>
+              <a:t>PaDiM</a:t>
+            </a:r>
+            <a:r>
               <a:rPr lang="en-US" altLang="ko-KR" sz="3600" dirty="0">
                 <a:solidFill>
                   <a:schemeClr val="bg1"/>
                 </a:solidFill>
                 <a:latin typeface="Georgia" panose="02040502050405020303" pitchFamily="18" charset="0"/>
               </a:rPr>
-              <a:t>A</a:t>
-            </a:r>
-            <a:r>
-              <a:rPr lang="ko-KR" altLang="en-US" sz="3600" dirty="0">
-                <a:solidFill>
-                  <a:schemeClr val="bg1"/>
-                </a:solidFill>
-                <a:latin typeface="Georgia" panose="02040502050405020303" pitchFamily="18" charset="0"/>
-              </a:rPr>
-              <a:t> </a:t>
-            </a:r>
-            <a:r>
+              <a:t>: a Patch Distribution Modeling Framework for </a:t>
+            </a:r>
+            <a:br>
               <a:rPr lang="en-US" altLang="ko-KR" sz="3600" dirty="0">
                 <a:solidFill>
                   <a:schemeClr val="bg1"/>
                 </a:solidFill>
                 <a:latin typeface="Georgia" panose="02040502050405020303" pitchFamily="18" charset="0"/>
               </a:rPr>
-              <a:t>Patch Distribution Modeling Framework for Anomaly Detection and Localization</a:t>
+            </a:br>
+            <a:r>
+              <a:rPr lang="en-US" altLang="ko-KR" sz="3600" dirty="0">
+                <a:solidFill>
+                  <a:schemeClr val="bg1"/>
+                </a:solidFill>
+                <a:latin typeface="Georgia" panose="02040502050405020303" pitchFamily="18" charset="0"/>
+              </a:rPr>
+              <a:t>Anomaly Detection and Localization</a:t>
             </a:r>
             <a:endParaRPr lang="ko-KR" altLang="en-US" sz="3600" dirty="0">
               <a:solidFill>
@@ -4172,6 +4576,1857 @@
       </p:grpSpPr>
       <p:sp>
         <p:nvSpPr>
+          <p:cNvPr id="7" name="직사각형 6">
+            <a:extLst>
+              <a:ext uri="{FF2B5EF4-FFF2-40B4-BE49-F238E27FC236}">
+                <a16:creationId xmlns:a16="http://schemas.microsoft.com/office/drawing/2014/main" id="{0FCFF1AD-9D37-44AF-8BEC-07348036B89F}"/>
+              </a:ext>
+            </a:extLst>
+          </p:cNvPr>
+          <p:cNvSpPr/>
+          <p:nvPr/>
+        </p:nvSpPr>
+        <p:spPr>
+          <a:xfrm>
+            <a:off x="0" y="7825"/>
+            <a:ext cx="12192000" cy="1138060"/>
+          </a:xfrm>
+          <a:prstGeom prst="rect">
+            <a:avLst/>
+          </a:prstGeom>
+          <a:blipFill dpi="0" rotWithShape="1">
+            <a:blip r:embed="rId2">
+              <a:duotone>
+                <a:schemeClr val="bg2">
+                  <a:shade val="45000"/>
+                  <a:satMod val="135000"/>
+                </a:schemeClr>
+                <a:prstClr val="white"/>
+              </a:duotone>
+            </a:blip>
+            <a:srcRect/>
+            <a:stretch>
+              <a:fillRect/>
+            </a:stretch>
+          </a:blipFill>
+          <a:ln>
+            <a:noFill/>
+          </a:ln>
+        </p:spPr>
+        <p:style>
+          <a:lnRef idx="2">
+            <a:schemeClr val="accent1">
+              <a:shade val="50000"/>
+            </a:schemeClr>
+          </a:lnRef>
+          <a:fillRef idx="1">
+            <a:schemeClr val="accent1"/>
+          </a:fillRef>
+          <a:effectRef idx="0">
+            <a:schemeClr val="accent1"/>
+          </a:effectRef>
+          <a:fontRef idx="minor">
+            <a:schemeClr val="lt1"/>
+          </a:fontRef>
+        </p:style>
+        <p:txBody>
+          <a:bodyPr rtlCol="0" anchor="ctr"/>
+          <a:lstStyle/>
+          <a:p>
+            <a:pPr algn="ctr"/>
+            <a:endParaRPr lang="ko-KR" altLang="en-US"/>
+          </a:p>
+        </p:txBody>
+      </p:sp>
+      <p:pic>
+        <p:nvPicPr>
+          <p:cNvPr id="4" name="그림 3">
+            <a:extLst>
+              <a:ext uri="{FF2B5EF4-FFF2-40B4-BE49-F238E27FC236}">
+                <a16:creationId xmlns:a16="http://schemas.microsoft.com/office/drawing/2014/main" id="{D44C6481-ED90-4C56-B6A1-40A93D78C87C}"/>
+              </a:ext>
+            </a:extLst>
+          </p:cNvPr>
+          <p:cNvPicPr>
+            <a:picLocks noChangeAspect="1"/>
+          </p:cNvPicPr>
+          <p:nvPr/>
+        </p:nvPicPr>
+        <p:blipFill>
+          <a:blip r:embed="rId3"/>
+          <a:stretch>
+            <a:fillRect/>
+          </a:stretch>
+        </p:blipFill>
+        <p:spPr>
+          <a:xfrm>
+            <a:off x="5709690" y="5144348"/>
+            <a:ext cx="5856667" cy="816450"/>
+          </a:xfrm>
+          <a:prstGeom prst="rect">
+            <a:avLst/>
+          </a:prstGeom>
+        </p:spPr>
+      </p:pic>
+      <mc:AlternateContent xmlns:mc="http://schemas.openxmlformats.org/markup-compatibility/2006" xmlns:a14="http://schemas.microsoft.com/office/drawing/2010/main">
+        <mc:Choice Requires="a14">
+          <p:sp>
+            <p:nvSpPr>
+              <p:cNvPr id="6" name="내용 개체 틀 2">
+                <a:extLst>
+                  <a:ext uri="{FF2B5EF4-FFF2-40B4-BE49-F238E27FC236}">
+                    <a16:creationId xmlns:a16="http://schemas.microsoft.com/office/drawing/2014/main" id="{30029AAD-8E8B-4222-9628-06EDE3155E8A}"/>
+                  </a:ext>
+                </a:extLst>
+              </p:cNvPr>
+              <p:cNvSpPr txBox="1">
+                <a:spLocks/>
+              </p:cNvSpPr>
+              <p:nvPr/>
+            </p:nvSpPr>
+            <p:spPr>
+              <a:xfrm>
+                <a:off x="838200" y="4739593"/>
+                <a:ext cx="4718801" cy="1985210"/>
+              </a:xfrm>
+              <a:prstGeom prst="rect">
+                <a:avLst/>
+              </a:prstGeom>
+            </p:spPr>
+            <p:txBody>
+              <a:bodyPr vert="horz" lIns="91440" tIns="45720" rIns="91440" bIns="45720" rtlCol="0">
+                <a:noAutofit/>
+              </a:bodyPr>
+              <a:lstStyle>
+                <a:lvl1pPr marL="228600" indent="-228600" algn="l" defTabSz="914400" rtl="0" eaLnBrk="1" latinLnBrk="1" hangingPunct="1">
+                  <a:lnSpc>
+                    <a:spcPct val="90000"/>
+                  </a:lnSpc>
+                  <a:spcBef>
+                    <a:spcPts val="1000"/>
+                  </a:spcBef>
+                  <a:buFont typeface="Arial" panose="020B0604020202020204" pitchFamily="34" charset="0"/>
+                  <a:buChar char="•"/>
+                  <a:defRPr sz="2800" kern="1200">
+                    <a:solidFill>
+                      <a:schemeClr val="tx1"/>
+                    </a:solidFill>
+                    <a:latin typeface="+mn-lt"/>
+                    <a:ea typeface="+mn-ea"/>
+                    <a:cs typeface="+mn-cs"/>
+                  </a:defRPr>
+                </a:lvl1pPr>
+                <a:lvl2pPr marL="685800" indent="-228600" algn="l" defTabSz="914400" rtl="0" eaLnBrk="1" latinLnBrk="1" hangingPunct="1">
+                  <a:lnSpc>
+                    <a:spcPct val="90000"/>
+                  </a:lnSpc>
+                  <a:spcBef>
+                    <a:spcPts val="500"/>
+                  </a:spcBef>
+                  <a:buFont typeface="Arial" panose="020B0604020202020204" pitchFamily="34" charset="0"/>
+                  <a:buChar char="•"/>
+                  <a:defRPr sz="2400" kern="1200">
+                    <a:solidFill>
+                      <a:schemeClr val="tx1"/>
+                    </a:solidFill>
+                    <a:latin typeface="+mn-lt"/>
+                    <a:ea typeface="+mn-ea"/>
+                    <a:cs typeface="+mn-cs"/>
+                  </a:defRPr>
+                </a:lvl2pPr>
+                <a:lvl3pPr marL="1143000" indent="-228600" algn="l" defTabSz="914400" rtl="0" eaLnBrk="1" latinLnBrk="1" hangingPunct="1">
+                  <a:lnSpc>
+                    <a:spcPct val="90000"/>
+                  </a:lnSpc>
+                  <a:spcBef>
+                    <a:spcPts val="500"/>
+                  </a:spcBef>
+                  <a:buFont typeface="Arial" panose="020B0604020202020204" pitchFamily="34" charset="0"/>
+                  <a:buChar char="•"/>
+                  <a:defRPr sz="2000" kern="1200">
+                    <a:solidFill>
+                      <a:schemeClr val="tx1"/>
+                    </a:solidFill>
+                    <a:latin typeface="+mn-lt"/>
+                    <a:ea typeface="+mn-ea"/>
+                    <a:cs typeface="+mn-cs"/>
+                  </a:defRPr>
+                </a:lvl3pPr>
+                <a:lvl4pPr marL="1600200" indent="-228600" algn="l" defTabSz="914400" rtl="0" eaLnBrk="1" latinLnBrk="1" hangingPunct="1">
+                  <a:lnSpc>
+                    <a:spcPct val="90000"/>
+                  </a:lnSpc>
+                  <a:spcBef>
+                    <a:spcPts val="500"/>
+                  </a:spcBef>
+                  <a:buFont typeface="Arial" panose="020B0604020202020204" pitchFamily="34" charset="0"/>
+                  <a:buChar char="•"/>
+                  <a:defRPr sz="1800" kern="1200">
+                    <a:solidFill>
+                      <a:schemeClr val="tx1"/>
+                    </a:solidFill>
+                    <a:latin typeface="+mn-lt"/>
+                    <a:ea typeface="+mn-ea"/>
+                    <a:cs typeface="+mn-cs"/>
+                  </a:defRPr>
+                </a:lvl4pPr>
+                <a:lvl5pPr marL="2057400" indent="-228600" algn="l" defTabSz="914400" rtl="0" eaLnBrk="1" latinLnBrk="1" hangingPunct="1">
+                  <a:lnSpc>
+                    <a:spcPct val="90000"/>
+                  </a:lnSpc>
+                  <a:spcBef>
+                    <a:spcPts val="500"/>
+                  </a:spcBef>
+                  <a:buFont typeface="Arial" panose="020B0604020202020204" pitchFamily="34" charset="0"/>
+                  <a:buChar char="•"/>
+                  <a:defRPr sz="1800" kern="1200">
+                    <a:solidFill>
+                      <a:schemeClr val="tx1"/>
+                    </a:solidFill>
+                    <a:latin typeface="+mn-lt"/>
+                    <a:ea typeface="+mn-ea"/>
+                    <a:cs typeface="+mn-cs"/>
+                  </a:defRPr>
+                </a:lvl5pPr>
+                <a:lvl6pPr marL="2514600" indent="-228600" algn="l" defTabSz="914400" rtl="0" eaLnBrk="1" latinLnBrk="1" hangingPunct="1">
+                  <a:lnSpc>
+                    <a:spcPct val="90000"/>
+                  </a:lnSpc>
+                  <a:spcBef>
+                    <a:spcPts val="500"/>
+                  </a:spcBef>
+                  <a:buFont typeface="Arial" panose="020B0604020202020204" pitchFamily="34" charset="0"/>
+                  <a:buChar char="•"/>
+                  <a:defRPr sz="1800" kern="1200">
+                    <a:solidFill>
+                      <a:schemeClr val="tx1"/>
+                    </a:solidFill>
+                    <a:latin typeface="+mn-lt"/>
+                    <a:ea typeface="+mn-ea"/>
+                    <a:cs typeface="+mn-cs"/>
+                  </a:defRPr>
+                </a:lvl6pPr>
+                <a:lvl7pPr marL="2971800" indent="-228600" algn="l" defTabSz="914400" rtl="0" eaLnBrk="1" latinLnBrk="1" hangingPunct="1">
+                  <a:lnSpc>
+                    <a:spcPct val="90000"/>
+                  </a:lnSpc>
+                  <a:spcBef>
+                    <a:spcPts val="500"/>
+                  </a:spcBef>
+                  <a:buFont typeface="Arial" panose="020B0604020202020204" pitchFamily="34" charset="0"/>
+                  <a:buChar char="•"/>
+                  <a:defRPr sz="1800" kern="1200">
+                    <a:solidFill>
+                      <a:schemeClr val="tx1"/>
+                    </a:solidFill>
+                    <a:latin typeface="+mn-lt"/>
+                    <a:ea typeface="+mn-ea"/>
+                    <a:cs typeface="+mn-cs"/>
+                  </a:defRPr>
+                </a:lvl7pPr>
+                <a:lvl8pPr marL="3429000" indent="-228600" algn="l" defTabSz="914400" rtl="0" eaLnBrk="1" latinLnBrk="1" hangingPunct="1">
+                  <a:lnSpc>
+                    <a:spcPct val="90000"/>
+                  </a:lnSpc>
+                  <a:spcBef>
+                    <a:spcPts val="500"/>
+                  </a:spcBef>
+                  <a:buFont typeface="Arial" panose="020B0604020202020204" pitchFamily="34" charset="0"/>
+                  <a:buChar char="•"/>
+                  <a:defRPr sz="1800" kern="1200">
+                    <a:solidFill>
+                      <a:schemeClr val="tx1"/>
+                    </a:solidFill>
+                    <a:latin typeface="+mn-lt"/>
+                    <a:ea typeface="+mn-ea"/>
+                    <a:cs typeface="+mn-cs"/>
+                  </a:defRPr>
+                </a:lvl8pPr>
+                <a:lvl9pPr marL="3886200" indent="-228600" algn="l" defTabSz="914400" rtl="0" eaLnBrk="1" latinLnBrk="1" hangingPunct="1">
+                  <a:lnSpc>
+                    <a:spcPct val="90000"/>
+                  </a:lnSpc>
+                  <a:spcBef>
+                    <a:spcPts val="500"/>
+                  </a:spcBef>
+                  <a:buFont typeface="Arial" panose="020B0604020202020204" pitchFamily="34" charset="0"/>
+                  <a:buChar char="•"/>
+                  <a:defRPr sz="1800" kern="1200">
+                    <a:solidFill>
+                      <a:schemeClr val="tx1"/>
+                    </a:solidFill>
+                    <a:latin typeface="+mn-lt"/>
+                    <a:ea typeface="+mn-ea"/>
+                    <a:cs typeface="+mn-cs"/>
+                  </a:defRPr>
+                </a:lvl9pPr>
+              </a:lstStyle>
+              <a:p>
+                <a:pPr marL="0" indent="0">
+                  <a:buNone/>
+                </a:pPr>
+                <a14:m>
+                  <m:oMathPara xmlns:m="http://schemas.openxmlformats.org/officeDocument/2006/math">
+                    <m:oMathParaPr>
+                      <m:jc m:val="left"/>
+                    </m:oMathParaPr>
+                    <m:oMath xmlns:m="http://schemas.openxmlformats.org/officeDocument/2006/math">
+                      <m:sSub>
+                        <m:sSubPr>
+                          <m:ctrlPr>
+                            <a:rPr lang="en-US" altLang="ko-KR" sz="1200" i="1" smtClean="0">
+                              <a:latin typeface="Cambria Math" panose="02040503050406030204" pitchFamily="18" charset="0"/>
+                            </a:rPr>
+                          </m:ctrlPr>
+                        </m:sSubPr>
+                        <m:e>
+                          <m:r>
+                            <a:rPr lang="en-US" altLang="ko-KR" sz="1200" b="0" i="1" smtClean="0">
+                              <a:latin typeface="Cambria Math" panose="02040503050406030204" pitchFamily="18" charset="0"/>
+                            </a:rPr>
+                            <m:t>𝑥</m:t>
+                          </m:r>
+                        </m:e>
+                        <m:sub>
+                          <m:r>
+                            <a:rPr lang="en-US" altLang="ko-KR" sz="1200" i="1">
+                              <a:latin typeface="Cambria Math" panose="02040503050406030204" pitchFamily="18" charset="0"/>
+                            </a:rPr>
+                            <m:t>𝑖𝑗</m:t>
+                          </m:r>
+                        </m:sub>
+                      </m:sSub>
+                      <m:r>
+                        <a:rPr lang="en-US" altLang="ko-KR" sz="1200" i="1">
+                          <a:latin typeface="Cambria Math" panose="02040503050406030204" pitchFamily="18" charset="0"/>
+                        </a:rPr>
+                        <m:t>:</m:t>
+                      </m:r>
+                      <m:r>
+                        <a:rPr lang="en-US" altLang="ko-KR" sz="1200" i="1">
+                          <a:latin typeface="Cambria Math" panose="02040503050406030204" pitchFamily="18" charset="0"/>
+                        </a:rPr>
+                        <m:t>𝑇h𝑒</m:t>
+                      </m:r>
+                      <m:r>
+                        <a:rPr lang="en-US" altLang="ko-KR" sz="1200" i="1">
+                          <a:latin typeface="Cambria Math" panose="02040503050406030204" pitchFamily="18" charset="0"/>
+                        </a:rPr>
+                        <m:t> </m:t>
+                      </m:r>
+                      <m:r>
+                        <a:rPr lang="en-US" altLang="ko-KR" sz="1200" i="1">
+                          <a:latin typeface="Cambria Math" panose="02040503050406030204" pitchFamily="18" charset="0"/>
+                        </a:rPr>
+                        <m:t>𝑝𝑎𝑡𝑐h</m:t>
+                      </m:r>
+                      <m:r>
+                        <a:rPr lang="en-US" altLang="ko-KR" sz="1200" i="1">
+                          <a:latin typeface="Cambria Math" panose="02040503050406030204" pitchFamily="18" charset="0"/>
+                        </a:rPr>
+                        <m:t> </m:t>
+                      </m:r>
+                      <m:r>
+                        <a:rPr lang="en-US" altLang="ko-KR" sz="1200" i="1">
+                          <a:latin typeface="Cambria Math" panose="02040503050406030204" pitchFamily="18" charset="0"/>
+                        </a:rPr>
+                        <m:t>𝑒𝑚𝑏𝑒𝑑𝑑𝑖𝑛𝑔</m:t>
+                      </m:r>
+                      <m:r>
+                        <a:rPr lang="en-US" altLang="ko-KR" sz="1200" i="1">
+                          <a:latin typeface="Cambria Math" panose="02040503050406030204" pitchFamily="18" charset="0"/>
+                        </a:rPr>
+                        <m:t> </m:t>
+                      </m:r>
+                      <m:r>
+                        <a:rPr lang="en-US" altLang="ko-KR" sz="1200" i="1">
+                          <a:latin typeface="Cambria Math" panose="02040503050406030204" pitchFamily="18" charset="0"/>
+                        </a:rPr>
+                        <m:t>𝑣𝑒𝑐𝑡𝑜𝑟</m:t>
+                      </m:r>
+                      <m:r>
+                        <a:rPr lang="en-US" altLang="ko-KR" sz="1200" i="1">
+                          <a:latin typeface="Cambria Math" panose="02040503050406030204" pitchFamily="18" charset="0"/>
+                        </a:rPr>
+                        <m:t> </m:t>
+                      </m:r>
+                      <m:r>
+                        <a:rPr lang="en-US" altLang="ko-KR" sz="1200" i="1">
+                          <a:latin typeface="Cambria Math" panose="02040503050406030204" pitchFamily="18" charset="0"/>
+                        </a:rPr>
+                        <m:t>𝑐𝑜𝑟𝑟𝑒𝑠𝑝𝑜𝑛𝑑𝑖𝑛𝑔</m:t>
+                      </m:r>
+                      <m:r>
+                        <a:rPr lang="en-US" altLang="ko-KR" sz="1200" i="1">
+                          <a:latin typeface="Cambria Math" panose="02040503050406030204" pitchFamily="18" charset="0"/>
+                        </a:rPr>
+                        <m:t> </m:t>
+                      </m:r>
+                      <m:r>
+                        <a:rPr lang="en-US" altLang="ko-KR" sz="1200" i="1">
+                          <a:latin typeface="Cambria Math" panose="02040503050406030204" pitchFamily="18" charset="0"/>
+                        </a:rPr>
+                        <m:t>𝑡𝑜</m:t>
+                      </m:r>
+                      <m:r>
+                        <a:rPr lang="en-US" altLang="ko-KR" sz="1200" i="1">
+                          <a:latin typeface="Cambria Math" panose="02040503050406030204" pitchFamily="18" charset="0"/>
+                        </a:rPr>
+                        <m:t> </m:t>
+                      </m:r>
+                      <m:r>
+                        <a:rPr lang="en-US" altLang="ko-KR" sz="1200" i="1">
+                          <a:latin typeface="Cambria Math" panose="02040503050406030204" pitchFamily="18" charset="0"/>
+                        </a:rPr>
+                        <m:t>𝑝𝑜𝑠𝑖𝑡𝑖𝑜𝑛</m:t>
+                      </m:r>
+                      <m:r>
+                        <a:rPr lang="en-US" altLang="ko-KR" sz="1200" i="1">
+                          <a:latin typeface="Cambria Math" panose="02040503050406030204" pitchFamily="18" charset="0"/>
+                        </a:rPr>
+                        <m:t> </m:t>
+                      </m:r>
+                      <m:d>
+                        <m:dPr>
+                          <m:ctrlPr>
+                            <a:rPr lang="en-US" altLang="ko-KR" sz="1200" i="1">
+                              <a:latin typeface="Cambria Math" panose="02040503050406030204" pitchFamily="18" charset="0"/>
+                            </a:rPr>
+                          </m:ctrlPr>
+                        </m:dPr>
+                        <m:e>
+                          <m:r>
+                            <a:rPr lang="en-US" altLang="ko-KR" sz="1200" i="1">
+                              <a:latin typeface="Cambria Math" panose="02040503050406030204" pitchFamily="18" charset="0"/>
+                            </a:rPr>
+                            <m:t>𝑖</m:t>
+                          </m:r>
+                          <m:r>
+                            <a:rPr lang="en-US" altLang="ko-KR" sz="1200" i="1">
+                              <a:latin typeface="Cambria Math" panose="02040503050406030204" pitchFamily="18" charset="0"/>
+                            </a:rPr>
+                            <m:t>, </m:t>
+                          </m:r>
+                          <m:r>
+                            <a:rPr lang="en-US" altLang="ko-KR" sz="1200" i="1">
+                              <a:latin typeface="Cambria Math" panose="02040503050406030204" pitchFamily="18" charset="0"/>
+                            </a:rPr>
+                            <m:t>𝑗</m:t>
+                          </m:r>
+                        </m:e>
+                      </m:d>
+                    </m:oMath>
+                  </m:oMathPara>
+                </a14:m>
+                <a:endParaRPr lang="en-US" altLang="ko-KR" sz="1200" i="1" dirty="0">
+                  <a:latin typeface="Georgia" panose="02040502050405020303" pitchFamily="18" charset="0"/>
+                </a:endParaRPr>
+              </a:p>
+              <a:p>
+                <a:pPr marL="0" indent="0">
+                  <a:buNone/>
+                </a:pPr>
+                <a14:m>
+                  <m:oMath xmlns:m="http://schemas.openxmlformats.org/officeDocument/2006/math">
+                    <m:sSub>
+                      <m:sSubPr>
+                        <m:ctrlPr>
+                          <a:rPr lang="en-US" altLang="ko-KR" sz="1200" i="1" smtClean="0">
+                            <a:latin typeface="Cambria Math" panose="02040503050406030204" pitchFamily="18" charset="0"/>
+                          </a:rPr>
+                        </m:ctrlPr>
+                      </m:sSubPr>
+                      <m:e>
+                        <m:r>
+                          <a:rPr lang="ko-KR" altLang="en-US" sz="1200" i="1" smtClean="0">
+                            <a:latin typeface="Cambria Math" panose="02040503050406030204" pitchFamily="18" charset="0"/>
+                          </a:rPr>
+                          <m:t>𝜇</m:t>
+                        </m:r>
+                      </m:e>
+                      <m:sub>
+                        <m:r>
+                          <a:rPr lang="en-US" altLang="ko-KR" sz="1200" b="0" i="1" smtClean="0">
+                            <a:latin typeface="Cambria Math" panose="02040503050406030204" pitchFamily="18" charset="0"/>
+                          </a:rPr>
+                          <m:t>𝑖𝑗</m:t>
+                        </m:r>
+                      </m:sub>
+                    </m:sSub>
+                    <m:r>
+                      <a:rPr lang="en-US" altLang="ko-KR" sz="1200" i="1">
+                        <a:latin typeface="Cambria Math" panose="02040503050406030204" pitchFamily="18" charset="0"/>
+                      </a:rPr>
+                      <m:t>:</m:t>
+                    </m:r>
+                    <m:r>
+                      <a:rPr lang="en-US" altLang="ko-KR" sz="1200" b="0" i="1" smtClean="0">
+                        <a:latin typeface="Cambria Math" panose="02040503050406030204" pitchFamily="18" charset="0"/>
+                      </a:rPr>
+                      <m:t>𝑇h𝑒</m:t>
+                    </m:r>
+                    <m:r>
+                      <a:rPr lang="en-US" altLang="ko-KR" sz="1200" b="0" i="1" smtClean="0">
+                        <a:latin typeface="Cambria Math" panose="02040503050406030204" pitchFamily="18" charset="0"/>
+                      </a:rPr>
+                      <m:t> </m:t>
+                    </m:r>
+                    <m:r>
+                      <a:rPr lang="en-US" altLang="ko-KR" sz="1200" b="0" i="1" smtClean="0">
+                        <a:latin typeface="Cambria Math" panose="02040503050406030204" pitchFamily="18" charset="0"/>
+                      </a:rPr>
+                      <m:t>𝑚𝑒𝑎𝑛</m:t>
+                    </m:r>
+                    <m:r>
+                      <a:rPr lang="en-US" altLang="ko-KR" sz="1200" b="0" i="1" smtClean="0">
+                        <a:latin typeface="Cambria Math" panose="02040503050406030204" pitchFamily="18" charset="0"/>
+                      </a:rPr>
+                      <m:t> </m:t>
+                    </m:r>
+                    <m:r>
+                      <a:rPr lang="en-US" altLang="ko-KR" sz="1200" b="0" i="1" smtClean="0">
+                        <a:latin typeface="Cambria Math" panose="02040503050406030204" pitchFamily="18" charset="0"/>
+                      </a:rPr>
+                      <m:t>𝑜𝑓</m:t>
+                    </m:r>
+                    <m:r>
+                      <a:rPr lang="en-US" altLang="ko-KR" sz="1200" b="0" i="1" smtClean="0">
+                        <a:latin typeface="Cambria Math" panose="02040503050406030204" pitchFamily="18" charset="0"/>
+                      </a:rPr>
+                      <m:t> </m:t>
+                    </m:r>
+                    <m:sSub>
+                      <m:sSubPr>
+                        <m:ctrlPr>
+                          <a:rPr lang="en-US" altLang="ko-KR" sz="1200" b="0" i="1" smtClean="0">
+                            <a:latin typeface="Cambria Math" panose="02040503050406030204" pitchFamily="18" charset="0"/>
+                          </a:rPr>
+                        </m:ctrlPr>
+                      </m:sSubPr>
+                      <m:e>
+                        <m:r>
+                          <a:rPr lang="en-US" altLang="ko-KR" sz="1200" b="0" i="1" smtClean="0">
+                            <a:latin typeface="Cambria Math" panose="02040503050406030204" pitchFamily="18" charset="0"/>
+                          </a:rPr>
+                          <m:t>𝑋</m:t>
+                        </m:r>
+                      </m:e>
+                      <m:sub>
+                        <m:r>
+                          <a:rPr lang="en-US" altLang="ko-KR" sz="1200" b="0" i="1" smtClean="0">
+                            <a:latin typeface="Cambria Math" panose="02040503050406030204" pitchFamily="18" charset="0"/>
+                          </a:rPr>
+                          <m:t>𝑖𝑗</m:t>
+                        </m:r>
+                      </m:sub>
+                    </m:sSub>
+                    <m:r>
+                      <a:rPr lang="en-US" altLang="ko-KR" sz="1200" i="1">
+                        <a:latin typeface="Cambria Math" panose="02040503050406030204" pitchFamily="18" charset="0"/>
+                      </a:rPr>
+                      <m:t>, </m:t>
+                    </m:r>
+                    <m:r>
+                      <a:rPr lang="en-US" altLang="ko-KR" sz="1200" i="1">
+                        <a:latin typeface="Cambria Math" panose="02040503050406030204" pitchFamily="18" charset="0"/>
+                      </a:rPr>
+                      <m:t>𝑤h𝑖𝑐h</m:t>
+                    </m:r>
+                    <m:r>
+                      <a:rPr lang="en-US" altLang="ko-KR" sz="1200" i="1">
+                        <a:latin typeface="Cambria Math" panose="02040503050406030204" pitchFamily="18" charset="0"/>
+                      </a:rPr>
+                      <m:t> </m:t>
+                    </m:r>
+                    <m:r>
+                      <a:rPr lang="en-US" altLang="ko-KR" sz="1200" i="1">
+                        <a:latin typeface="Cambria Math" panose="02040503050406030204" pitchFamily="18" charset="0"/>
+                      </a:rPr>
+                      <m:t>𝑖𝑠</m:t>
+                    </m:r>
+                    <m:r>
+                      <a:rPr lang="en-US" altLang="ko-KR" sz="1200" i="1">
+                        <a:latin typeface="Cambria Math" panose="02040503050406030204" pitchFamily="18" charset="0"/>
+                      </a:rPr>
+                      <m:t> </m:t>
+                    </m:r>
+                    <m:r>
+                      <a:rPr lang="en-US" altLang="ko-KR" sz="1200" i="1">
+                        <a:latin typeface="Cambria Math" panose="02040503050406030204" pitchFamily="18" charset="0"/>
+                      </a:rPr>
+                      <m:t>𝑡h𝑒</m:t>
+                    </m:r>
+                    <m:r>
+                      <a:rPr lang="en-US" altLang="ko-KR" sz="1200" i="1">
+                        <a:latin typeface="Cambria Math" panose="02040503050406030204" pitchFamily="18" charset="0"/>
+                      </a:rPr>
+                      <m:t> </m:t>
+                    </m:r>
+                    <m:r>
+                      <a:rPr lang="en-US" altLang="ko-KR" sz="1200" i="1">
+                        <a:latin typeface="Cambria Math" panose="02040503050406030204" pitchFamily="18" charset="0"/>
+                      </a:rPr>
+                      <m:t>𝑎𝑣𝑒𝑟𝑎𝑔𝑒</m:t>
+                    </m:r>
+                    <m:r>
+                      <a:rPr lang="en-US" altLang="ko-KR" sz="1200" i="1">
+                        <a:latin typeface="Cambria Math" panose="02040503050406030204" pitchFamily="18" charset="0"/>
+                      </a:rPr>
+                      <m:t> </m:t>
+                    </m:r>
+                    <m:r>
+                      <a:rPr lang="en-US" altLang="ko-KR" sz="1200" i="1">
+                        <a:latin typeface="Cambria Math" panose="02040503050406030204" pitchFamily="18" charset="0"/>
+                      </a:rPr>
+                      <m:t>𝑜𝑓</m:t>
+                    </m:r>
+                    <m:r>
+                      <a:rPr lang="en-US" altLang="ko-KR" sz="1200" i="1">
+                        <a:latin typeface="Cambria Math" panose="02040503050406030204" pitchFamily="18" charset="0"/>
+                      </a:rPr>
+                      <m:t> </m:t>
+                    </m:r>
+                    <m:r>
+                      <a:rPr lang="en-US" altLang="ko-KR" sz="1200" i="1">
+                        <a:latin typeface="Cambria Math" panose="02040503050406030204" pitchFamily="18" charset="0"/>
+                      </a:rPr>
+                      <m:t>𝑡h𝑒</m:t>
+                    </m:r>
+                    <m:r>
+                      <a:rPr lang="en-US" altLang="ko-KR" sz="1200" i="1">
+                        <a:latin typeface="Cambria Math" panose="02040503050406030204" pitchFamily="18" charset="0"/>
+                      </a:rPr>
+                      <m:t> </m:t>
+                    </m:r>
+                    <m:r>
+                      <a:rPr lang="en-US" altLang="ko-KR" sz="1200" i="1">
+                        <a:latin typeface="Cambria Math" panose="02040503050406030204" pitchFamily="18" charset="0"/>
+                      </a:rPr>
+                      <m:t>𝑒𝑚𝑏𝑒𝑑𝑑𝑖𝑛𝑔</m:t>
+                    </m:r>
+                    <m:r>
+                      <a:rPr lang="en-US" altLang="ko-KR" sz="1200" i="1">
+                        <a:latin typeface="Cambria Math" panose="02040503050406030204" pitchFamily="18" charset="0"/>
+                      </a:rPr>
+                      <m:t> </m:t>
+                    </m:r>
+                    <m:r>
+                      <a:rPr lang="en-US" altLang="ko-KR" sz="1200" i="1">
+                        <a:latin typeface="Cambria Math" panose="02040503050406030204" pitchFamily="18" charset="0"/>
+                      </a:rPr>
+                      <m:t>𝑣𝑒𝑐𝑡𝑜𝑟𝑠</m:t>
+                    </m:r>
+                  </m:oMath>
+                </a14:m>
+                <a:r>
+                  <a:rPr lang="en-US" altLang="ko-KR" sz="1200" i="1" dirty="0">
+                    <a:latin typeface="Georgia" panose="02040502050405020303" pitchFamily="18" charset="0"/>
+                  </a:rPr>
+                  <a:t> </a:t>
+                </a:r>
+                <a14:m>
+                  <m:oMath xmlns:m="http://schemas.openxmlformats.org/officeDocument/2006/math">
+                    <m:r>
+                      <a:rPr lang="en-US" altLang="ko-KR" sz="1200" i="1">
+                        <a:latin typeface="Cambria Math" panose="02040503050406030204" pitchFamily="18" charset="0"/>
+                      </a:rPr>
+                      <m:t>𝑓𝑜𝑟</m:t>
+                    </m:r>
+                    <m:r>
+                      <a:rPr lang="en-US" altLang="ko-KR" sz="1200" i="1">
+                        <a:latin typeface="Cambria Math" panose="02040503050406030204" pitchFamily="18" charset="0"/>
+                      </a:rPr>
+                      <m:t> </m:t>
+                    </m:r>
+                    <m:r>
+                      <a:rPr lang="en-US" altLang="ko-KR" sz="1200" i="1">
+                        <a:latin typeface="Cambria Math" panose="02040503050406030204" pitchFamily="18" charset="0"/>
+                      </a:rPr>
+                      <m:t>𝑎𝑙𝑙</m:t>
+                    </m:r>
+                    <m:r>
+                      <a:rPr lang="en-US" altLang="ko-KR" sz="1200" i="1">
+                        <a:latin typeface="Cambria Math" panose="02040503050406030204" pitchFamily="18" charset="0"/>
+                      </a:rPr>
+                      <m:t> </m:t>
+                    </m:r>
+                    <m:r>
+                      <a:rPr lang="en-US" altLang="ko-KR" sz="1200" i="1">
+                        <a:latin typeface="Cambria Math" panose="02040503050406030204" pitchFamily="18" charset="0"/>
+                      </a:rPr>
+                      <m:t>𝑡𝑟𝑎𝑖𝑛𝑖𝑛𝑔</m:t>
+                    </m:r>
+                    <m:r>
+                      <a:rPr lang="en-US" altLang="ko-KR" sz="1200" i="1">
+                        <a:latin typeface="Cambria Math" panose="02040503050406030204" pitchFamily="18" charset="0"/>
+                      </a:rPr>
+                      <m:t> </m:t>
+                    </m:r>
+                    <m:r>
+                      <a:rPr lang="en-US" altLang="ko-KR" sz="1200" i="1">
+                        <a:latin typeface="Cambria Math" panose="02040503050406030204" pitchFamily="18" charset="0"/>
+                      </a:rPr>
+                      <m:t>𝑖𝑚𝑎𝑔𝑒𝑠</m:t>
+                    </m:r>
+                    <m:r>
+                      <a:rPr lang="en-US" altLang="ko-KR" sz="1200" i="1">
+                        <a:latin typeface="Cambria Math" panose="02040503050406030204" pitchFamily="18" charset="0"/>
+                      </a:rPr>
+                      <m:t> </m:t>
+                    </m:r>
+                    <m:r>
+                      <a:rPr lang="en-US" altLang="ko-KR" sz="1200" i="1">
+                        <a:latin typeface="Cambria Math" panose="02040503050406030204" pitchFamily="18" charset="0"/>
+                      </a:rPr>
+                      <m:t>𝑎𝑡</m:t>
+                    </m:r>
+                    <m:r>
+                      <a:rPr lang="en-US" altLang="ko-KR" sz="1200" i="1">
+                        <a:latin typeface="Cambria Math" panose="02040503050406030204" pitchFamily="18" charset="0"/>
+                      </a:rPr>
+                      <m:t> </m:t>
+                    </m:r>
+                    <m:r>
+                      <a:rPr lang="en-US" altLang="ko-KR" sz="1200" i="1">
+                        <a:latin typeface="Cambria Math" panose="02040503050406030204" pitchFamily="18" charset="0"/>
+                      </a:rPr>
+                      <m:t>𝑝𝑜𝑠𝑖𝑡𝑖𝑜𝑛</m:t>
+                    </m:r>
+                    <m:r>
+                      <a:rPr lang="en-US" altLang="ko-KR" sz="1200" i="1">
+                        <a:latin typeface="Cambria Math" panose="02040503050406030204" pitchFamily="18" charset="0"/>
+                      </a:rPr>
+                      <m:t> </m:t>
+                    </m:r>
+                    <m:d>
+                      <m:dPr>
+                        <m:ctrlPr>
+                          <a:rPr lang="en-US" altLang="ko-KR" sz="1200" i="1">
+                            <a:latin typeface="Cambria Math" panose="02040503050406030204" pitchFamily="18" charset="0"/>
+                          </a:rPr>
+                        </m:ctrlPr>
+                      </m:dPr>
+                      <m:e>
+                        <m:r>
+                          <a:rPr lang="en-US" altLang="ko-KR" sz="1200" i="1">
+                            <a:latin typeface="Cambria Math" panose="02040503050406030204" pitchFamily="18" charset="0"/>
+                          </a:rPr>
+                          <m:t>𝑖</m:t>
+                        </m:r>
+                        <m:r>
+                          <a:rPr lang="en-US" altLang="ko-KR" sz="1200" i="1">
+                            <a:latin typeface="Cambria Math" panose="02040503050406030204" pitchFamily="18" charset="0"/>
+                          </a:rPr>
+                          <m:t>, </m:t>
+                        </m:r>
+                        <m:r>
+                          <a:rPr lang="en-US" altLang="ko-KR" sz="1200" i="1">
+                            <a:latin typeface="Cambria Math" panose="02040503050406030204" pitchFamily="18" charset="0"/>
+                          </a:rPr>
+                          <m:t>𝑗</m:t>
+                        </m:r>
+                      </m:e>
+                    </m:d>
+                    <m:r>
+                      <a:rPr lang="en-US" altLang="ko-KR" sz="1200" i="1">
+                        <a:latin typeface="Cambria Math" panose="02040503050406030204" pitchFamily="18" charset="0"/>
+                      </a:rPr>
+                      <m:t>.</m:t>
+                    </m:r>
+                  </m:oMath>
+                </a14:m>
+                <a:r>
+                  <a:rPr lang="en-US" altLang="ko-KR" sz="1200" i="1" dirty="0">
+                    <a:latin typeface="Georgia" panose="02040502050405020303" pitchFamily="18" charset="0"/>
+                  </a:rPr>
+                  <a:t>  </a:t>
+                </a:r>
+              </a:p>
+              <a:p>
+                <a:pPr marL="0" indent="0">
+                  <a:buNone/>
+                </a:pPr>
+                <a14:m>
+                  <m:oMath xmlns:m="http://schemas.openxmlformats.org/officeDocument/2006/math">
+                    <m:sSub>
+                      <m:sSubPr>
+                        <m:ctrlPr>
+                          <a:rPr lang="en-US" altLang="ko-KR" sz="1200" i="1" smtClean="0">
+                            <a:latin typeface="Cambria Math" panose="02040503050406030204" pitchFamily="18" charset="0"/>
+                          </a:rPr>
+                        </m:ctrlPr>
+                      </m:sSubPr>
+                      <m:e>
+                        <m:r>
+                          <a:rPr lang="el-GR" altLang="ko-KR" sz="1200" i="1">
+                            <a:latin typeface="Cambria Math" panose="02040503050406030204" pitchFamily="18" charset="0"/>
+                          </a:rPr>
+                          <m:t>𝛴</m:t>
+                        </m:r>
+                      </m:e>
+                      <m:sub>
+                        <m:r>
+                          <a:rPr lang="en-US" altLang="ko-KR" sz="1200" b="0" i="1" smtClean="0">
+                            <a:latin typeface="Cambria Math" panose="02040503050406030204" pitchFamily="18" charset="0"/>
+                          </a:rPr>
+                          <m:t>𝑖𝑗</m:t>
+                        </m:r>
+                      </m:sub>
+                    </m:sSub>
+                    <m:r>
+                      <a:rPr lang="en-US" altLang="ko-KR" sz="1200" i="1">
+                        <a:latin typeface="Cambria Math" panose="02040503050406030204" pitchFamily="18" charset="0"/>
+                      </a:rPr>
+                      <m:t>:</m:t>
+                    </m:r>
+                    <m:r>
+                      <a:rPr lang="en-US" altLang="ko-KR" sz="1200" i="1">
+                        <a:latin typeface="Cambria Math" panose="02040503050406030204" pitchFamily="18" charset="0"/>
+                      </a:rPr>
+                      <m:t>𝑇h𝑒</m:t>
+                    </m:r>
+                    <m:r>
+                      <a:rPr lang="en-US" altLang="ko-KR" sz="1200" i="1">
+                        <a:latin typeface="Cambria Math" panose="02040503050406030204" pitchFamily="18" charset="0"/>
+                      </a:rPr>
+                      <m:t> </m:t>
+                    </m:r>
+                    <m:r>
+                      <a:rPr lang="en-US" altLang="ko-KR" sz="1200" i="1">
+                        <a:latin typeface="Cambria Math" panose="02040503050406030204" pitchFamily="18" charset="0"/>
+                      </a:rPr>
+                      <m:t>𝑐𝑜𝑣𝑎𝑟𝑖𝑎𝑛𝑐𝑒</m:t>
+                    </m:r>
+                    <m:r>
+                      <a:rPr lang="en-US" altLang="ko-KR" sz="1200" i="1">
+                        <a:latin typeface="Cambria Math" panose="02040503050406030204" pitchFamily="18" charset="0"/>
+                      </a:rPr>
+                      <m:t> </m:t>
+                    </m:r>
+                    <m:r>
+                      <a:rPr lang="en-US" altLang="ko-KR" sz="1200" i="1">
+                        <a:latin typeface="Cambria Math" panose="02040503050406030204" pitchFamily="18" charset="0"/>
+                      </a:rPr>
+                      <m:t>𝑚𝑎𝑡𝑟𝑖𝑥</m:t>
+                    </m:r>
+                    <m:r>
+                      <a:rPr lang="en-US" altLang="ko-KR" sz="1200" i="1">
+                        <a:latin typeface="Cambria Math" panose="02040503050406030204" pitchFamily="18" charset="0"/>
+                      </a:rPr>
+                      <m:t> </m:t>
+                    </m:r>
+                    <m:r>
+                      <a:rPr lang="en-US" altLang="ko-KR" sz="1200" i="1">
+                        <a:latin typeface="Cambria Math" panose="02040503050406030204" pitchFamily="18" charset="0"/>
+                      </a:rPr>
+                      <m:t>𝑜𝑓</m:t>
+                    </m:r>
+                  </m:oMath>
+                </a14:m>
+                <a:r>
+                  <a:rPr lang="en-US" altLang="ko-KR" sz="1200" i="1" dirty="0">
+                    <a:latin typeface="Georgia" panose="02040502050405020303" pitchFamily="18" charset="0"/>
+                  </a:rPr>
+                  <a:t> </a:t>
+                </a:r>
+                <a14:m>
+                  <m:oMath xmlns:m="http://schemas.openxmlformats.org/officeDocument/2006/math">
+                    <m:sSub>
+                      <m:sSubPr>
+                        <m:ctrlPr>
+                          <a:rPr lang="en-US" altLang="ko-KR" sz="1200" i="1">
+                            <a:latin typeface="Cambria Math" panose="02040503050406030204" pitchFamily="18" charset="0"/>
+                          </a:rPr>
+                        </m:ctrlPr>
+                      </m:sSubPr>
+                      <m:e>
+                        <m:r>
+                          <a:rPr lang="en-US" altLang="ko-KR" sz="1200" i="1">
+                            <a:latin typeface="Cambria Math" panose="02040503050406030204" pitchFamily="18" charset="0"/>
+                          </a:rPr>
+                          <m:t>𝑋</m:t>
+                        </m:r>
+                      </m:e>
+                      <m:sub>
+                        <m:r>
+                          <a:rPr lang="en-US" altLang="ko-KR" sz="1200" i="1">
+                            <a:latin typeface="Cambria Math" panose="02040503050406030204" pitchFamily="18" charset="0"/>
+                          </a:rPr>
+                          <m:t>𝑖𝑗</m:t>
+                        </m:r>
+                      </m:sub>
+                    </m:sSub>
+                  </m:oMath>
+                </a14:m>
+                <a:r>
+                  <a:rPr lang="en-US" altLang="ko-KR" sz="1200" i="1" dirty="0">
+                    <a:latin typeface="Georgia" panose="02040502050405020303" pitchFamily="18" charset="0"/>
+                  </a:rPr>
+                  <a:t>  </a:t>
+                </a:r>
+              </a:p>
+              <a:p>
+                <a:pPr marL="0" indent="0">
+                  <a:buNone/>
+                </a:pPr>
+                <a14:m>
+                  <m:oMath xmlns:m="http://schemas.openxmlformats.org/officeDocument/2006/math">
+                    <m:r>
+                      <a:rPr lang="en-US" altLang="ko-KR" sz="1200" i="1" smtClean="0">
+                        <a:latin typeface="Cambria Math" panose="02040503050406030204" pitchFamily="18" charset="0"/>
+                      </a:rPr>
+                      <m:t>𝑀</m:t>
+                    </m:r>
+                    <m:d>
+                      <m:dPr>
+                        <m:ctrlPr>
+                          <a:rPr lang="en-US" altLang="ko-KR" sz="1200" b="0" i="1" smtClean="0">
+                            <a:latin typeface="Cambria Math" panose="02040503050406030204" pitchFamily="18" charset="0"/>
+                          </a:rPr>
+                        </m:ctrlPr>
+                      </m:dPr>
+                      <m:e>
+                        <m:sSub>
+                          <m:sSubPr>
+                            <m:ctrlPr>
+                              <a:rPr lang="en-US" altLang="ko-KR" sz="1200" b="0" i="1" smtClean="0">
+                                <a:latin typeface="Cambria Math" panose="02040503050406030204" pitchFamily="18" charset="0"/>
+                              </a:rPr>
+                            </m:ctrlPr>
+                          </m:sSubPr>
+                          <m:e>
+                            <m:r>
+                              <a:rPr lang="en-US" altLang="ko-KR" sz="1200" b="0" i="1" smtClean="0">
+                                <a:latin typeface="Cambria Math" panose="02040503050406030204" pitchFamily="18" charset="0"/>
+                              </a:rPr>
+                              <m:t>𝑥</m:t>
+                            </m:r>
+                          </m:e>
+                          <m:sub>
+                            <m:r>
+                              <a:rPr lang="en-US" altLang="ko-KR" sz="1200" b="0" i="1" smtClean="0">
+                                <a:latin typeface="Cambria Math" panose="02040503050406030204" pitchFamily="18" charset="0"/>
+                              </a:rPr>
+                              <m:t>𝑖𝑗</m:t>
+                            </m:r>
+                          </m:sub>
+                        </m:sSub>
+                      </m:e>
+                    </m:d>
+                    <m:r>
+                      <a:rPr lang="en-US" altLang="ko-KR" sz="1200" i="1">
+                        <a:latin typeface="Cambria Math" panose="02040503050406030204" pitchFamily="18" charset="0"/>
+                      </a:rPr>
+                      <m:t>:</m:t>
+                    </m:r>
+                    <m:r>
+                      <a:rPr lang="en-US" altLang="ko-KR" sz="1200" i="1">
+                        <a:latin typeface="Cambria Math" panose="02040503050406030204" pitchFamily="18" charset="0"/>
+                      </a:rPr>
+                      <m:t>𝑇h𝑒</m:t>
+                    </m:r>
+                    <m:r>
+                      <a:rPr lang="en-US" altLang="ko-KR" sz="1200" i="1">
+                        <a:latin typeface="Cambria Math" panose="02040503050406030204" pitchFamily="18" charset="0"/>
+                      </a:rPr>
+                      <m:t> </m:t>
+                    </m:r>
+                    <m:r>
+                      <a:rPr lang="en-US" altLang="ko-KR" sz="1200" i="1">
+                        <a:latin typeface="Cambria Math" panose="02040503050406030204" pitchFamily="18" charset="0"/>
+                      </a:rPr>
+                      <m:t>𝑀𝑎h𝑎𝑙𝑎𝑛𝑜𝑏𝑖𝑠</m:t>
+                    </m:r>
+                    <m:r>
+                      <a:rPr lang="en-US" altLang="ko-KR" sz="1200" i="1">
+                        <a:latin typeface="Cambria Math" panose="02040503050406030204" pitchFamily="18" charset="0"/>
+                      </a:rPr>
+                      <m:t> </m:t>
+                    </m:r>
+                    <m:r>
+                      <a:rPr lang="en-US" altLang="ko-KR" sz="1200" i="1">
+                        <a:latin typeface="Cambria Math" panose="02040503050406030204" pitchFamily="18" charset="0"/>
+                      </a:rPr>
+                      <m:t>𝑑𝑖𝑠𝑡𝑎𝑛𝑐𝑒</m:t>
+                    </m:r>
+                    <m:r>
+                      <a:rPr lang="en-US" altLang="ko-KR" sz="1200" i="1">
+                        <a:latin typeface="Cambria Math" panose="02040503050406030204" pitchFamily="18" charset="0"/>
+                      </a:rPr>
+                      <m:t> </m:t>
+                    </m:r>
+                    <m:r>
+                      <a:rPr lang="en-US" altLang="ko-KR" sz="1200" i="1">
+                        <a:latin typeface="Cambria Math" panose="02040503050406030204" pitchFamily="18" charset="0"/>
+                      </a:rPr>
+                      <m:t>𝑓𝑜𝑟</m:t>
+                    </m:r>
+                    <m:r>
+                      <a:rPr lang="en-US" altLang="ko-KR" sz="1200" i="1">
+                        <a:latin typeface="Cambria Math" panose="02040503050406030204" pitchFamily="18" charset="0"/>
+                      </a:rPr>
+                      <m:t> </m:t>
+                    </m:r>
+                    <m:r>
+                      <a:rPr lang="en-US" altLang="ko-KR" sz="1200" i="1">
+                        <a:latin typeface="Cambria Math" panose="02040503050406030204" pitchFamily="18" charset="0"/>
+                      </a:rPr>
+                      <m:t>𝑡h𝑒</m:t>
+                    </m:r>
+                    <m:r>
+                      <a:rPr lang="en-US" altLang="ko-KR" sz="1200" i="1">
+                        <a:latin typeface="Cambria Math" panose="02040503050406030204" pitchFamily="18" charset="0"/>
+                      </a:rPr>
+                      <m:t> </m:t>
+                    </m:r>
+                    <m:r>
+                      <a:rPr lang="en-US" altLang="ko-KR" sz="1200" i="1">
+                        <a:latin typeface="Cambria Math" panose="02040503050406030204" pitchFamily="18" charset="0"/>
+                      </a:rPr>
+                      <m:t>𝑝𝑎𝑡𝑐h</m:t>
+                    </m:r>
+                    <m:r>
+                      <a:rPr lang="en-US" altLang="ko-KR" sz="1200" i="1">
+                        <a:latin typeface="Cambria Math" panose="02040503050406030204" pitchFamily="18" charset="0"/>
+                      </a:rPr>
+                      <m:t> </m:t>
+                    </m:r>
+                    <m:r>
+                      <a:rPr lang="en-US" altLang="ko-KR" sz="1200" i="1">
+                        <a:latin typeface="Cambria Math" panose="02040503050406030204" pitchFamily="18" charset="0"/>
+                      </a:rPr>
+                      <m:t>𝑒𝑚𝑏𝑒𝑑𝑑𝑖𝑛𝑔</m:t>
+                    </m:r>
+                    <m:r>
+                      <a:rPr lang="en-US" altLang="ko-KR" sz="1200" i="1">
+                        <a:latin typeface="Cambria Math" panose="02040503050406030204" pitchFamily="18" charset="0"/>
+                      </a:rPr>
+                      <m:t> </m:t>
+                    </m:r>
+                    <m:r>
+                      <a:rPr lang="en-US" altLang="ko-KR" sz="1200" i="1">
+                        <a:latin typeface="Cambria Math" panose="02040503050406030204" pitchFamily="18" charset="0"/>
+                      </a:rPr>
+                      <m:t>𝑣𝑒𝑐𝑡𝑜𝑟</m:t>
+                    </m:r>
+                  </m:oMath>
+                </a14:m>
+                <a:r>
+                  <a:rPr lang="en-US" altLang="ko-KR" sz="1200" i="1" dirty="0">
+                    <a:latin typeface="Georgia" panose="02040502050405020303" pitchFamily="18" charset="0"/>
+                  </a:rPr>
+                  <a:t> </a:t>
+                </a:r>
+              </a:p>
+              <a:p>
+                <a:pPr marL="0" indent="0">
+                  <a:buNone/>
+                </a:pPr>
+                <a14:m>
+                  <m:oMathPara xmlns:m="http://schemas.openxmlformats.org/officeDocument/2006/math">
+                    <m:oMathParaPr>
+                      <m:jc m:val="left"/>
+                    </m:oMathParaPr>
+                    <m:oMath xmlns:m="http://schemas.openxmlformats.org/officeDocument/2006/math">
+                      <m:r>
+                        <a:rPr lang="en-US" altLang="ko-KR" sz="1200" i="1">
+                          <a:latin typeface="Cambria Math" panose="02040503050406030204" pitchFamily="18" charset="0"/>
+                        </a:rPr>
+                        <m:t>𝑎𝑡</m:t>
+                      </m:r>
+                      <m:r>
+                        <a:rPr lang="en-US" altLang="ko-KR" sz="1200" i="1">
+                          <a:latin typeface="Cambria Math" panose="02040503050406030204" pitchFamily="18" charset="0"/>
+                        </a:rPr>
+                        <m:t> </m:t>
+                      </m:r>
+                      <m:r>
+                        <a:rPr lang="en-US" altLang="ko-KR" sz="1200" i="1">
+                          <a:latin typeface="Cambria Math" panose="02040503050406030204" pitchFamily="18" charset="0"/>
+                        </a:rPr>
+                        <m:t>𝑝𝑜𝑠𝑖𝑡𝑖𝑜𝑛</m:t>
+                      </m:r>
+                      <m:r>
+                        <a:rPr lang="en-US" altLang="ko-KR" sz="1200" i="1">
+                          <a:latin typeface="Cambria Math" panose="02040503050406030204" pitchFamily="18" charset="0"/>
+                        </a:rPr>
+                        <m:t> (</m:t>
+                      </m:r>
+                      <m:r>
+                        <a:rPr lang="en-US" altLang="ko-KR" sz="1200" i="1">
+                          <a:latin typeface="Cambria Math" panose="02040503050406030204" pitchFamily="18" charset="0"/>
+                        </a:rPr>
+                        <m:t>𝑖</m:t>
+                      </m:r>
+                      <m:r>
+                        <a:rPr lang="en-US" altLang="ko-KR" sz="1200" i="1">
+                          <a:latin typeface="Cambria Math" panose="02040503050406030204" pitchFamily="18" charset="0"/>
+                        </a:rPr>
+                        <m:t>, </m:t>
+                      </m:r>
+                      <m:r>
+                        <a:rPr lang="en-US" altLang="ko-KR" sz="1200" i="1">
+                          <a:latin typeface="Cambria Math" panose="02040503050406030204" pitchFamily="18" charset="0"/>
+                        </a:rPr>
+                        <m:t>𝑗</m:t>
+                      </m:r>
+                      <m:r>
+                        <a:rPr lang="en-US" altLang="ko-KR" sz="1200" i="1">
+                          <a:latin typeface="Cambria Math" panose="02040503050406030204" pitchFamily="18" charset="0"/>
+                        </a:rPr>
+                        <m:t>) </m:t>
+                      </m:r>
+                      <m:r>
+                        <a:rPr lang="en-US" altLang="ko-KR" sz="1200" i="1">
+                          <a:latin typeface="Cambria Math" panose="02040503050406030204" pitchFamily="18" charset="0"/>
+                        </a:rPr>
+                        <m:t>𝑖𝑛</m:t>
+                      </m:r>
+                      <m:r>
+                        <a:rPr lang="en-US" altLang="ko-KR" sz="1200" i="1">
+                          <a:latin typeface="Cambria Math" panose="02040503050406030204" pitchFamily="18" charset="0"/>
+                        </a:rPr>
+                        <m:t> </m:t>
+                      </m:r>
+                      <m:r>
+                        <a:rPr lang="en-US" altLang="ko-KR" sz="1200" i="1">
+                          <a:latin typeface="Cambria Math" panose="02040503050406030204" pitchFamily="18" charset="0"/>
+                        </a:rPr>
+                        <m:t>𝑡h𝑒</m:t>
+                      </m:r>
+                      <m:r>
+                        <a:rPr lang="en-US" altLang="ko-KR" sz="1200" i="1">
+                          <a:latin typeface="Cambria Math" panose="02040503050406030204" pitchFamily="18" charset="0"/>
+                        </a:rPr>
+                        <m:t> </m:t>
+                      </m:r>
+                      <m:r>
+                        <a:rPr lang="en-US" altLang="ko-KR" sz="1200" i="1">
+                          <a:latin typeface="Cambria Math" panose="02040503050406030204" pitchFamily="18" charset="0"/>
+                        </a:rPr>
+                        <m:t>𝑡𝑒𝑠𝑡</m:t>
+                      </m:r>
+                      <m:r>
+                        <a:rPr lang="en-US" altLang="ko-KR" sz="1200" i="1">
+                          <a:latin typeface="Cambria Math" panose="02040503050406030204" pitchFamily="18" charset="0"/>
+                        </a:rPr>
+                        <m:t> </m:t>
+                      </m:r>
+                      <m:r>
+                        <a:rPr lang="en-US" altLang="ko-KR" sz="1200" i="1">
+                          <a:latin typeface="Cambria Math" panose="02040503050406030204" pitchFamily="18" charset="0"/>
+                        </a:rPr>
+                        <m:t>𝑖𝑚𝑎𝑔𝑒</m:t>
+                      </m:r>
+                      <m:r>
+                        <a:rPr lang="en-US" altLang="ko-KR" sz="1200" i="1">
+                          <a:latin typeface="Cambria Math" panose="02040503050406030204" pitchFamily="18" charset="0"/>
+                        </a:rPr>
+                        <m:t>.</m:t>
+                      </m:r>
+                    </m:oMath>
+                  </m:oMathPara>
+                </a14:m>
+                <a:endParaRPr lang="en-US" altLang="ko-KR" sz="1200" dirty="0">
+                  <a:latin typeface="Georgia" panose="02040502050405020303" pitchFamily="18" charset="0"/>
+                </a:endParaRPr>
+              </a:p>
+            </p:txBody>
+          </p:sp>
+        </mc:Choice>
+        <mc:Fallback xmlns="">
+          <p:sp>
+            <p:nvSpPr>
+              <p:cNvPr id="6" name="내용 개체 틀 2">
+                <a:extLst>
+                  <a:ext uri="{FF2B5EF4-FFF2-40B4-BE49-F238E27FC236}">
+                    <a16:creationId xmlns:a16="http://schemas.microsoft.com/office/drawing/2014/main" id="{30029AAD-8E8B-4222-9628-06EDE3155E8A}"/>
+                  </a:ext>
+                </a:extLst>
+              </p:cNvPr>
+              <p:cNvSpPr txBox="1">
+                <a:spLocks noRot="1" noChangeAspect="1" noMove="1" noResize="1" noEditPoints="1" noAdjustHandles="1" noChangeArrowheads="1" noChangeShapeType="1" noTextEdit="1"/>
+              </p:cNvSpPr>
+              <p:nvPr/>
+            </p:nvSpPr>
+            <p:spPr>
+              <a:xfrm>
+                <a:off x="838200" y="4739593"/>
+                <a:ext cx="4718801" cy="1985210"/>
+              </a:xfrm>
+              <a:prstGeom prst="rect">
+                <a:avLst/>
+              </a:prstGeom>
+              <a:blipFill>
+                <a:blip r:embed="rId4"/>
+                <a:stretch>
+                  <a:fillRect r="-1163"/>
+                </a:stretch>
+              </a:blipFill>
+            </p:spPr>
+            <p:txBody>
+              <a:bodyPr/>
+              <a:lstStyle/>
+              <a:p>
+                <a:r>
+                  <a:rPr lang="ko-KR" altLang="en-US">
+                    <a:noFill/>
+                  </a:rPr>
+                  <a:t> </a:t>
+                </a:r>
+              </a:p>
+            </p:txBody>
+          </p:sp>
+        </mc:Fallback>
+      </mc:AlternateContent>
+      <p:sp>
+        <p:nvSpPr>
+          <p:cNvPr id="8" name="제목 1">
+            <a:extLst>
+              <a:ext uri="{FF2B5EF4-FFF2-40B4-BE49-F238E27FC236}">
+                <a16:creationId xmlns:a16="http://schemas.microsoft.com/office/drawing/2014/main" id="{72F7E889-1B79-4CB2-9AED-9AA615AF7E2E}"/>
+              </a:ext>
+            </a:extLst>
+          </p:cNvPr>
+          <p:cNvSpPr txBox="1">
+            <a:spLocks/>
+          </p:cNvSpPr>
+          <p:nvPr/>
+        </p:nvSpPr>
+        <p:spPr>
+          <a:xfrm>
+            <a:off x="540000" y="0"/>
+            <a:ext cx="10515600" cy="1145885"/>
+          </a:xfrm>
+          <a:prstGeom prst="rect">
+            <a:avLst/>
+          </a:prstGeom>
+        </p:spPr>
+        <p:txBody>
+          <a:bodyPr vert="horz" lIns="91440" tIns="45720" rIns="91440" bIns="45720" rtlCol="0" anchor="ctr">
+            <a:normAutofit/>
+          </a:bodyPr>
+          <a:lstStyle>
+            <a:lvl1pPr algn="l" defTabSz="914400" rtl="0" eaLnBrk="1" latinLnBrk="1" hangingPunct="1">
+              <a:lnSpc>
+                <a:spcPct val="90000"/>
+              </a:lnSpc>
+              <a:spcBef>
+                <a:spcPct val="0"/>
+              </a:spcBef>
+              <a:buNone/>
+              <a:defRPr sz="4400" kern="1200">
+                <a:solidFill>
+                  <a:schemeClr val="tx1"/>
+                </a:solidFill>
+                <a:latin typeface="+mj-lt"/>
+                <a:ea typeface="+mj-ea"/>
+                <a:cs typeface="+mj-cs"/>
+              </a:defRPr>
+            </a:lvl1pPr>
+          </a:lstStyle>
+          <a:p>
+            <a:r>
+              <a:rPr lang="en-US" altLang="ko-KR" i="1" dirty="0">
+                <a:effectLst>
+                  <a:outerShdw blurRad="38100" dist="38100" dir="2700000" algn="tl">
+                    <a:srgbClr val="000000">
+                      <a:alpha val="43137"/>
+                    </a:srgbClr>
+                  </a:outerShdw>
+                </a:effectLst>
+                <a:latin typeface="Georgia" panose="02040502050405020303" pitchFamily="18" charset="0"/>
+              </a:rPr>
+              <a:t>2. Model</a:t>
+            </a:r>
+            <a:endParaRPr lang="ko-KR" altLang="en-US" i="1" dirty="0">
+              <a:effectLst>
+                <a:outerShdw blurRad="38100" dist="38100" dir="2700000" algn="tl">
+                  <a:srgbClr val="000000">
+                    <a:alpha val="43137"/>
+                  </a:srgbClr>
+                </a:outerShdw>
+              </a:effectLst>
+              <a:latin typeface="Georgia" panose="02040502050405020303" pitchFamily="18" charset="0"/>
+            </a:endParaRPr>
+          </a:p>
+        </p:txBody>
+      </p:sp>
+      <p:sp>
+        <p:nvSpPr>
+          <p:cNvPr id="9" name="내용 개체 틀 2">
+            <a:extLst>
+              <a:ext uri="{FF2B5EF4-FFF2-40B4-BE49-F238E27FC236}">
+                <a16:creationId xmlns:a16="http://schemas.microsoft.com/office/drawing/2014/main" id="{4BA3D9FB-F06F-430C-B1CE-116C1F941B1D}"/>
+              </a:ext>
+            </a:extLst>
+          </p:cNvPr>
+          <p:cNvSpPr txBox="1">
+            <a:spLocks/>
+          </p:cNvSpPr>
+          <p:nvPr/>
+        </p:nvSpPr>
+        <p:spPr>
+          <a:xfrm>
+            <a:off x="838200" y="1362074"/>
+            <a:ext cx="10515600" cy="2996983"/>
+          </a:xfrm>
+          <a:prstGeom prst="rect">
+            <a:avLst/>
+          </a:prstGeom>
+        </p:spPr>
+        <p:txBody>
+          <a:bodyPr vert="horz" lIns="91440" tIns="45720" rIns="91440" bIns="45720" rtlCol="0">
+            <a:normAutofit fontScale="92500" lnSpcReduction="20000"/>
+          </a:bodyPr>
+          <a:lstStyle>
+            <a:lvl1pPr marL="228600" indent="-228600" algn="l" defTabSz="914400" rtl="0" eaLnBrk="1" latinLnBrk="1" hangingPunct="1">
+              <a:lnSpc>
+                <a:spcPct val="90000"/>
+              </a:lnSpc>
+              <a:spcBef>
+                <a:spcPts val="1000"/>
+              </a:spcBef>
+              <a:buFont typeface="Arial" panose="020B0604020202020204" pitchFamily="34" charset="0"/>
+              <a:buChar char="•"/>
+              <a:defRPr sz="2800" kern="1200">
+                <a:solidFill>
+                  <a:schemeClr val="tx1"/>
+                </a:solidFill>
+                <a:latin typeface="+mn-lt"/>
+                <a:ea typeface="+mn-ea"/>
+                <a:cs typeface="+mn-cs"/>
+              </a:defRPr>
+            </a:lvl1pPr>
+            <a:lvl2pPr marL="685800" indent="-228600" algn="l" defTabSz="914400" rtl="0" eaLnBrk="1" latinLnBrk="1" hangingPunct="1">
+              <a:lnSpc>
+                <a:spcPct val="90000"/>
+              </a:lnSpc>
+              <a:spcBef>
+                <a:spcPts val="500"/>
+              </a:spcBef>
+              <a:buFont typeface="Arial" panose="020B0604020202020204" pitchFamily="34" charset="0"/>
+              <a:buChar char="•"/>
+              <a:defRPr sz="2400" kern="1200">
+                <a:solidFill>
+                  <a:schemeClr val="tx1"/>
+                </a:solidFill>
+                <a:latin typeface="+mn-lt"/>
+                <a:ea typeface="+mn-ea"/>
+                <a:cs typeface="+mn-cs"/>
+              </a:defRPr>
+            </a:lvl2pPr>
+            <a:lvl3pPr marL="1143000" indent="-228600" algn="l" defTabSz="914400" rtl="0" eaLnBrk="1" latinLnBrk="1" hangingPunct="1">
+              <a:lnSpc>
+                <a:spcPct val="90000"/>
+              </a:lnSpc>
+              <a:spcBef>
+                <a:spcPts val="500"/>
+              </a:spcBef>
+              <a:buFont typeface="Arial" panose="020B0604020202020204" pitchFamily="34" charset="0"/>
+              <a:buChar char="•"/>
+              <a:defRPr sz="2000" kern="1200">
+                <a:solidFill>
+                  <a:schemeClr val="tx1"/>
+                </a:solidFill>
+                <a:latin typeface="+mn-lt"/>
+                <a:ea typeface="+mn-ea"/>
+                <a:cs typeface="+mn-cs"/>
+              </a:defRPr>
+            </a:lvl3pPr>
+            <a:lvl4pPr marL="1600200" indent="-228600" algn="l" defTabSz="914400" rtl="0" eaLnBrk="1" latinLnBrk="1" hangingPunct="1">
+              <a:lnSpc>
+                <a:spcPct val="90000"/>
+              </a:lnSpc>
+              <a:spcBef>
+                <a:spcPts val="500"/>
+              </a:spcBef>
+              <a:buFont typeface="Arial" panose="020B0604020202020204" pitchFamily="34" charset="0"/>
+              <a:buChar char="•"/>
+              <a:defRPr sz="1800" kern="1200">
+                <a:solidFill>
+                  <a:schemeClr val="tx1"/>
+                </a:solidFill>
+                <a:latin typeface="+mn-lt"/>
+                <a:ea typeface="+mn-ea"/>
+                <a:cs typeface="+mn-cs"/>
+              </a:defRPr>
+            </a:lvl4pPr>
+            <a:lvl5pPr marL="2057400" indent="-228600" algn="l" defTabSz="914400" rtl="0" eaLnBrk="1" latinLnBrk="1" hangingPunct="1">
+              <a:lnSpc>
+                <a:spcPct val="90000"/>
+              </a:lnSpc>
+              <a:spcBef>
+                <a:spcPts val="500"/>
+              </a:spcBef>
+              <a:buFont typeface="Arial" panose="020B0604020202020204" pitchFamily="34" charset="0"/>
+              <a:buChar char="•"/>
+              <a:defRPr sz="1800" kern="1200">
+                <a:solidFill>
+                  <a:schemeClr val="tx1"/>
+                </a:solidFill>
+                <a:latin typeface="+mn-lt"/>
+                <a:ea typeface="+mn-ea"/>
+                <a:cs typeface="+mn-cs"/>
+              </a:defRPr>
+            </a:lvl5pPr>
+            <a:lvl6pPr marL="2514600" indent="-228600" algn="l" defTabSz="914400" rtl="0" eaLnBrk="1" latinLnBrk="1" hangingPunct="1">
+              <a:lnSpc>
+                <a:spcPct val="90000"/>
+              </a:lnSpc>
+              <a:spcBef>
+                <a:spcPts val="500"/>
+              </a:spcBef>
+              <a:buFont typeface="Arial" panose="020B0604020202020204" pitchFamily="34" charset="0"/>
+              <a:buChar char="•"/>
+              <a:defRPr sz="1800" kern="1200">
+                <a:solidFill>
+                  <a:schemeClr val="tx1"/>
+                </a:solidFill>
+                <a:latin typeface="+mn-lt"/>
+                <a:ea typeface="+mn-ea"/>
+                <a:cs typeface="+mn-cs"/>
+              </a:defRPr>
+            </a:lvl6pPr>
+            <a:lvl7pPr marL="2971800" indent="-228600" algn="l" defTabSz="914400" rtl="0" eaLnBrk="1" latinLnBrk="1" hangingPunct="1">
+              <a:lnSpc>
+                <a:spcPct val="90000"/>
+              </a:lnSpc>
+              <a:spcBef>
+                <a:spcPts val="500"/>
+              </a:spcBef>
+              <a:buFont typeface="Arial" panose="020B0604020202020204" pitchFamily="34" charset="0"/>
+              <a:buChar char="•"/>
+              <a:defRPr sz="1800" kern="1200">
+                <a:solidFill>
+                  <a:schemeClr val="tx1"/>
+                </a:solidFill>
+                <a:latin typeface="+mn-lt"/>
+                <a:ea typeface="+mn-ea"/>
+                <a:cs typeface="+mn-cs"/>
+              </a:defRPr>
+            </a:lvl7pPr>
+            <a:lvl8pPr marL="3429000" indent="-228600" algn="l" defTabSz="914400" rtl="0" eaLnBrk="1" latinLnBrk="1" hangingPunct="1">
+              <a:lnSpc>
+                <a:spcPct val="90000"/>
+              </a:lnSpc>
+              <a:spcBef>
+                <a:spcPts val="500"/>
+              </a:spcBef>
+              <a:buFont typeface="Arial" panose="020B0604020202020204" pitchFamily="34" charset="0"/>
+              <a:buChar char="•"/>
+              <a:defRPr sz="1800" kern="1200">
+                <a:solidFill>
+                  <a:schemeClr val="tx1"/>
+                </a:solidFill>
+                <a:latin typeface="+mn-lt"/>
+                <a:ea typeface="+mn-ea"/>
+                <a:cs typeface="+mn-cs"/>
+              </a:defRPr>
+            </a:lvl8pPr>
+            <a:lvl9pPr marL="3886200" indent="-228600" algn="l" defTabSz="914400" rtl="0" eaLnBrk="1" latinLnBrk="1" hangingPunct="1">
+              <a:lnSpc>
+                <a:spcPct val="90000"/>
+              </a:lnSpc>
+              <a:spcBef>
+                <a:spcPts val="500"/>
+              </a:spcBef>
+              <a:buFont typeface="Arial" panose="020B0604020202020204" pitchFamily="34" charset="0"/>
+              <a:buChar char="•"/>
+              <a:defRPr sz="1800" kern="1200">
+                <a:solidFill>
+                  <a:schemeClr val="tx1"/>
+                </a:solidFill>
+                <a:latin typeface="+mn-lt"/>
+                <a:ea typeface="+mn-ea"/>
+                <a:cs typeface="+mn-cs"/>
+              </a:defRPr>
+            </a:lvl9pPr>
+          </a:lstStyle>
+          <a:p>
+            <a:pPr marL="514350" indent="-514350">
+              <a:buFont typeface="+mj-lt"/>
+              <a:buAutoNum type="arabicPeriod" startAt="3"/>
+            </a:pPr>
+            <a:r>
+              <a:rPr lang="en-US" altLang="ko-KR" dirty="0">
+                <a:latin typeface="Georgia" panose="02040502050405020303" pitchFamily="18" charset="0"/>
+              </a:rPr>
+              <a:t>Inference : computation of the anomaly map</a:t>
+            </a:r>
+          </a:p>
+          <a:p>
+            <a:endParaRPr lang="en-US" altLang="ko-KR" dirty="0">
+              <a:latin typeface="Georgia" panose="02040502050405020303" pitchFamily="18" charset="0"/>
+            </a:endParaRPr>
+          </a:p>
+          <a:p>
+            <a:r>
+              <a:rPr lang="en-US" altLang="ko-KR" dirty="0">
+                <a:latin typeface="Georgia" panose="02040502050405020303" pitchFamily="18" charset="0"/>
+              </a:rPr>
+              <a:t>Test images are input into the pre-trained CNN model in the same method as the previous process.</a:t>
+            </a:r>
+          </a:p>
+          <a:p>
+            <a:endParaRPr lang="en-US" altLang="ko-KR" dirty="0">
+              <a:latin typeface="Georgia" panose="02040502050405020303" pitchFamily="18" charset="0"/>
+            </a:endParaRPr>
+          </a:p>
+          <a:p>
+            <a:r>
+              <a:rPr lang="en-US" altLang="ko-KR" dirty="0">
+                <a:latin typeface="Georgia" panose="02040502050405020303" pitchFamily="18" charset="0"/>
+              </a:rPr>
+              <a:t>The </a:t>
+            </a:r>
+            <a:r>
+              <a:rPr lang="en-US" altLang="ko-KR" dirty="0" err="1">
+                <a:latin typeface="Georgia" panose="02040502050405020303" pitchFamily="18" charset="0"/>
+              </a:rPr>
+              <a:t>Mahalanobis</a:t>
+            </a:r>
+            <a:r>
+              <a:rPr lang="en-US" altLang="ko-KR" dirty="0">
+                <a:latin typeface="Georgia" panose="02040502050405020303" pitchFamily="18" charset="0"/>
+              </a:rPr>
+              <a:t> distance is then calculated to compare how far each patch is from the mean and covariance values of the normal images on a patch-by-patch.</a:t>
+            </a:r>
+          </a:p>
+        </p:txBody>
+      </p:sp>
+    </p:spTree>
+    <p:extLst>
+      <p:ext uri="{BB962C8B-B14F-4D97-AF65-F5344CB8AC3E}">
+        <p14:creationId xmlns:p14="http://schemas.microsoft.com/office/powerpoint/2010/main" val="3220736579"/>
+      </p:ext>
+    </p:extLst>
+  </p:cSld>
+  <p:clrMapOvr>
+    <a:masterClrMapping/>
+  </p:clrMapOvr>
+</p:sld>
+</file>
+
+<file path=ppt/slides/slide11.xml><?xml version="1.0" encoding="utf-8"?>
+<p:sld xmlns:a="http://schemas.openxmlformats.org/drawingml/2006/main" xmlns:r="http://schemas.openxmlformats.org/officeDocument/2006/relationships" xmlns:p="http://schemas.openxmlformats.org/presentationml/2006/main">
+  <p:cSld>
+    <p:spTree>
+      <p:nvGrpSpPr>
+        <p:cNvPr id="1" name=""/>
+        <p:cNvGrpSpPr/>
+        <p:nvPr/>
+      </p:nvGrpSpPr>
+      <p:grpSpPr>
+        <a:xfrm>
+          <a:off x="0" y="0"/>
+          <a:ext cx="0" cy="0"/>
+          <a:chOff x="0" y="0"/>
+          <a:chExt cx="0" cy="0"/>
+        </a:xfrm>
+      </p:grpSpPr>
+      <p:sp>
+        <p:nvSpPr>
+          <p:cNvPr id="7" name="직사각형 6">
+            <a:extLst>
+              <a:ext uri="{FF2B5EF4-FFF2-40B4-BE49-F238E27FC236}">
+                <a16:creationId xmlns:a16="http://schemas.microsoft.com/office/drawing/2014/main" id="{0FCFF1AD-9D37-44AF-8BEC-07348036B89F}"/>
+              </a:ext>
+            </a:extLst>
+          </p:cNvPr>
+          <p:cNvSpPr/>
+          <p:nvPr/>
+        </p:nvSpPr>
+        <p:spPr>
+          <a:xfrm>
+            <a:off x="0" y="7825"/>
+            <a:ext cx="12192000" cy="1138060"/>
+          </a:xfrm>
+          <a:prstGeom prst="rect">
+            <a:avLst/>
+          </a:prstGeom>
+          <a:blipFill dpi="0" rotWithShape="1">
+            <a:blip r:embed="rId2">
+              <a:duotone>
+                <a:schemeClr val="bg2">
+                  <a:shade val="45000"/>
+                  <a:satMod val="135000"/>
+                </a:schemeClr>
+                <a:prstClr val="white"/>
+              </a:duotone>
+            </a:blip>
+            <a:srcRect/>
+            <a:stretch>
+              <a:fillRect/>
+            </a:stretch>
+          </a:blipFill>
+          <a:ln>
+            <a:noFill/>
+          </a:ln>
+        </p:spPr>
+        <p:style>
+          <a:lnRef idx="2">
+            <a:schemeClr val="accent1">
+              <a:shade val="50000"/>
+            </a:schemeClr>
+          </a:lnRef>
+          <a:fillRef idx="1">
+            <a:schemeClr val="accent1"/>
+          </a:fillRef>
+          <a:effectRef idx="0">
+            <a:schemeClr val="accent1"/>
+          </a:effectRef>
+          <a:fontRef idx="minor">
+            <a:schemeClr val="lt1"/>
+          </a:fontRef>
+        </p:style>
+        <p:txBody>
+          <a:bodyPr rtlCol="0" anchor="ctr"/>
+          <a:lstStyle/>
+          <a:p>
+            <a:pPr algn="ctr"/>
+            <a:endParaRPr lang="ko-KR" altLang="en-US"/>
+          </a:p>
+        </p:txBody>
+      </p:sp>
+      <p:sp>
+        <p:nvSpPr>
+          <p:cNvPr id="8" name="제목 1">
+            <a:extLst>
+              <a:ext uri="{FF2B5EF4-FFF2-40B4-BE49-F238E27FC236}">
+                <a16:creationId xmlns:a16="http://schemas.microsoft.com/office/drawing/2014/main" id="{72F7E889-1B79-4CB2-9AED-9AA615AF7E2E}"/>
+              </a:ext>
+            </a:extLst>
+          </p:cNvPr>
+          <p:cNvSpPr txBox="1">
+            <a:spLocks/>
+          </p:cNvSpPr>
+          <p:nvPr/>
+        </p:nvSpPr>
+        <p:spPr>
+          <a:xfrm>
+            <a:off x="540000" y="0"/>
+            <a:ext cx="10515600" cy="1145885"/>
+          </a:xfrm>
+          <a:prstGeom prst="rect">
+            <a:avLst/>
+          </a:prstGeom>
+        </p:spPr>
+        <p:txBody>
+          <a:bodyPr vert="horz" lIns="91440" tIns="45720" rIns="91440" bIns="45720" rtlCol="0" anchor="ctr">
+            <a:normAutofit/>
+          </a:bodyPr>
+          <a:lstStyle>
+            <a:lvl1pPr algn="l" defTabSz="914400" rtl="0" eaLnBrk="1" latinLnBrk="1" hangingPunct="1">
+              <a:lnSpc>
+                <a:spcPct val="90000"/>
+              </a:lnSpc>
+              <a:spcBef>
+                <a:spcPct val="0"/>
+              </a:spcBef>
+              <a:buNone/>
+              <a:defRPr sz="4400" kern="1200">
+                <a:solidFill>
+                  <a:schemeClr val="tx1"/>
+                </a:solidFill>
+                <a:latin typeface="+mj-lt"/>
+                <a:ea typeface="+mj-ea"/>
+                <a:cs typeface="+mj-cs"/>
+              </a:defRPr>
+            </a:lvl1pPr>
+          </a:lstStyle>
+          <a:p>
+            <a:r>
+              <a:rPr lang="en-US" altLang="ko-KR" i="1" dirty="0">
+                <a:effectLst>
+                  <a:outerShdw blurRad="38100" dist="38100" dir="2700000" algn="tl">
+                    <a:srgbClr val="000000">
+                      <a:alpha val="43137"/>
+                    </a:srgbClr>
+                  </a:outerShdw>
+                </a:effectLst>
+                <a:latin typeface="Georgia" panose="02040502050405020303" pitchFamily="18" charset="0"/>
+              </a:rPr>
+              <a:t>3. Conclusion</a:t>
+            </a:r>
+            <a:endParaRPr lang="ko-KR" altLang="en-US" i="1" dirty="0">
+              <a:effectLst>
+                <a:outerShdw blurRad="38100" dist="38100" dir="2700000" algn="tl">
+                  <a:srgbClr val="000000">
+                    <a:alpha val="43137"/>
+                  </a:srgbClr>
+                </a:outerShdw>
+              </a:effectLst>
+              <a:latin typeface="Georgia" panose="02040502050405020303" pitchFamily="18" charset="0"/>
+            </a:endParaRPr>
+          </a:p>
+        </p:txBody>
+      </p:sp>
+      <p:sp>
+        <p:nvSpPr>
+          <p:cNvPr id="3" name="내용 개체 틀 2">
+            <a:extLst>
+              <a:ext uri="{FF2B5EF4-FFF2-40B4-BE49-F238E27FC236}">
+                <a16:creationId xmlns:a16="http://schemas.microsoft.com/office/drawing/2014/main" id="{E47206A2-7528-4B7F-9242-1BEA1C5A9AE1}"/>
+              </a:ext>
+            </a:extLst>
+          </p:cNvPr>
+          <p:cNvSpPr>
+            <a:spLocks noGrp="1"/>
+          </p:cNvSpPr>
+          <p:nvPr>
+            <p:ph idx="1"/>
+          </p:nvPr>
+        </p:nvSpPr>
+        <p:spPr>
+          <a:xfrm>
+            <a:off x="838200" y="1825625"/>
+            <a:ext cx="10515600" cy="3499480"/>
+          </a:xfrm>
+        </p:spPr>
+        <p:txBody>
+          <a:bodyPr>
+            <a:normAutofit lnSpcReduction="10000"/>
+          </a:bodyPr>
+          <a:lstStyle/>
+          <a:p>
+            <a:r>
+              <a:rPr lang="en-US" altLang="ko-KR" dirty="0"/>
+              <a:t>Combining the outputs of the first three layers of pre-trained CNN model and considering the correlations between them.</a:t>
+            </a:r>
+          </a:p>
+          <a:p>
+            <a:endParaRPr lang="en-US" altLang="ko-KR" dirty="0"/>
+          </a:p>
+          <a:p>
+            <a:r>
+              <a:rPr lang="en-US" altLang="ko-KR" dirty="0"/>
+              <a:t>Achieved State-Of-The-Art (SOTA) in 2020</a:t>
+            </a:r>
+          </a:p>
+          <a:p>
+            <a:endParaRPr lang="en-US" altLang="ko-KR" dirty="0"/>
+          </a:p>
+          <a:p>
+            <a:r>
+              <a:rPr lang="en-US" altLang="ko-KR" dirty="0"/>
+              <a:t>No need to train deep learning model, and inference can be performed on a CPU, taking approximately 150 seconds per class.</a:t>
+            </a:r>
+            <a:endParaRPr lang="ko-KR" altLang="en-US" dirty="0"/>
+          </a:p>
+        </p:txBody>
+      </p:sp>
+      <p:grpSp>
+        <p:nvGrpSpPr>
+          <p:cNvPr id="5" name="그룹 4">
+            <a:extLst>
+              <a:ext uri="{FF2B5EF4-FFF2-40B4-BE49-F238E27FC236}">
+                <a16:creationId xmlns:a16="http://schemas.microsoft.com/office/drawing/2014/main" id="{C76E9B3B-051B-4A3C-A3EB-BF832A8E2143}"/>
+              </a:ext>
+            </a:extLst>
+          </p:cNvPr>
+          <p:cNvGrpSpPr/>
+          <p:nvPr/>
+        </p:nvGrpSpPr>
+        <p:grpSpPr>
+          <a:xfrm>
+            <a:off x="2073916" y="5663308"/>
+            <a:ext cx="7447768" cy="843963"/>
+            <a:chOff x="1558446" y="3634092"/>
+            <a:chExt cx="7447768" cy="843963"/>
+          </a:xfrm>
+        </p:grpSpPr>
+        <p:pic>
+          <p:nvPicPr>
+            <p:cNvPr id="11" name="내용 개체 틀 1">
+              <a:extLst>
+                <a:ext uri="{FF2B5EF4-FFF2-40B4-BE49-F238E27FC236}">
+                  <a16:creationId xmlns:a16="http://schemas.microsoft.com/office/drawing/2014/main" id="{7D3EB506-E358-4AC6-94CE-0B0CDEB2A3BD}"/>
+                </a:ext>
+              </a:extLst>
+            </p:cNvPr>
+            <p:cNvPicPr>
+              <a:picLocks noChangeAspect="1"/>
+            </p:cNvPicPr>
+            <p:nvPr/>
+          </p:nvPicPr>
+          <p:blipFill rotWithShape="1">
+            <a:blip r:embed="rId3"/>
+            <a:srcRect b="83314"/>
+            <a:stretch/>
+          </p:blipFill>
+          <p:spPr>
+            <a:xfrm>
+              <a:off x="1558447" y="3634092"/>
+              <a:ext cx="7447767" cy="505760"/>
+            </a:xfrm>
+            <a:prstGeom prst="rect">
+              <a:avLst/>
+            </a:prstGeom>
+          </p:spPr>
+        </p:pic>
+        <p:pic>
+          <p:nvPicPr>
+            <p:cNvPr id="12" name="내용 개체 틀 1">
+              <a:extLst>
+                <a:ext uri="{FF2B5EF4-FFF2-40B4-BE49-F238E27FC236}">
+                  <a16:creationId xmlns:a16="http://schemas.microsoft.com/office/drawing/2014/main" id="{E461F3D1-9283-4ABF-8ACD-9395AC1BEFBD}"/>
+                </a:ext>
+              </a:extLst>
+            </p:cNvPr>
+            <p:cNvPicPr>
+              <a:picLocks noChangeAspect="1"/>
+            </p:cNvPicPr>
+            <p:nvPr/>
+          </p:nvPicPr>
+          <p:blipFill rotWithShape="1">
+            <a:blip r:embed="rId3"/>
+            <a:srcRect t="88870" b="-28"/>
+            <a:stretch/>
+          </p:blipFill>
+          <p:spPr>
+            <a:xfrm>
+              <a:off x="1558446" y="4139852"/>
+              <a:ext cx="7447767" cy="338203"/>
+            </a:xfrm>
+            <a:prstGeom prst="rect">
+              <a:avLst/>
+            </a:prstGeom>
+          </p:spPr>
+        </p:pic>
+      </p:grpSp>
+    </p:spTree>
+    <p:extLst>
+      <p:ext uri="{BB962C8B-B14F-4D97-AF65-F5344CB8AC3E}">
+        <p14:creationId xmlns:p14="http://schemas.microsoft.com/office/powerpoint/2010/main" val="3892832762"/>
+      </p:ext>
+    </p:extLst>
+  </p:cSld>
+  <p:clrMapOvr>
+    <a:masterClrMapping/>
+  </p:clrMapOvr>
+</p:sld>
+</file>
+
+<file path=ppt/slides/slide12.xml><?xml version="1.0" encoding="utf-8"?>
+<p:sld xmlns:a="http://schemas.openxmlformats.org/drawingml/2006/main" xmlns:r="http://schemas.openxmlformats.org/officeDocument/2006/relationships" xmlns:p="http://schemas.openxmlformats.org/presentationml/2006/main">
+  <p:cSld>
+    <p:spTree>
+      <p:nvGrpSpPr>
+        <p:cNvPr id="1" name=""/>
+        <p:cNvGrpSpPr/>
+        <p:nvPr/>
+      </p:nvGrpSpPr>
+      <p:grpSpPr>
+        <a:xfrm>
+          <a:off x="0" y="0"/>
+          <a:ext cx="0" cy="0"/>
+          <a:chOff x="0" y="0"/>
+          <a:chExt cx="0" cy="0"/>
+        </a:xfrm>
+      </p:grpSpPr>
+      <p:sp>
+        <p:nvSpPr>
           <p:cNvPr id="4" name="제목 3">
             <a:extLst>
               <a:ext uri="{FF2B5EF4-FFF2-40B4-BE49-F238E27FC236}">
@@ -4198,9 +6453,14 @@
           <a:p>
             <a:pPr algn="ctr"/>
             <a:r>
-              <a:rPr lang="ko-KR" altLang="en-US" dirty="0"/>
-              <a:t>감사합니다</a:t>
-            </a:r>
+              <a:rPr lang="en-US" altLang="ko-KR" dirty="0">
+                <a:latin typeface="Georgia" panose="02040502050405020303" pitchFamily="18" charset="0"/>
+              </a:rPr>
+              <a:t>Thank you</a:t>
+            </a:r>
+            <a:endParaRPr lang="ko-KR" altLang="en-US" dirty="0">
+              <a:latin typeface="Georgia" panose="02040502050405020303" pitchFamily="18" charset="0"/>
+            </a:endParaRPr>
           </a:p>
         </p:txBody>
       </p:sp>
@@ -4236,10 +6496,10 @@
       </p:grpSpPr>
       <p:sp>
         <p:nvSpPr>
-          <p:cNvPr id="5" name="사각형: 둥근 모서리 4">
+          <p:cNvPr id="10" name="직사각형 9">
             <a:extLst>
               <a:ext uri="{FF2B5EF4-FFF2-40B4-BE49-F238E27FC236}">
-                <a16:creationId xmlns:a16="http://schemas.microsoft.com/office/drawing/2014/main" id="{808D1D68-9AF0-4BC1-94F2-8717A8476033}"/>
+                <a16:creationId xmlns:a16="http://schemas.microsoft.com/office/drawing/2014/main" id="{0FDCC6DD-0921-4BE7-9CD5-77D5E386700C}"/>
               </a:ext>
             </a:extLst>
           </p:cNvPr>
@@ -4248,36 +6508,41 @@
         </p:nvSpPr>
         <p:spPr>
           <a:xfrm>
-            <a:off x="713232" y="3016251"/>
-            <a:ext cx="10640568" cy="1034224"/>
+            <a:off x="0" y="7825"/>
+            <a:ext cx="12192000" cy="1138060"/>
           </a:xfrm>
-          <a:prstGeom prst="roundRect">
+          <a:prstGeom prst="rect">
             <a:avLst/>
           </a:prstGeom>
-          <a:gradFill flip="none" rotWithShape="1">
-            <a:gsLst>
-              <a:gs pos="0">
-                <a:schemeClr val="accent4">
-                  <a:lumMod val="20000"/>
-                  <a:lumOff val="80000"/>
+          <a:blipFill dpi="0" rotWithShape="1">
+            <a:blip r:embed="rId3">
+              <a:duotone>
+                <a:schemeClr val="bg2">
+                  <a:shade val="45000"/>
+                  <a:satMod val="135000"/>
                 </a:schemeClr>
-              </a:gs>
-              <a:gs pos="100000">
-                <a:srgbClr val="FFC000"/>
-              </a:gs>
-            </a:gsLst>
-            <a:lin ang="16200000" scaled="1"/>
-            <a:tileRect/>
-          </a:gradFill>
+                <a:prstClr val="white"/>
+              </a:duotone>
+            </a:blip>
+            <a:srcRect/>
+            <a:stretch>
+              <a:fillRect/>
+            </a:stretch>
+          </a:blipFill>
+          <a:ln>
+            <a:noFill/>
+          </a:ln>
         </p:spPr>
         <p:style>
-          <a:lnRef idx="1">
-            <a:schemeClr val="accent1"/>
+          <a:lnRef idx="2">
+            <a:schemeClr val="accent1">
+              <a:shade val="50000"/>
+            </a:schemeClr>
           </a:lnRef>
-          <a:fillRef idx="3">
+          <a:fillRef idx="1">
             <a:schemeClr val="accent1"/>
           </a:fillRef>
-          <a:effectRef idx="2">
+          <a:effectRef idx="0">
             <a:schemeClr val="accent1"/>
           </a:effectRef>
           <a:fontRef idx="minor">
@@ -4288,95 +6553,8 @@
           <a:bodyPr rtlCol="0" anchor="ctr"/>
           <a:lstStyle/>
           <a:p>
-            <a:r>
-              <a:rPr lang="en-US" altLang="ko-KR" dirty="0">
-                <a:solidFill>
-                  <a:schemeClr val="tx1"/>
-                </a:solidFill>
-              </a:rPr>
-              <a:t>The features obtained by passing training images through the CNN model are computed for </a:t>
-            </a:r>
-            <a:r>
-              <a:rPr lang="en-US" altLang="ko-KR" dirty="0" err="1">
-                <a:solidFill>
-                  <a:schemeClr val="tx1"/>
-                </a:solidFill>
-              </a:rPr>
-              <a:t>Mahalanobis</a:t>
-            </a:r>
-            <a:r>
-              <a:rPr lang="en-US" altLang="ko-KR" dirty="0">
-                <a:solidFill>
-                  <a:schemeClr val="tx1"/>
-                </a:solidFill>
-              </a:rPr>
-              <a:t> distance on a patch-by-patch.</a:t>
-            </a:r>
-          </a:p>
-        </p:txBody>
-      </p:sp>
-      <p:sp>
-        <p:nvSpPr>
-          <p:cNvPr id="4" name="사각형: 둥근 모서리 3">
-            <a:extLst>
-              <a:ext uri="{FF2B5EF4-FFF2-40B4-BE49-F238E27FC236}">
-                <a16:creationId xmlns:a16="http://schemas.microsoft.com/office/drawing/2014/main" id="{EBA7F144-63D0-431B-AA68-0EC270ABF4AF}"/>
-              </a:ext>
-            </a:extLst>
-          </p:cNvPr>
-          <p:cNvSpPr/>
-          <p:nvPr/>
-        </p:nvSpPr>
-        <p:spPr>
-          <a:xfrm>
-            <a:off x="713232" y="1690688"/>
-            <a:ext cx="10640568" cy="1034224"/>
-          </a:xfrm>
-          <a:prstGeom prst="roundRect">
-            <a:avLst/>
-          </a:prstGeom>
-          <a:gradFill flip="none" rotWithShape="1">
-            <a:gsLst>
-              <a:gs pos="0">
-                <a:schemeClr val="accent4">
-                  <a:lumMod val="20000"/>
-                  <a:lumOff val="80000"/>
-                </a:schemeClr>
-              </a:gs>
-              <a:gs pos="100000">
-                <a:srgbClr val="FFC000"/>
-              </a:gs>
-            </a:gsLst>
-            <a:lin ang="16200000" scaled="1"/>
-            <a:tileRect/>
-          </a:gradFill>
-        </p:spPr>
-        <p:style>
-          <a:lnRef idx="1">
-            <a:schemeClr val="accent1"/>
-          </a:lnRef>
-          <a:fillRef idx="3">
-            <a:schemeClr val="accent1"/>
-          </a:fillRef>
-          <a:effectRef idx="2">
-            <a:schemeClr val="accent1"/>
-          </a:effectRef>
-          <a:fontRef idx="minor">
-            <a:schemeClr val="lt1"/>
-          </a:fontRef>
-        </p:style>
-        <p:txBody>
-          <a:bodyPr rtlCol="0" anchor="ctr"/>
-          <a:lstStyle/>
-          <a:p>
-            <a:r>
-              <a:rPr lang="en-US" altLang="ko-KR" dirty="0">
-                <a:solidFill>
-                  <a:schemeClr val="tx1"/>
-                </a:solidFill>
-              </a:rPr>
-              <a:t>By using pre-trained CNN models and Gaussian Distribution for anomaly detection in images</a:t>
-            </a:r>
+            <a:pPr algn="ctr"/>
+            <a:endParaRPr lang="ko-KR" altLang="en-US"/>
           </a:p>
         </p:txBody>
       </p:sp>
@@ -4396,156 +6574,150 @@
             <p:ph type="title"/>
           </p:nvPr>
         </p:nvSpPr>
+        <p:spPr>
+          <a:xfrm>
+            <a:off x="540732" y="0"/>
+            <a:ext cx="10515600" cy="1145885"/>
+          </a:xfrm>
+        </p:spPr>
+        <p:txBody>
+          <a:bodyPr/>
+          <a:lstStyle/>
+          <a:p>
+            <a:r>
+              <a:rPr lang="en-US" altLang="ko-KR" i="1" dirty="0">
+                <a:effectLst>
+                  <a:outerShdw blurRad="38100" dist="38100" dir="2700000" algn="tl">
+                    <a:srgbClr val="000000">
+                      <a:alpha val="43137"/>
+                    </a:srgbClr>
+                  </a:outerShdw>
+                </a:effectLst>
+                <a:latin typeface="Georgia" panose="02040502050405020303" pitchFamily="18" charset="0"/>
+              </a:rPr>
+              <a:t>Index</a:t>
+            </a:r>
+            <a:endParaRPr lang="ko-KR" altLang="en-US" i="1" dirty="0">
+              <a:effectLst>
+                <a:outerShdw blurRad="38100" dist="38100" dir="2700000" algn="tl">
+                  <a:srgbClr val="000000">
+                    <a:alpha val="43137"/>
+                  </a:srgbClr>
+                </a:outerShdw>
+              </a:effectLst>
+              <a:latin typeface="Georgia" panose="02040502050405020303" pitchFamily="18" charset="0"/>
+            </a:endParaRPr>
+          </a:p>
+        </p:txBody>
+      </p:sp>
+      <p:sp>
+        <p:nvSpPr>
+          <p:cNvPr id="16" name="내용 개체 틀 15">
+            <a:extLst>
+              <a:ext uri="{FF2B5EF4-FFF2-40B4-BE49-F238E27FC236}">
+                <a16:creationId xmlns:a16="http://schemas.microsoft.com/office/drawing/2014/main" id="{48F01B7A-7B1A-44DB-BD8C-14C2DE01E875}"/>
+              </a:ext>
+            </a:extLst>
+          </p:cNvPr>
+          <p:cNvSpPr>
+            <a:spLocks noGrp="1"/>
+          </p:cNvSpPr>
+          <p:nvPr>
+            <p:ph idx="1"/>
+          </p:nvPr>
+        </p:nvSpPr>
         <p:spPr/>
         <p:txBody>
           <a:bodyPr/>
           <a:lstStyle/>
           <a:p>
+            <a:pPr marL="514350" indent="-514350">
+              <a:buAutoNum type="arabicPeriod"/>
+            </a:pPr>
             <a:r>
               <a:rPr lang="en-US" altLang="ko-KR" dirty="0"/>
-              <a:t>1. Paper abstract</a:t>
-            </a:r>
+              <a:t>Paper abstract</a:t>
+            </a:r>
+          </a:p>
+          <a:p>
+            <a:pPr marL="514350" indent="-514350">
+              <a:buAutoNum type="arabicPeriod"/>
+            </a:pPr>
+            <a:endParaRPr lang="en-US" altLang="ko-KR" dirty="0"/>
+          </a:p>
+          <a:p>
+            <a:pPr marL="457200" lvl="1" indent="0">
+              <a:buNone/>
+            </a:pPr>
+            <a:r>
+              <a:rPr lang="en-US" altLang="ko-KR" dirty="0"/>
+              <a:t>1-1. Anomaly Detection</a:t>
+            </a:r>
+          </a:p>
+          <a:p>
+            <a:pPr marL="457200" lvl="1" indent="0">
+              <a:buNone/>
+            </a:pPr>
+            <a:endParaRPr lang="en-US" altLang="ko-KR" dirty="0"/>
+          </a:p>
+          <a:p>
+            <a:pPr marL="457200" lvl="1" indent="0">
+              <a:buNone/>
+            </a:pPr>
+            <a:r>
+              <a:rPr lang="en-US" altLang="ko-KR" dirty="0"/>
+              <a:t>1-2. </a:t>
+            </a:r>
+            <a:r>
+              <a:rPr lang="en-US" altLang="ko-KR" dirty="0" err="1"/>
+              <a:t>Mahalanobis</a:t>
+            </a:r>
+            <a:r>
+              <a:rPr lang="en-US" altLang="ko-KR" dirty="0"/>
+              <a:t> Distance</a:t>
+            </a:r>
+          </a:p>
+          <a:p>
+            <a:pPr marL="457200" lvl="1" indent="0">
+              <a:buNone/>
+            </a:pPr>
+            <a:endParaRPr lang="en-US" altLang="ko-KR" dirty="0"/>
+          </a:p>
+          <a:p>
+            <a:pPr marL="514350" indent="-514350">
+              <a:buFont typeface="Arial" panose="020B0604020202020204" pitchFamily="34" charset="0"/>
+              <a:buAutoNum type="arabicPeriod"/>
+            </a:pPr>
+            <a:r>
+              <a:rPr lang="en-US" altLang="ko-KR" dirty="0"/>
+              <a:t>Model</a:t>
+            </a:r>
+          </a:p>
+          <a:p>
+            <a:pPr marL="514350" indent="-514350">
+              <a:buFont typeface="Arial" panose="020B0604020202020204" pitchFamily="34" charset="0"/>
+              <a:buAutoNum type="arabicPeriod"/>
+            </a:pPr>
+            <a:endParaRPr lang="en-US" altLang="ko-KR" dirty="0"/>
+          </a:p>
+          <a:p>
+            <a:pPr marL="514350" indent="-514350">
+              <a:buFont typeface="Arial" panose="020B0604020202020204" pitchFamily="34" charset="0"/>
+              <a:buAutoNum type="arabicPeriod"/>
+            </a:pPr>
+            <a:r>
+              <a:rPr lang="en-US" altLang="ko-KR" dirty="0"/>
+              <a:t>Conclusion</a:t>
+            </a:r>
+          </a:p>
+          <a:p>
+            <a:pPr marL="514350" indent="-514350">
+              <a:buAutoNum type="arabicPeriod"/>
+            </a:pPr>
+            <a:endParaRPr lang="en-US" altLang="ko-KR" dirty="0"/>
+          </a:p>
+          <a:p>
             <a:endParaRPr lang="ko-KR" altLang="en-US" dirty="0"/>
-          </a:p>
-        </p:txBody>
-      </p:sp>
-      <p:sp>
-        <p:nvSpPr>
-          <p:cNvPr id="6" name="사각형: 둥근 모서리 5">
-            <a:extLst>
-              <a:ext uri="{FF2B5EF4-FFF2-40B4-BE49-F238E27FC236}">
-                <a16:creationId xmlns:a16="http://schemas.microsoft.com/office/drawing/2014/main" id="{90753604-D6F1-4C35-8BDE-2740A6041D2A}"/>
-              </a:ext>
-            </a:extLst>
-          </p:cNvPr>
-          <p:cNvSpPr/>
-          <p:nvPr/>
-        </p:nvSpPr>
-        <p:spPr>
-          <a:xfrm>
-            <a:off x="713232" y="4341814"/>
-            <a:ext cx="10640568" cy="1034224"/>
-          </a:xfrm>
-          <a:prstGeom prst="roundRect">
-            <a:avLst/>
-          </a:prstGeom>
-          <a:gradFill flip="none" rotWithShape="1">
-            <a:gsLst>
-              <a:gs pos="0">
-                <a:schemeClr val="accent4">
-                  <a:lumMod val="20000"/>
-                  <a:lumOff val="80000"/>
-                </a:schemeClr>
-              </a:gs>
-              <a:gs pos="100000">
-                <a:srgbClr val="FFC000"/>
-              </a:gs>
-            </a:gsLst>
-            <a:lin ang="16200000" scaled="1"/>
-            <a:tileRect/>
-          </a:gradFill>
-        </p:spPr>
-        <p:style>
-          <a:lnRef idx="1">
-            <a:schemeClr val="accent1"/>
-          </a:lnRef>
-          <a:fillRef idx="3">
-            <a:schemeClr val="accent1"/>
-          </a:fillRef>
-          <a:effectRef idx="2">
-            <a:schemeClr val="accent1"/>
-          </a:effectRef>
-          <a:fontRef idx="minor">
-            <a:schemeClr val="lt1"/>
-          </a:fontRef>
-        </p:style>
-        <p:txBody>
-          <a:bodyPr rtlCol="0" anchor="ctr"/>
-          <a:lstStyle/>
-          <a:p>
-            <a:pPr>
-              <a:lnSpc>
-                <a:spcPct val="120000"/>
-              </a:lnSpc>
-            </a:pPr>
-            <a:r>
-              <a:rPr lang="en-US" altLang="ko-KR" dirty="0">
-                <a:solidFill>
-                  <a:schemeClr val="tx1"/>
-                </a:solidFill>
-              </a:rPr>
-              <a:t>Extraction of feature values from all layers of the CNN model to consider correlations at different semantic levels.</a:t>
-            </a:r>
-          </a:p>
-        </p:txBody>
-      </p:sp>
-      <p:sp>
-        <p:nvSpPr>
-          <p:cNvPr id="7" name="사각형: 둥근 모서리 6">
-            <a:extLst>
-              <a:ext uri="{FF2B5EF4-FFF2-40B4-BE49-F238E27FC236}">
-                <a16:creationId xmlns:a16="http://schemas.microsoft.com/office/drawing/2014/main" id="{D86C065F-6940-426A-81B2-9BD3068C4941}"/>
-              </a:ext>
-            </a:extLst>
-          </p:cNvPr>
-          <p:cNvSpPr/>
-          <p:nvPr/>
-        </p:nvSpPr>
-        <p:spPr>
-          <a:xfrm>
-            <a:off x="713232" y="5667377"/>
-            <a:ext cx="10640568" cy="1034224"/>
-          </a:xfrm>
-          <a:prstGeom prst="roundRect">
-            <a:avLst/>
-          </a:prstGeom>
-          <a:gradFill flip="none" rotWithShape="1">
-            <a:gsLst>
-              <a:gs pos="0">
-                <a:schemeClr val="accent4">
-                  <a:lumMod val="20000"/>
-                  <a:lumOff val="80000"/>
-                </a:schemeClr>
-              </a:gs>
-              <a:gs pos="100000">
-                <a:srgbClr val="FFC000"/>
-              </a:gs>
-            </a:gsLst>
-            <a:lin ang="16200000" scaled="1"/>
-            <a:tileRect/>
-          </a:gradFill>
-        </p:spPr>
-        <p:style>
-          <a:lnRef idx="1">
-            <a:schemeClr val="accent1"/>
-          </a:lnRef>
-          <a:fillRef idx="3">
-            <a:schemeClr val="accent1"/>
-          </a:fillRef>
-          <a:effectRef idx="2">
-            <a:schemeClr val="accent1"/>
-          </a:effectRef>
-          <a:fontRef idx="minor">
-            <a:schemeClr val="lt1"/>
-          </a:fontRef>
-        </p:style>
-        <p:txBody>
-          <a:bodyPr rtlCol="0" anchor="ctr"/>
-          <a:lstStyle/>
-          <a:p>
-            <a:pPr>
-              <a:lnSpc>
-                <a:spcPct val="120000"/>
-              </a:lnSpc>
-            </a:pPr>
-            <a:r>
-              <a:rPr lang="en-US" altLang="ko-KR" dirty="0">
-                <a:solidFill>
-                  <a:schemeClr val="tx1"/>
-                </a:solidFill>
-              </a:rPr>
-              <a:t>Each patch is assumed to follow a Multivariate Gaussian Distribution.</a:t>
-            </a:r>
           </a:p>
         </p:txBody>
       </p:sp>
@@ -4581,6 +6753,70 @@
       </p:grpSpPr>
       <p:sp>
         <p:nvSpPr>
+          <p:cNvPr id="10" name="직사각형 9">
+            <a:extLst>
+              <a:ext uri="{FF2B5EF4-FFF2-40B4-BE49-F238E27FC236}">
+                <a16:creationId xmlns:a16="http://schemas.microsoft.com/office/drawing/2014/main" id="{0FDCC6DD-0921-4BE7-9CD5-77D5E386700C}"/>
+              </a:ext>
+            </a:extLst>
+          </p:cNvPr>
+          <p:cNvSpPr/>
+          <p:nvPr/>
+        </p:nvSpPr>
+        <p:spPr>
+          <a:xfrm>
+            <a:off x="0" y="7825"/>
+            <a:ext cx="12192000" cy="1138060"/>
+          </a:xfrm>
+          <a:prstGeom prst="rect">
+            <a:avLst/>
+          </a:prstGeom>
+          <a:blipFill dpi="0" rotWithShape="1">
+            <a:blip r:embed="rId2">
+              <a:duotone>
+                <a:schemeClr val="bg2">
+                  <a:shade val="45000"/>
+                  <a:satMod val="135000"/>
+                </a:schemeClr>
+                <a:prstClr val="white"/>
+              </a:duotone>
+            </a:blip>
+            <a:srcRect/>
+            <a:stretch>
+              <a:fillRect/>
+            </a:stretch>
+          </a:blipFill>
+          <a:ln>
+            <a:noFill/>
+          </a:ln>
+        </p:spPr>
+        <p:style>
+          <a:lnRef idx="2">
+            <a:schemeClr val="accent1">
+              <a:shade val="50000"/>
+            </a:schemeClr>
+          </a:lnRef>
+          <a:fillRef idx="1">
+            <a:schemeClr val="accent1"/>
+          </a:fillRef>
+          <a:effectRef idx="0">
+            <a:schemeClr val="accent1"/>
+          </a:effectRef>
+          <a:fontRef idx="minor">
+            <a:schemeClr val="lt1"/>
+          </a:fontRef>
+        </p:style>
+        <p:txBody>
+          <a:bodyPr rtlCol="0" anchor="ctr"/>
+          <a:lstStyle/>
+          <a:p>
+            <a:pPr algn="ctr"/>
+            <a:endParaRPr lang="ko-KR" altLang="en-US"/>
+          </a:p>
+        </p:txBody>
+      </p:sp>
+      <p:sp>
+        <p:nvSpPr>
           <p:cNvPr id="2" name="제목 1">
             <a:extLst>
               <a:ext uri="{FF2B5EF4-FFF2-40B4-BE49-F238E27FC236}">
@@ -4595,16 +6831,201 @@
             <p:ph type="title"/>
           </p:nvPr>
         </p:nvSpPr>
-        <p:spPr/>
+        <p:spPr>
+          <a:xfrm>
+            <a:off x="540732" y="0"/>
+            <a:ext cx="10515600" cy="1145885"/>
+          </a:xfrm>
+        </p:spPr>
         <p:txBody>
           <a:bodyPr/>
           <a:lstStyle/>
           <a:p>
             <a:r>
+              <a:rPr lang="en-US" altLang="ko-KR" i="1" dirty="0">
+                <a:effectLst>
+                  <a:outerShdw blurRad="38100" dist="38100" dir="2700000" algn="tl">
+                    <a:srgbClr val="000000">
+                      <a:alpha val="43137"/>
+                    </a:srgbClr>
+                  </a:outerShdw>
+                </a:effectLst>
+                <a:latin typeface="Georgia" panose="02040502050405020303" pitchFamily="18" charset="0"/>
+              </a:rPr>
+              <a:t>1. Paper abstract</a:t>
+            </a:r>
+            <a:endParaRPr lang="ko-KR" altLang="en-US" i="1" dirty="0">
+              <a:effectLst>
+                <a:outerShdw blurRad="38100" dist="38100" dir="2700000" algn="tl">
+                  <a:srgbClr val="000000">
+                    <a:alpha val="43137"/>
+                  </a:srgbClr>
+                </a:outerShdw>
+              </a:effectLst>
+              <a:latin typeface="Georgia" panose="02040502050405020303" pitchFamily="18" charset="0"/>
+            </a:endParaRPr>
+          </a:p>
+        </p:txBody>
+      </p:sp>
+      <p:sp>
+        <p:nvSpPr>
+          <p:cNvPr id="16" name="내용 개체 틀 15">
+            <a:extLst>
+              <a:ext uri="{FF2B5EF4-FFF2-40B4-BE49-F238E27FC236}">
+                <a16:creationId xmlns:a16="http://schemas.microsoft.com/office/drawing/2014/main" id="{48F01B7A-7B1A-44DB-BD8C-14C2DE01E875}"/>
+              </a:ext>
+            </a:extLst>
+          </p:cNvPr>
+          <p:cNvSpPr>
+            <a:spLocks noGrp="1"/>
+          </p:cNvSpPr>
+          <p:nvPr>
+            <p:ph idx="1"/>
+          </p:nvPr>
+        </p:nvSpPr>
+        <p:spPr/>
+        <p:txBody>
+          <a:bodyPr>
+            <a:normAutofit fontScale="92500" lnSpcReduction="10000"/>
+          </a:bodyPr>
+          <a:lstStyle/>
+          <a:p>
+            <a:r>
               <a:rPr lang="en-US" altLang="ko-KR" dirty="0"/>
-              <a:t>1-1. Anomaly detection</a:t>
-            </a:r>
+              <a:t>By using pre-trained CNN models and Gaussian Distribution for anomaly detection in images</a:t>
+            </a:r>
+          </a:p>
+          <a:p>
+            <a:endParaRPr lang="en-US" altLang="ko-KR" dirty="0"/>
+          </a:p>
+          <a:p>
+            <a:r>
+              <a:rPr lang="en-US" altLang="ko-KR" dirty="0"/>
+              <a:t>The embedding vector is obtained from CNN model and computed to get </a:t>
+            </a:r>
+            <a:r>
+              <a:rPr lang="en-US" altLang="ko-KR" dirty="0" err="1"/>
+              <a:t>Mahalanobis</a:t>
+            </a:r>
+            <a:r>
+              <a:rPr lang="en-US" altLang="ko-KR" dirty="0"/>
+              <a:t> distance patch-by-patch.</a:t>
+            </a:r>
+          </a:p>
+          <a:p>
+            <a:endParaRPr lang="en-US" altLang="ko-KR" dirty="0"/>
+          </a:p>
+          <a:p>
+            <a:r>
+              <a:rPr lang="en-US" altLang="ko-KR" dirty="0"/>
+              <a:t>Embedding vector is extracted from each layers of the CNN model,  is used for considering correlations at different semantic levels.</a:t>
+            </a:r>
+          </a:p>
+          <a:p>
+            <a:endParaRPr lang="en-US" altLang="ko-KR" dirty="0"/>
+          </a:p>
+          <a:p>
+            <a:r>
+              <a:rPr lang="en-US" altLang="ko-KR" dirty="0"/>
+              <a:t>Each patch is assumed to follow a Multivariate Gaussian Distribution.</a:t>
+            </a:r>
+          </a:p>
+          <a:p>
             <a:endParaRPr lang="ko-KR" altLang="en-US" dirty="0"/>
+          </a:p>
+        </p:txBody>
+      </p:sp>
+    </p:spTree>
+    <p:extLst>
+      <p:ext uri="{BB962C8B-B14F-4D97-AF65-F5344CB8AC3E}">
+        <p14:creationId xmlns:p14="http://schemas.microsoft.com/office/powerpoint/2010/main" val="3877891197"/>
+      </p:ext>
+    </p:extLst>
+  </p:cSld>
+  <p:clrMapOvr>
+    <a:masterClrMapping/>
+  </p:clrMapOvr>
+</p:sld>
+</file>
+
+<file path=ppt/slides/slide4.xml><?xml version="1.0" encoding="utf-8"?>
+<p:sld xmlns:a="http://schemas.openxmlformats.org/drawingml/2006/main" xmlns:r="http://schemas.openxmlformats.org/officeDocument/2006/relationships" xmlns:p="http://schemas.openxmlformats.org/presentationml/2006/main">
+  <p:cSld>
+    <p:spTree>
+      <p:nvGrpSpPr>
+        <p:cNvPr id="1" name=""/>
+        <p:cNvGrpSpPr/>
+        <p:nvPr/>
+      </p:nvGrpSpPr>
+      <p:grpSpPr>
+        <a:xfrm>
+          <a:off x="0" y="0"/>
+          <a:ext cx="0" cy="0"/>
+          <a:chOff x="0" y="0"/>
+          <a:chExt cx="0" cy="0"/>
+        </a:xfrm>
+      </p:grpSpPr>
+      <p:sp>
+        <p:nvSpPr>
+          <p:cNvPr id="12" name="직사각형 11">
+            <a:extLst>
+              <a:ext uri="{FF2B5EF4-FFF2-40B4-BE49-F238E27FC236}">
+                <a16:creationId xmlns:a16="http://schemas.microsoft.com/office/drawing/2014/main" id="{E046213B-A525-4A24-BD1E-1EA94EB87EF0}"/>
+              </a:ext>
+            </a:extLst>
+          </p:cNvPr>
+          <p:cNvSpPr/>
+          <p:nvPr/>
+        </p:nvSpPr>
+        <p:spPr>
+          <a:xfrm>
+            <a:off x="0" y="7825"/>
+            <a:ext cx="12192000" cy="1138060"/>
+          </a:xfrm>
+          <a:prstGeom prst="rect">
+            <a:avLst/>
+          </a:prstGeom>
+          <a:blipFill dpi="0" rotWithShape="1">
+            <a:blip r:embed="rId3">
+              <a:duotone>
+                <a:schemeClr val="bg2">
+                  <a:shade val="45000"/>
+                  <a:satMod val="135000"/>
+                </a:schemeClr>
+                <a:prstClr val="white"/>
+              </a:duotone>
+            </a:blip>
+            <a:srcRect/>
+            <a:stretch>
+              <a:fillRect/>
+            </a:stretch>
+          </a:blipFill>
+          <a:ln>
+            <a:noFill/>
+          </a:ln>
+        </p:spPr>
+        <p:style>
+          <a:lnRef idx="2">
+            <a:schemeClr val="accent1">
+              <a:shade val="50000"/>
+            </a:schemeClr>
+          </a:lnRef>
+          <a:fillRef idx="1">
+            <a:schemeClr val="accent1"/>
+          </a:fillRef>
+          <a:effectRef idx="0">
+            <a:schemeClr val="accent1"/>
+          </a:effectRef>
+          <a:fontRef idx="minor">
+            <a:schemeClr val="lt1"/>
+          </a:fontRef>
+        </p:style>
+        <p:txBody>
+          <a:bodyPr rtlCol="0" anchor="ctr"/>
+          <a:lstStyle/>
+          <a:p>
+            <a:pPr algn="ctr"/>
+            <a:endParaRPr lang="ko-KR" altLang="en-US"/>
           </a:p>
         </p:txBody>
       </p:sp>
@@ -4637,35 +7058,96 @@
           <a:lstStyle/>
           <a:p>
             <a:r>
-              <a:rPr lang="en-US" altLang="ko-KR" dirty="0"/>
-              <a:t>Anomaly Detection</a:t>
-            </a:r>
-          </a:p>
-          <a:p>
-            <a:pPr>
-              <a:buFontTx/>
-              <a:buChar char="-"/>
-            </a:pPr>
-            <a:r>
-              <a:rPr lang="en-US" altLang="ko-KR" dirty="0"/>
+              <a:rPr lang="en-US" altLang="ko-KR" dirty="0">
+                <a:latin typeface="Georgia" panose="02040502050405020303" pitchFamily="18" charset="0"/>
+              </a:rPr>
+              <a:t>Task</a:t>
+            </a:r>
+            <a:r>
+              <a:rPr lang="ko-KR" altLang="en-US" dirty="0">
+                <a:latin typeface="Georgia" panose="02040502050405020303" pitchFamily="18" charset="0"/>
+              </a:rPr>
+              <a:t> </a:t>
+            </a:r>
+            <a:r>
+              <a:rPr lang="en-US" altLang="ko-KR" dirty="0">
+                <a:latin typeface="Georgia" panose="02040502050405020303" pitchFamily="18" charset="0"/>
+              </a:rPr>
+              <a:t>to</a:t>
+            </a:r>
+            <a:r>
+              <a:rPr lang="ko-KR" altLang="en-US" dirty="0">
+                <a:latin typeface="Georgia" panose="02040502050405020303" pitchFamily="18" charset="0"/>
+              </a:rPr>
+              <a:t> </a:t>
+            </a:r>
+            <a:r>
+              <a:rPr lang="en-US" altLang="ko-KR" dirty="0">
+                <a:latin typeface="Georgia" panose="02040502050405020303" pitchFamily="18" charset="0"/>
+              </a:rPr>
+              <a:t>detect</a:t>
+            </a:r>
+            <a:r>
+              <a:rPr lang="ko-KR" altLang="en-US" dirty="0">
+                <a:latin typeface="Georgia" panose="02040502050405020303" pitchFamily="18" charset="0"/>
+              </a:rPr>
+              <a:t> </a:t>
+            </a:r>
+            <a:r>
+              <a:rPr lang="en-US" altLang="ko-KR" dirty="0">
+                <a:latin typeface="Georgia" panose="02040502050405020303" pitchFamily="18" charset="0"/>
+              </a:rPr>
+              <a:t>abnormal</a:t>
+            </a:r>
+            <a:r>
+              <a:rPr lang="ko-KR" altLang="en-US" dirty="0">
+                <a:latin typeface="Georgia" panose="02040502050405020303" pitchFamily="18" charset="0"/>
+              </a:rPr>
+              <a:t> </a:t>
+            </a:r>
+            <a:r>
+              <a:rPr lang="en-US" altLang="ko-KR" dirty="0">
+                <a:latin typeface="Georgia" panose="02040502050405020303" pitchFamily="18" charset="0"/>
+              </a:rPr>
+              <a:t>pattern</a:t>
+            </a:r>
+            <a:r>
+              <a:rPr lang="ko-KR" altLang="en-US" dirty="0">
+                <a:latin typeface="Georgia" panose="02040502050405020303" pitchFamily="18" charset="0"/>
+              </a:rPr>
+              <a:t> </a:t>
+            </a:r>
+            <a:r>
+              <a:rPr lang="en-US" altLang="ko-KR" dirty="0">
+                <a:latin typeface="Georgia" panose="02040502050405020303" pitchFamily="18" charset="0"/>
+              </a:rPr>
+              <a:t>or values from the data </a:t>
+            </a:r>
+          </a:p>
+          <a:p>
+            <a:endParaRPr lang="en-US" altLang="ko-KR" dirty="0">
+              <a:latin typeface="Georgia" panose="02040502050405020303" pitchFamily="18" charset="0"/>
+            </a:endParaRPr>
+          </a:p>
+          <a:p>
+            <a:r>
+              <a:rPr lang="en-US" altLang="ko-KR" dirty="0">
+                <a:latin typeface="Georgia" panose="02040502050405020303" pitchFamily="18" charset="0"/>
+              </a:rPr>
               <a:t>Train a model using only normal images and then determine whether a given image is normal or abnormal.</a:t>
             </a:r>
           </a:p>
           <a:p>
-            <a:pPr>
-              <a:buFontTx/>
-              <a:buChar char="-"/>
-            </a:pPr>
-            <a:endParaRPr lang="en-US" altLang="ko-KR" dirty="0"/>
-          </a:p>
-          <a:p>
-            <a:pPr>
-              <a:buFontTx/>
-              <a:buChar char="-"/>
-            </a:pPr>
-            <a:r>
-              <a:rPr lang="en-US" altLang="ko-KR" dirty="0"/>
-              <a:t>In industrial site, it is easy to obtain normal images, but difficult to acquire abnormal images. </a:t>
+            <a:endParaRPr lang="en-US" altLang="ko-KR" dirty="0">
+              <a:latin typeface="Georgia" panose="02040502050405020303" pitchFamily="18" charset="0"/>
+            </a:endParaRPr>
+          </a:p>
+          <a:p>
+            <a:r>
+              <a:rPr lang="en-US" altLang="ko-KR" dirty="0">
+                <a:latin typeface="Georgia" panose="02040502050405020303" pitchFamily="18" charset="0"/>
+              </a:rPr>
+              <a:t>In industrial site, it is easy to obtain normal images, but difficult to get various abnormal images. </a:t>
             </a:r>
           </a:p>
         </p:txBody>
@@ -4685,7 +7167,7 @@
           <p:nvPr/>
         </p:nvPicPr>
         <p:blipFill>
-          <a:blip r:embed="rId2" cstate="print">
+          <a:blip r:embed="rId4" cstate="print">
             <a:extLst>
               <a:ext uri="{28A0092B-C50C-407E-A947-70E740481C1C}">
                 <a14:useLocalDpi xmlns:a14="http://schemas.microsoft.com/office/drawing/2010/main" val="0"/>
@@ -4698,8 +7180,8 @@
         </p:blipFill>
         <p:spPr>
           <a:xfrm>
-            <a:off x="8573845" y="3550234"/>
-            <a:ext cx="2779955" cy="2779955"/>
+            <a:off x="7569620" y="3976939"/>
+            <a:ext cx="2167996" cy="2167996"/>
           </a:xfrm>
           <a:prstGeom prst="rect">
             <a:avLst/>
@@ -4721,7 +7203,7 @@
           <p:nvPr/>
         </p:nvPicPr>
         <p:blipFill>
-          <a:blip r:embed="rId3" cstate="print">
+          <a:blip r:embed="rId5" cstate="print">
             <a:extLst>
               <a:ext uri="{28A0092B-C50C-407E-A947-70E740481C1C}">
                 <a14:useLocalDpi xmlns:a14="http://schemas.microsoft.com/office/drawing/2010/main" val="0"/>
@@ -4734,8 +7216,8 @@
         </p:blipFill>
         <p:spPr>
           <a:xfrm>
-            <a:off x="8574600" y="162686"/>
-            <a:ext cx="2779200" cy="2779200"/>
+            <a:off x="8803366" y="1172957"/>
+            <a:ext cx="2167407" cy="2167407"/>
           </a:xfrm>
           <a:prstGeom prst="rect">
             <a:avLst/>
@@ -4756,7 +7238,7 @@
         </p:nvSpPr>
         <p:spPr>
           <a:xfrm>
-            <a:off x="9077796" y="5060937"/>
+            <a:off x="7918223" y="5118087"/>
             <a:ext cx="474993" cy="485788"/>
           </a:xfrm>
           <a:prstGeom prst="rect">
@@ -4808,7 +7290,7 @@
         </p:nvSpPr>
         <p:spPr>
           <a:xfrm>
-            <a:off x="9121508" y="2978943"/>
+            <a:off x="9072177" y="3429000"/>
             <a:ext cx="1684628" cy="369332"/>
           </a:xfrm>
           <a:prstGeom prst="rect">
@@ -4844,7 +7326,7 @@
         </p:nvSpPr>
         <p:spPr>
           <a:xfrm>
-            <a:off x="9121508" y="6325982"/>
+            <a:off x="9072177" y="6323542"/>
             <a:ext cx="1931491" cy="369332"/>
           </a:xfrm>
           <a:prstGeom prst="rect">
@@ -4862,6 +7344,157 @@
               <a:rPr lang="en-US" altLang="ko-KR" dirty="0"/>
               <a:t>Abnormal image</a:t>
             </a:r>
+            <a:endParaRPr lang="ko-KR" altLang="en-US" dirty="0"/>
+          </a:p>
+        </p:txBody>
+      </p:sp>
+      <p:sp>
+        <p:nvSpPr>
+          <p:cNvPr id="13" name="제목 1">
+            <a:extLst>
+              <a:ext uri="{FF2B5EF4-FFF2-40B4-BE49-F238E27FC236}">
+                <a16:creationId xmlns:a16="http://schemas.microsoft.com/office/drawing/2014/main" id="{AFBCD949-31FF-4A62-97F9-D70FC50C5F0F}"/>
+              </a:ext>
+            </a:extLst>
+          </p:cNvPr>
+          <p:cNvSpPr txBox="1">
+            <a:spLocks/>
+          </p:cNvSpPr>
+          <p:nvPr/>
+        </p:nvSpPr>
+        <p:spPr>
+          <a:xfrm>
+            <a:off x="540000" y="0"/>
+            <a:ext cx="10515600" cy="1145885"/>
+          </a:xfrm>
+          <a:prstGeom prst="rect">
+            <a:avLst/>
+          </a:prstGeom>
+        </p:spPr>
+        <p:txBody>
+          <a:bodyPr vert="horz" lIns="91440" tIns="45720" rIns="91440" bIns="45720" rtlCol="0" anchor="ctr">
+            <a:normAutofit/>
+          </a:bodyPr>
+          <a:lstStyle>
+            <a:lvl1pPr algn="l" defTabSz="914400" rtl="0" eaLnBrk="1" latinLnBrk="1" hangingPunct="1">
+              <a:lnSpc>
+                <a:spcPct val="90000"/>
+              </a:lnSpc>
+              <a:spcBef>
+                <a:spcPct val="0"/>
+              </a:spcBef>
+              <a:buNone/>
+              <a:defRPr sz="4400" kern="1200">
+                <a:solidFill>
+                  <a:schemeClr val="tx1"/>
+                </a:solidFill>
+                <a:latin typeface="+mj-lt"/>
+                <a:ea typeface="+mj-ea"/>
+                <a:cs typeface="+mj-cs"/>
+              </a:defRPr>
+            </a:lvl1pPr>
+          </a:lstStyle>
+          <a:p>
+            <a:r>
+              <a:rPr lang="en-US" altLang="ko-KR" i="1" dirty="0">
+                <a:effectLst>
+                  <a:outerShdw blurRad="38100" dist="38100" dir="2700000" algn="tl">
+                    <a:srgbClr val="000000">
+                      <a:alpha val="43137"/>
+                    </a:srgbClr>
+                  </a:outerShdw>
+                </a:effectLst>
+                <a:latin typeface="Georgia" panose="02040502050405020303" pitchFamily="18" charset="0"/>
+              </a:rPr>
+              <a:t>1-1. Anomaly Detection</a:t>
+            </a:r>
+          </a:p>
+        </p:txBody>
+      </p:sp>
+      <p:pic>
+        <p:nvPicPr>
+          <p:cNvPr id="6" name="그림 5">
+            <a:extLst>
+              <a:ext uri="{FF2B5EF4-FFF2-40B4-BE49-F238E27FC236}">
+                <a16:creationId xmlns:a16="http://schemas.microsoft.com/office/drawing/2014/main" id="{955F99F5-3B13-438F-979C-1FD71C00C66F}"/>
+              </a:ext>
+            </a:extLst>
+          </p:cNvPr>
+          <p:cNvPicPr>
+            <a:picLocks noChangeAspect="1"/>
+          </p:cNvPicPr>
+          <p:nvPr/>
+        </p:nvPicPr>
+        <p:blipFill>
+          <a:blip r:embed="rId6" cstate="print">
+            <a:extLst>
+              <a:ext uri="{28A0092B-C50C-407E-A947-70E740481C1C}">
+                <a14:useLocalDpi xmlns:a14="http://schemas.microsoft.com/office/drawing/2010/main" val="0"/>
+              </a:ext>
+            </a:extLst>
+          </a:blip>
+          <a:stretch>
+            <a:fillRect/>
+          </a:stretch>
+        </p:blipFill>
+        <p:spPr>
+          <a:xfrm>
+            <a:off x="9914491" y="3976662"/>
+            <a:ext cx="2167200" cy="2167200"/>
+          </a:xfrm>
+          <a:prstGeom prst="rect">
+            <a:avLst/>
+          </a:prstGeom>
+        </p:spPr>
+      </p:pic>
+      <p:sp>
+        <p:nvSpPr>
+          <p:cNvPr id="16" name="직사각형 15">
+            <a:extLst>
+              <a:ext uri="{FF2B5EF4-FFF2-40B4-BE49-F238E27FC236}">
+                <a16:creationId xmlns:a16="http://schemas.microsoft.com/office/drawing/2014/main" id="{BCE8A154-6452-4D9B-8D1F-87F5D33361C4}"/>
+              </a:ext>
+            </a:extLst>
+          </p:cNvPr>
+          <p:cNvSpPr/>
+          <p:nvPr/>
+        </p:nvSpPr>
+        <p:spPr>
+          <a:xfrm>
+            <a:off x="10612107" y="5060262"/>
+            <a:ext cx="474993" cy="485788"/>
+          </a:xfrm>
+          <a:prstGeom prst="rect">
+            <a:avLst/>
+          </a:prstGeom>
+          <a:noFill/>
+          <a:ln w="28575">
+            <a:solidFill>
+              <a:srgbClr val="FF0000"/>
+            </a:solidFill>
+          </a:ln>
+        </p:spPr>
+        <p:style>
+          <a:lnRef idx="2">
+            <a:schemeClr val="accent1">
+              <a:shade val="50000"/>
+            </a:schemeClr>
+          </a:lnRef>
+          <a:fillRef idx="1">
+            <a:schemeClr val="accent1"/>
+          </a:fillRef>
+          <a:effectRef idx="0">
+            <a:schemeClr val="accent1"/>
+          </a:effectRef>
+          <a:fontRef idx="minor">
+            <a:schemeClr val="lt1"/>
+          </a:fontRef>
+        </p:style>
+        <p:txBody>
+          <a:bodyPr rtlCol="0" anchor="ctr"/>
+          <a:lstStyle/>
+          <a:p>
+            <a:pPr algn="ctr"/>
             <a:endParaRPr lang="ko-KR" altLang="en-US" dirty="0"/>
           </a:p>
         </p:txBody>
@@ -4977,6 +7610,87 @@
                                   </p:childTnLst>
                                 </p:cTn>
                               </p:par>
+                              <p:par>
+                                <p:cTn id="10" presetID="42" presetClass="entr" presetSubtype="0" fill="hold" grpId="0" nodeType="withEffect">
+                                  <p:stCondLst>
+                                    <p:cond delay="0"/>
+                                  </p:stCondLst>
+                                  <p:childTnLst>
+                                    <p:set>
+                                      <p:cBhvr>
+                                        <p:cTn id="11" dur="1" fill="hold">
+                                          <p:stCondLst>
+                                            <p:cond delay="0"/>
+                                          </p:stCondLst>
+                                        </p:cTn>
+                                        <p:tgtEl>
+                                          <p:spTgt spid="16"/>
+                                        </p:tgtEl>
+                                        <p:attrNameLst>
+                                          <p:attrName>style.visibility</p:attrName>
+                                        </p:attrNameLst>
+                                      </p:cBhvr>
+                                      <p:to>
+                                        <p:strVal val="visible"/>
+                                      </p:to>
+                                    </p:set>
+                                    <p:animEffect transition="in" filter="fade">
+                                      <p:cBhvr>
+                                        <p:cTn id="12" dur="1000"/>
+                                        <p:tgtEl>
+                                          <p:spTgt spid="16"/>
+                                        </p:tgtEl>
+                                      </p:cBhvr>
+                                    </p:animEffect>
+                                    <p:anim calcmode="lin" valueType="num">
+                                      <p:cBhvr>
+                                        <p:cTn id="13" dur="1000" fill="hold"/>
+                                        <p:tgtEl>
+                                          <p:spTgt spid="16"/>
+                                        </p:tgtEl>
+                                        <p:attrNameLst>
+                                          <p:attrName>ppt_x</p:attrName>
+                                        </p:attrNameLst>
+                                      </p:cBhvr>
+                                      <p:tavLst>
+                                        <p:tav tm="0">
+                                          <p:val>
+                                            <p:strVal val="#ppt_x"/>
+                                          </p:val>
+                                        </p:tav>
+                                        <p:tav tm="100000">
+                                          <p:val>
+                                            <p:strVal val="#ppt_x"/>
+                                          </p:val>
+                                        </p:tav>
+                                      </p:tavLst>
+                                    </p:anim>
+                                    <p:anim calcmode="lin" valueType="num">
+                                      <p:cBhvr>
+                                        <p:cTn id="14" dur="1000" fill="hold"/>
+                                        <p:tgtEl>
+                                          <p:spTgt spid="16"/>
+                                        </p:tgtEl>
+                                        <p:attrNameLst>
+                                          <p:attrName>ppt_y</p:attrName>
+                                        </p:attrNameLst>
+                                      </p:cBhvr>
+                                      <p:tavLst>
+                                        <p:tav tm="0">
+                                          <p:val>
+                                            <p:strVal val="#ppt_y+.1"/>
+                                          </p:val>
+                                        </p:tav>
+                                        <p:tav tm="100000">
+                                          <p:val>
+                                            <p:strVal val="#ppt_y"/>
+                                          </p:val>
+                                        </p:tav>
+                                      </p:tavLst>
+                                    </p:anim>
+                                  </p:childTnLst>
+                                </p:cTn>
+                              </p:par>
                             </p:childTnLst>
                           </p:cTn>
                         </p:par>
@@ -5006,12 +7720,13 @@
     </p:tnLst>
     <p:bldLst>
       <p:bldP spid="15" grpId="0" animBg="1"/>
+      <p:bldP spid="16" grpId="0" animBg="1"/>
     </p:bldLst>
   </p:timing>
 </p:sld>
 </file>
 
-<file path=ppt/slides/slide4.xml><?xml version="1.0" encoding="utf-8"?>
+<file path=ppt/slides/slide5.xml><?xml version="1.0" encoding="utf-8"?>
 <p:sld xmlns:a="http://schemas.openxmlformats.org/drawingml/2006/main" xmlns:r="http://schemas.openxmlformats.org/officeDocument/2006/relationships" xmlns:p="http://schemas.openxmlformats.org/presentationml/2006/main">
   <p:cSld>
     <p:spTree>
@@ -5030,30 +7745,65 @@
       </p:grpSpPr>
       <p:sp>
         <p:nvSpPr>
-          <p:cNvPr id="2" name="제목 1">
+          <p:cNvPr id="7" name="직사각형 6">
             <a:extLst>
               <a:ext uri="{FF2B5EF4-FFF2-40B4-BE49-F238E27FC236}">
-                <a16:creationId xmlns:a16="http://schemas.microsoft.com/office/drawing/2014/main" id="{44FE026F-B914-4142-BADB-732B8F33197D}"/>
+                <a16:creationId xmlns:a16="http://schemas.microsoft.com/office/drawing/2014/main" id="{0DB6F4E6-F4C5-4A1E-96B2-7559AD51EF2E}"/>
               </a:ext>
             </a:extLst>
           </p:cNvPr>
-          <p:cNvSpPr>
-            <a:spLocks noGrp="1"/>
-          </p:cNvSpPr>
-          <p:nvPr>
-            <p:ph type="title"/>
-          </p:nvPr>
+          <p:cNvSpPr/>
+          <p:nvPr/>
         </p:nvSpPr>
-        <p:spPr/>
+        <p:spPr>
+          <a:xfrm>
+            <a:off x="0" y="7825"/>
+            <a:ext cx="12192000" cy="1138060"/>
+          </a:xfrm>
+          <a:prstGeom prst="rect">
+            <a:avLst/>
+          </a:prstGeom>
+          <a:blipFill dpi="0" rotWithShape="1">
+            <a:blip r:embed="rId3">
+              <a:duotone>
+                <a:schemeClr val="bg2">
+                  <a:shade val="45000"/>
+                  <a:satMod val="135000"/>
+                </a:schemeClr>
+                <a:prstClr val="white"/>
+              </a:duotone>
+            </a:blip>
+            <a:srcRect/>
+            <a:stretch>
+              <a:fillRect/>
+            </a:stretch>
+          </a:blipFill>
+          <a:ln>
+            <a:noFill/>
+          </a:ln>
+        </p:spPr>
+        <p:style>
+          <a:lnRef idx="2">
+            <a:schemeClr val="accent1">
+              <a:shade val="50000"/>
+            </a:schemeClr>
+          </a:lnRef>
+          <a:fillRef idx="1">
+            <a:schemeClr val="accent1"/>
+          </a:fillRef>
+          <a:effectRef idx="0">
+            <a:schemeClr val="accent1"/>
+          </a:effectRef>
+          <a:fontRef idx="minor">
+            <a:schemeClr val="lt1"/>
+          </a:fontRef>
+        </p:style>
         <p:txBody>
-          <a:bodyPr/>
+          <a:bodyPr rtlCol="0" anchor="ctr"/>
           <a:lstStyle/>
           <a:p>
-            <a:r>
-              <a:rPr lang="en-US" altLang="ko-KR" dirty="0"/>
-              <a:t>1-1. Terminology Explanation</a:t>
-            </a:r>
-            <a:endParaRPr lang="ko-KR" altLang="en-US" dirty="0"/>
+            <a:pPr algn="ctr"/>
+            <a:endParaRPr lang="ko-KR" altLang="en-US"/>
           </a:p>
         </p:txBody>
       </p:sp>
@@ -5075,47 +7825,34 @@
         </p:nvSpPr>
         <p:spPr>
           <a:xfrm>
-            <a:off x="838200" y="1833889"/>
-            <a:ext cx="10515600" cy="4482689"/>
+            <a:off x="838200" y="1833890"/>
+            <a:ext cx="10515600" cy="1710246"/>
           </a:xfrm>
         </p:spPr>
         <p:txBody>
           <a:bodyPr>
-            <a:normAutofit/>
+            <a:normAutofit fontScale="92500" lnSpcReduction="10000"/>
           </a:bodyPr>
           <a:lstStyle/>
           <a:p>
             <a:r>
-              <a:rPr lang="en-US" altLang="ko-KR" dirty="0" err="1"/>
-              <a:t>Mahalanobis</a:t>
-            </a:r>
-            <a:r>
-              <a:rPr lang="ko-KR" altLang="en-US" dirty="0"/>
-              <a:t> </a:t>
-            </a:r>
-            <a:r>
-              <a:rPr lang="en-US" altLang="ko-KR" dirty="0"/>
-              <a:t>Distance</a:t>
-            </a:r>
-          </a:p>
-          <a:p>
-            <a:pPr>
-              <a:buFontTx/>
-              <a:buChar char="-"/>
-            </a:pPr>
-            <a:r>
-              <a:rPr lang="en-US" altLang="ko-KR" dirty="0"/>
+              <a:rPr lang="en-US" altLang="ko-KR" dirty="0">
+                <a:latin typeface="Georgia" panose="02040502050405020303" pitchFamily="18" charset="0"/>
+              </a:rPr>
               <a:t>Distance in Probability Distributions</a:t>
             </a:r>
           </a:p>
           <a:p>
-            <a:pPr>
-              <a:buFontTx/>
-              <a:buChar char="-"/>
-            </a:pPr>
-            <a:r>
-              <a:rPr lang="en-US" altLang="ko-KR" dirty="0"/>
-              <a:t>A value indicating the number of standard deviations a data point is from the mean of the distribution.</a:t>
+            <a:endParaRPr lang="en-US" altLang="ko-KR" dirty="0">
+              <a:latin typeface="Georgia" panose="02040502050405020303" pitchFamily="18" charset="0"/>
+            </a:endParaRPr>
+          </a:p>
+          <a:p>
+            <a:r>
+              <a:rPr lang="en-US" altLang="ko-KR" dirty="0">
+                <a:latin typeface="Georgia" panose="02040502050405020303" pitchFamily="18" charset="0"/>
+              </a:rPr>
+              <a:t>A value that indicates data point is how far from that mean of a distribution by using standard deviation.</a:t>
             </a:r>
           </a:p>
         </p:txBody>
@@ -5135,7 +7872,7 @@
           <p:nvPr/>
         </p:nvPicPr>
         <p:blipFill>
-          <a:blip r:embed="rId2">
+          <a:blip r:embed="rId4">
             <a:extLst>
               <a:ext uri="{28A0092B-C50C-407E-A947-70E740481C1C}">
                 <a14:useLocalDpi xmlns:a14="http://schemas.microsoft.com/office/drawing/2010/main" val="0"/>
@@ -5363,7 +8100,9 @@
               <a:buNone/>
             </a:pPr>
             <a:r>
-              <a:rPr lang="en-US" altLang="ko-KR" sz="2000" dirty="0"/>
+              <a:rPr lang="en-US" altLang="ko-KR" sz="2000" dirty="0">
+                <a:latin typeface="Georgia" panose="02040502050405020303" pitchFamily="18" charset="0"/>
+              </a:rPr>
               <a:t>x: Individual data values</a:t>
             </a:r>
           </a:p>
@@ -5372,7 +8111,9 @@
               <a:buNone/>
             </a:pPr>
             <a:r>
-              <a:rPr lang="en-US" altLang="ko-KR" sz="2000" dirty="0"/>
+              <a:rPr lang="en-US" altLang="ko-KR" sz="2000" dirty="0">
+                <a:latin typeface="Georgia" panose="02040502050405020303" pitchFamily="18" charset="0"/>
+              </a:rPr>
               <a:t>μ: Mean of the data values</a:t>
             </a:r>
           </a:p>
@@ -5381,7 +8122,9 @@
               <a:buNone/>
             </a:pPr>
             <a:r>
-              <a:rPr lang="en-US" altLang="ko-KR" sz="2000" dirty="0"/>
+              <a:rPr lang="en-US" altLang="ko-KR" sz="2000" dirty="0">
+                <a:latin typeface="Georgia" panose="02040502050405020303" pitchFamily="18" charset="0"/>
+              </a:rPr>
               <a:t>S: Covariance matrix of the data</a:t>
             </a:r>
           </a:p>
@@ -5402,7 +8145,7 @@
           <p:nvPr/>
         </p:nvPicPr>
         <p:blipFill>
-          <a:blip r:embed="rId3"/>
+          <a:blip r:embed="rId5"/>
           <a:stretch>
             <a:fillRect/>
           </a:stretch>
@@ -5417,98 +8160,99 @@
           </a:prstGeom>
         </p:spPr>
       </p:pic>
-    </p:spTree>
-    <p:extLst>
-      <p:ext uri="{BB962C8B-B14F-4D97-AF65-F5344CB8AC3E}">
-        <p14:creationId xmlns:p14="http://schemas.microsoft.com/office/powerpoint/2010/main" val="2900476241"/>
-      </p:ext>
-    </p:extLst>
-  </p:cSld>
-  <p:clrMapOvr>
-    <a:masterClrMapping/>
-  </p:clrMapOvr>
-</p:sld>
-</file>
-
-<file path=ppt/slides/slide5.xml><?xml version="1.0" encoding="utf-8"?>
-<p:sld xmlns:a="http://schemas.openxmlformats.org/drawingml/2006/main" xmlns:r="http://schemas.openxmlformats.org/officeDocument/2006/relationships" xmlns:p="http://schemas.openxmlformats.org/presentationml/2006/main">
-  <p:cSld>
-    <p:spTree>
-      <p:nvGrpSpPr>
-        <p:cNvPr id="1" name=""/>
-        <p:cNvGrpSpPr/>
-        <p:nvPr/>
-      </p:nvGrpSpPr>
-      <p:grpSpPr>
-        <a:xfrm>
-          <a:off x="0" y="0"/>
-          <a:ext cx="0" cy="0"/>
-          <a:chOff x="0" y="0"/>
-          <a:chExt cx="0" cy="0"/>
-        </a:xfrm>
-      </p:grpSpPr>
       <p:sp>
         <p:nvSpPr>
-          <p:cNvPr id="2" name="제목 1">
+          <p:cNvPr id="8" name="제목 1">
             <a:extLst>
               <a:ext uri="{FF2B5EF4-FFF2-40B4-BE49-F238E27FC236}">
-                <a16:creationId xmlns:a16="http://schemas.microsoft.com/office/drawing/2014/main" id="{44FE026F-B914-4142-BADB-732B8F33197D}"/>
+                <a16:creationId xmlns:a16="http://schemas.microsoft.com/office/drawing/2014/main" id="{3369EC0A-EF26-493A-B6BD-5A2C79AEED90}"/>
               </a:ext>
             </a:extLst>
           </p:cNvPr>
-          <p:cNvSpPr>
-            <a:spLocks noGrp="1"/>
+          <p:cNvSpPr txBox="1">
+            <a:spLocks/>
           </p:cNvSpPr>
-          <p:nvPr>
-            <p:ph type="title"/>
-          </p:nvPr>
+          <p:nvPr/>
         </p:nvSpPr>
-        <p:spPr/>
-        <p:txBody>
-          <a:bodyPr/>
-          <a:lstStyle/>
-          <a:p>
-            <a:r>
-              <a:rPr lang="en-US" altLang="ko-KR" dirty="0"/>
-              <a:t>1. Paper Abstract</a:t>
-            </a:r>
-            <a:endParaRPr lang="ko-KR" altLang="en-US" dirty="0"/>
-          </a:p>
-        </p:txBody>
-      </p:sp>
-      <p:pic>
-        <p:nvPicPr>
-          <p:cNvPr id="13" name="그림 12">
-            <a:extLst>
-              <a:ext uri="{FF2B5EF4-FFF2-40B4-BE49-F238E27FC236}">
-                <a16:creationId xmlns:a16="http://schemas.microsoft.com/office/drawing/2014/main" id="{951759F9-2702-4B77-9FCB-4AE13B8F2CCC}"/>
-              </a:ext>
-            </a:extLst>
-          </p:cNvPr>
-          <p:cNvPicPr>
-            <a:picLocks noChangeAspect="1"/>
-          </p:cNvPicPr>
-          <p:nvPr/>
-        </p:nvPicPr>
-        <p:blipFill rotWithShape="1">
-          <a:blip r:embed="rId2"/>
-          <a:srcRect t="2168"/>
-          <a:stretch/>
-        </p:blipFill>
         <p:spPr>
           <a:xfrm>
-            <a:off x="365369" y="2438234"/>
-            <a:ext cx="11461261" cy="3392904"/>
+            <a:off x="540000" y="0"/>
+            <a:ext cx="10515600" cy="1145885"/>
           </a:xfrm>
           <a:prstGeom prst="rect">
             <a:avLst/>
           </a:prstGeom>
         </p:spPr>
-      </p:pic>
+        <p:txBody>
+          <a:bodyPr vert="horz" lIns="91440" tIns="45720" rIns="91440" bIns="45720" rtlCol="0" anchor="ctr">
+            <a:normAutofit/>
+          </a:bodyPr>
+          <a:lstStyle>
+            <a:lvl1pPr algn="l" defTabSz="914400" rtl="0" eaLnBrk="1" latinLnBrk="1" hangingPunct="1">
+              <a:lnSpc>
+                <a:spcPct val="90000"/>
+              </a:lnSpc>
+              <a:spcBef>
+                <a:spcPct val="0"/>
+              </a:spcBef>
+              <a:buNone/>
+              <a:defRPr sz="4400" kern="1200">
+                <a:solidFill>
+                  <a:schemeClr val="tx1"/>
+                </a:solidFill>
+                <a:latin typeface="+mj-lt"/>
+                <a:ea typeface="+mj-ea"/>
+                <a:cs typeface="+mj-cs"/>
+              </a:defRPr>
+            </a:lvl1pPr>
+          </a:lstStyle>
+          <a:p>
+            <a:r>
+              <a:rPr lang="en-US" altLang="ko-KR" i="1">
+                <a:effectLst>
+                  <a:outerShdw blurRad="38100" dist="38100" dir="2700000" algn="tl">
+                    <a:srgbClr val="000000">
+                      <a:alpha val="43137"/>
+                    </a:srgbClr>
+                  </a:outerShdw>
+                </a:effectLst>
+                <a:latin typeface="Georgia" panose="02040502050405020303" pitchFamily="18" charset="0"/>
+              </a:rPr>
+              <a:t>1-2. </a:t>
+            </a:r>
+            <a:r>
+              <a:rPr lang="en-US" altLang="ko-KR" i="1" dirty="0" err="1">
+                <a:effectLst>
+                  <a:outerShdw blurRad="38100" dist="38100" dir="2700000" algn="tl">
+                    <a:srgbClr val="000000">
+                      <a:alpha val="43137"/>
+                    </a:srgbClr>
+                  </a:outerShdw>
+                </a:effectLst>
+                <a:latin typeface="Georgia" panose="02040502050405020303" pitchFamily="18" charset="0"/>
+              </a:rPr>
+              <a:t>Mahalanobis</a:t>
+            </a:r>
+            <a:r>
+              <a:rPr lang="en-US" altLang="ko-KR" i="1" dirty="0">
+                <a:effectLst>
+                  <a:outerShdw blurRad="38100" dist="38100" dir="2700000" algn="tl">
+                    <a:srgbClr val="000000">
+                      <a:alpha val="43137"/>
+                    </a:srgbClr>
+                  </a:outerShdw>
+                </a:effectLst>
+                <a:latin typeface="Georgia" panose="02040502050405020303" pitchFamily="18" charset="0"/>
+              </a:rPr>
+              <a:t> Distance</a:t>
+            </a:r>
+          </a:p>
+        </p:txBody>
+      </p:sp>
     </p:spTree>
     <p:extLst>
       <p:ext uri="{BB962C8B-B14F-4D97-AF65-F5344CB8AC3E}">
-        <p14:creationId xmlns:p14="http://schemas.microsoft.com/office/powerpoint/2010/main" val="3628814933"/>
+        <p14:creationId xmlns:p14="http://schemas.microsoft.com/office/powerpoint/2010/main" val="2900476241"/>
       </p:ext>
     </p:extLst>
   </p:cSld>
@@ -5537,35 +8281,261 @@
       </p:grpSpPr>
       <p:sp>
         <p:nvSpPr>
-          <p:cNvPr id="2" name="제목 1">
+          <p:cNvPr id="4" name="직사각형 3">
             <a:extLst>
               <a:ext uri="{FF2B5EF4-FFF2-40B4-BE49-F238E27FC236}">
-                <a16:creationId xmlns:a16="http://schemas.microsoft.com/office/drawing/2014/main" id="{44FE026F-B914-4142-BADB-732B8F33197D}"/>
+                <a16:creationId xmlns:a16="http://schemas.microsoft.com/office/drawing/2014/main" id="{4A726709-6BA9-4DE9-BFF4-9EB1E6A51D86}"/>
               </a:ext>
             </a:extLst>
           </p:cNvPr>
-          <p:cNvSpPr>
-            <a:spLocks noGrp="1"/>
-          </p:cNvSpPr>
-          <p:nvPr>
-            <p:ph type="title"/>
-          </p:nvPr>
+          <p:cNvSpPr/>
+          <p:nvPr/>
         </p:nvSpPr>
         <p:spPr>
           <a:xfrm>
-            <a:off x="838200" y="365125"/>
-            <a:ext cx="10515600" cy="1325563"/>
+            <a:off x="0" y="7825"/>
+            <a:ext cx="12192000" cy="1138060"/>
           </a:xfrm>
+          <a:prstGeom prst="rect">
+            <a:avLst/>
+          </a:prstGeom>
+          <a:blipFill dpi="0" rotWithShape="1">
+            <a:blip r:embed="rId2">
+              <a:duotone>
+                <a:schemeClr val="bg2">
+                  <a:shade val="45000"/>
+                  <a:satMod val="135000"/>
+                </a:schemeClr>
+                <a:prstClr val="white"/>
+              </a:duotone>
+            </a:blip>
+            <a:srcRect/>
+            <a:stretch>
+              <a:fillRect/>
+            </a:stretch>
+          </a:blipFill>
+          <a:ln>
+            <a:noFill/>
+          </a:ln>
+        </p:spPr>
+        <p:style>
+          <a:lnRef idx="2">
+            <a:schemeClr val="accent1">
+              <a:shade val="50000"/>
+            </a:schemeClr>
+          </a:lnRef>
+          <a:fillRef idx="1">
+            <a:schemeClr val="accent1"/>
+          </a:fillRef>
+          <a:effectRef idx="0">
+            <a:schemeClr val="accent1"/>
+          </a:effectRef>
+          <a:fontRef idx="minor">
+            <a:schemeClr val="lt1"/>
+          </a:fontRef>
+        </p:style>
+        <p:txBody>
+          <a:bodyPr rtlCol="0" anchor="ctr"/>
+          <a:lstStyle/>
+          <a:p>
+            <a:pPr algn="ctr"/>
+            <a:endParaRPr lang="ko-KR" altLang="en-US"/>
+          </a:p>
+        </p:txBody>
+      </p:sp>
+      <p:pic>
+        <p:nvPicPr>
+          <p:cNvPr id="13" name="그림 12">
+            <a:extLst>
+              <a:ext uri="{FF2B5EF4-FFF2-40B4-BE49-F238E27FC236}">
+                <a16:creationId xmlns:a16="http://schemas.microsoft.com/office/drawing/2014/main" id="{951759F9-2702-4B77-9FCB-4AE13B8F2CCC}"/>
+              </a:ext>
+            </a:extLst>
+          </p:cNvPr>
+          <p:cNvPicPr>
+            <a:picLocks noChangeAspect="1"/>
+          </p:cNvPicPr>
+          <p:nvPr/>
+        </p:nvPicPr>
+        <p:blipFill rotWithShape="1">
+          <a:blip r:embed="rId3"/>
+          <a:srcRect t="2168"/>
+          <a:stretch/>
+        </p:blipFill>
+        <p:spPr>
+          <a:xfrm>
+            <a:off x="365369" y="2438234"/>
+            <a:ext cx="11461261" cy="3392904"/>
+          </a:xfrm>
+          <a:prstGeom prst="rect">
+            <a:avLst/>
+          </a:prstGeom>
+        </p:spPr>
+      </p:pic>
+      <p:sp>
+        <p:nvSpPr>
+          <p:cNvPr id="5" name="제목 1">
+            <a:extLst>
+              <a:ext uri="{FF2B5EF4-FFF2-40B4-BE49-F238E27FC236}">
+                <a16:creationId xmlns:a16="http://schemas.microsoft.com/office/drawing/2014/main" id="{D162247A-0DEE-4BA3-AA5A-880FC753F8F5}"/>
+              </a:ext>
+            </a:extLst>
+          </p:cNvPr>
+          <p:cNvSpPr txBox="1">
+            <a:spLocks/>
+          </p:cNvSpPr>
+          <p:nvPr/>
+        </p:nvSpPr>
+        <p:spPr>
+          <a:xfrm>
+            <a:off x="540000" y="0"/>
+            <a:ext cx="10515600" cy="1145885"/>
+          </a:xfrm>
+          <a:prstGeom prst="rect">
+            <a:avLst/>
+          </a:prstGeom>
         </p:spPr>
         <p:txBody>
-          <a:bodyPr/>
+          <a:bodyPr vert="horz" lIns="91440" tIns="45720" rIns="91440" bIns="45720" rtlCol="0" anchor="ctr">
+            <a:normAutofit/>
+          </a:bodyPr>
+          <a:lstStyle>
+            <a:lvl1pPr algn="l" defTabSz="914400" rtl="0" eaLnBrk="1" latinLnBrk="1" hangingPunct="1">
+              <a:lnSpc>
+                <a:spcPct val="90000"/>
+              </a:lnSpc>
+              <a:spcBef>
+                <a:spcPct val="0"/>
+              </a:spcBef>
+              <a:buNone/>
+              <a:defRPr sz="4400" kern="1200">
+                <a:solidFill>
+                  <a:schemeClr val="tx1"/>
+                </a:solidFill>
+                <a:latin typeface="+mj-lt"/>
+                <a:ea typeface="+mj-ea"/>
+                <a:cs typeface="+mj-cs"/>
+              </a:defRPr>
+            </a:lvl1pPr>
+          </a:lstStyle>
+          <a:p>
+            <a:r>
+              <a:rPr lang="en-US" altLang="ko-KR" i="1" dirty="0">
+                <a:effectLst>
+                  <a:outerShdw blurRad="38100" dist="38100" dir="2700000" algn="tl">
+                    <a:srgbClr val="000000">
+                      <a:alpha val="43137"/>
+                    </a:srgbClr>
+                  </a:outerShdw>
+                </a:effectLst>
+                <a:latin typeface="Georgia" panose="02040502050405020303" pitchFamily="18" charset="0"/>
+              </a:rPr>
+              <a:t>1. Paper Abstract</a:t>
+            </a:r>
+            <a:endParaRPr lang="ko-KR" altLang="en-US" i="1" dirty="0">
+              <a:effectLst>
+                <a:outerShdw blurRad="38100" dist="38100" dir="2700000" algn="tl">
+                  <a:srgbClr val="000000">
+                    <a:alpha val="43137"/>
+                  </a:srgbClr>
+                </a:outerShdw>
+              </a:effectLst>
+              <a:latin typeface="Georgia" panose="02040502050405020303" pitchFamily="18" charset="0"/>
+            </a:endParaRPr>
+          </a:p>
+        </p:txBody>
+      </p:sp>
+    </p:spTree>
+    <p:extLst>
+      <p:ext uri="{BB962C8B-B14F-4D97-AF65-F5344CB8AC3E}">
+        <p14:creationId xmlns:p14="http://schemas.microsoft.com/office/powerpoint/2010/main" val="3628814933"/>
+      </p:ext>
+    </p:extLst>
+  </p:cSld>
+  <p:clrMapOvr>
+    <a:masterClrMapping/>
+  </p:clrMapOvr>
+</p:sld>
+</file>
+
+<file path=ppt/slides/slide7.xml><?xml version="1.0" encoding="utf-8"?>
+<p:sld xmlns:a="http://schemas.openxmlformats.org/drawingml/2006/main" xmlns:r="http://schemas.openxmlformats.org/officeDocument/2006/relationships" xmlns:p="http://schemas.openxmlformats.org/presentationml/2006/main">
+  <p:cSld>
+    <p:spTree>
+      <p:nvGrpSpPr>
+        <p:cNvPr id="1" name=""/>
+        <p:cNvGrpSpPr/>
+        <p:nvPr/>
+      </p:nvGrpSpPr>
+      <p:grpSpPr>
+        <a:xfrm>
+          <a:off x="0" y="0"/>
+          <a:ext cx="0" cy="0"/>
+          <a:chOff x="0" y="0"/>
+          <a:chExt cx="0" cy="0"/>
+        </a:xfrm>
+      </p:grpSpPr>
+      <p:sp>
+        <p:nvSpPr>
+          <p:cNvPr id="24" name="직사각형 23">
+            <a:extLst>
+              <a:ext uri="{FF2B5EF4-FFF2-40B4-BE49-F238E27FC236}">
+                <a16:creationId xmlns:a16="http://schemas.microsoft.com/office/drawing/2014/main" id="{4C3C5B6F-0F23-4A40-A0CA-84467E9890AA}"/>
+              </a:ext>
+            </a:extLst>
+          </p:cNvPr>
+          <p:cNvSpPr/>
+          <p:nvPr/>
+        </p:nvSpPr>
+        <p:spPr>
+          <a:xfrm>
+            <a:off x="0" y="7825"/>
+            <a:ext cx="12192000" cy="1138060"/>
+          </a:xfrm>
+          <a:prstGeom prst="rect">
+            <a:avLst/>
+          </a:prstGeom>
+          <a:blipFill dpi="0" rotWithShape="1">
+            <a:blip r:embed="rId3">
+              <a:duotone>
+                <a:schemeClr val="bg2">
+                  <a:shade val="45000"/>
+                  <a:satMod val="135000"/>
+                </a:schemeClr>
+                <a:prstClr val="white"/>
+              </a:duotone>
+            </a:blip>
+            <a:srcRect/>
+            <a:stretch>
+              <a:fillRect/>
+            </a:stretch>
+          </a:blipFill>
+          <a:ln>
+            <a:noFill/>
+          </a:ln>
+        </p:spPr>
+        <p:style>
+          <a:lnRef idx="2">
+            <a:schemeClr val="accent1">
+              <a:shade val="50000"/>
+            </a:schemeClr>
+          </a:lnRef>
+          <a:fillRef idx="1">
+            <a:schemeClr val="accent1"/>
+          </a:fillRef>
+          <a:effectRef idx="0">
+            <a:schemeClr val="accent1"/>
+          </a:effectRef>
+          <a:fontRef idx="minor">
+            <a:schemeClr val="lt1"/>
+          </a:fontRef>
+        </p:style>
+        <p:txBody>
+          <a:bodyPr rtlCol="0" anchor="ctr"/>
           <a:lstStyle/>
           <a:p>
-            <a:r>
-              <a:rPr lang="en-US" altLang="ko-KR" dirty="0"/>
-              <a:t>1. Paper Abstract</a:t>
-            </a:r>
-            <a:endParaRPr lang="ko-KR" altLang="en-US" dirty="0"/>
+            <a:pPr algn="ctr"/>
+            <a:endParaRPr lang="ko-KR" altLang="en-US"/>
           </a:p>
         </p:txBody>
       </p:sp>
@@ -5584,7 +8554,7 @@
           <p:nvPr/>
         </p:nvPicPr>
         <p:blipFill>
-          <a:blip r:embed="rId2">
+          <a:blip r:embed="rId4">
             <a:extLst>
               <a:ext uri="{28A0092B-C50C-407E-A947-70E740481C1C}">
                 <a14:useLocalDpi xmlns:a14="http://schemas.microsoft.com/office/drawing/2010/main" val="0"/>
@@ -5597,7 +8567,7 @@
         </p:blipFill>
         <p:spPr>
           <a:xfrm>
-            <a:off x="6697224" y="1880965"/>
+            <a:off x="9025803" y="1566640"/>
             <a:ext cx="2182368" cy="2182368"/>
           </a:xfrm>
           <a:prstGeom prst="rect">
@@ -5620,7 +8590,7 @@
           <p:nvPr/>
         </p:nvPicPr>
         <p:blipFill>
-          <a:blip r:embed="rId3">
+          <a:blip r:embed="rId5">
             <a:extLst>
               <a:ext uri="{28A0092B-C50C-407E-A947-70E740481C1C}">
                 <a14:useLocalDpi xmlns:a14="http://schemas.microsoft.com/office/drawing/2010/main" val="0"/>
@@ -5633,7 +8603,7 @@
         </p:blipFill>
         <p:spPr>
           <a:xfrm>
-            <a:off x="6697224" y="4340701"/>
+            <a:off x="9025803" y="4026376"/>
             <a:ext cx="2182368" cy="2182368"/>
           </a:xfrm>
           <a:prstGeom prst="rect">
@@ -5656,7 +8626,7 @@
           <p:nvPr/>
         </p:nvPicPr>
         <p:blipFill>
-          <a:blip r:embed="rId4">
+          <a:blip r:embed="rId6">
             <a:extLst>
               <a:ext uri="{28A0092B-C50C-407E-A947-70E740481C1C}">
                 <a14:useLocalDpi xmlns:a14="http://schemas.microsoft.com/office/drawing/2010/main" val="0"/>
@@ -5669,7 +8639,7 @@
         </p:blipFill>
         <p:spPr>
           <a:xfrm>
-            <a:off x="3978024" y="1880965"/>
+            <a:off x="6306603" y="1566640"/>
             <a:ext cx="2182368" cy="2182368"/>
           </a:xfrm>
           <a:prstGeom prst="rect">
@@ -5692,7 +8662,7 @@
           <p:nvPr/>
         </p:nvPicPr>
         <p:blipFill>
-          <a:blip r:embed="rId5">
+          <a:blip r:embed="rId7">
             <a:extLst>
               <a:ext uri="{28A0092B-C50C-407E-A947-70E740481C1C}">
                 <a14:useLocalDpi xmlns:a14="http://schemas.microsoft.com/office/drawing/2010/main" val="0"/>
@@ -5705,7 +8675,7 @@
         </p:blipFill>
         <p:spPr>
           <a:xfrm>
-            <a:off x="1258824" y="4310507"/>
+            <a:off x="3587403" y="3996182"/>
             <a:ext cx="2182368" cy="2182368"/>
           </a:xfrm>
           <a:prstGeom prst="rect">
@@ -5728,7 +8698,7 @@
           <p:nvPr/>
         </p:nvPicPr>
         <p:blipFill>
-          <a:blip r:embed="rId6">
+          <a:blip r:embed="rId8">
             <a:extLst>
               <a:ext uri="{28A0092B-C50C-407E-A947-70E740481C1C}">
                 <a14:useLocalDpi xmlns:a14="http://schemas.microsoft.com/office/drawing/2010/main" val="0"/>
@@ -5741,7 +8711,7 @@
         </p:blipFill>
         <p:spPr>
           <a:xfrm>
-            <a:off x="1258824" y="1880965"/>
+            <a:off x="3587403" y="1566640"/>
             <a:ext cx="2182368" cy="2182368"/>
           </a:xfrm>
           <a:prstGeom prst="rect">
@@ -5764,7 +8734,7 @@
           <p:nvPr/>
         </p:nvPicPr>
         <p:blipFill>
-          <a:blip r:embed="rId7">
+          <a:blip r:embed="rId9">
             <a:extLst>
               <a:ext uri="{28A0092B-C50C-407E-A947-70E740481C1C}">
                 <a14:useLocalDpi xmlns:a14="http://schemas.microsoft.com/office/drawing/2010/main" val="0"/>
@@ -5777,7 +8747,7 @@
         </p:blipFill>
         <p:spPr>
           <a:xfrm>
-            <a:off x="3978024" y="4310507"/>
+            <a:off x="6306603" y="3996182"/>
             <a:ext cx="2182368" cy="2182368"/>
           </a:xfrm>
           <a:prstGeom prst="rect">
@@ -5799,7 +8769,7 @@
         </p:nvSpPr>
         <p:spPr>
           <a:xfrm>
-            <a:off x="1728216" y="2267712"/>
+            <a:off x="4056795" y="1953387"/>
             <a:ext cx="329184" cy="310896"/>
           </a:xfrm>
           <a:prstGeom prst="rect">
@@ -5851,7 +8821,7 @@
         </p:nvSpPr>
         <p:spPr>
           <a:xfrm>
-            <a:off x="4448940" y="2267712"/>
+            <a:off x="6777519" y="1953387"/>
             <a:ext cx="329184" cy="310896"/>
           </a:xfrm>
           <a:prstGeom prst="rect">
@@ -5903,7 +8873,7 @@
         </p:nvSpPr>
         <p:spPr>
           <a:xfrm>
-            <a:off x="7169664" y="2267712"/>
+            <a:off x="9498243" y="1953387"/>
             <a:ext cx="329184" cy="310896"/>
           </a:xfrm>
           <a:prstGeom prst="rect">
@@ -5955,7 +8925,7 @@
         </p:nvSpPr>
         <p:spPr>
           <a:xfrm>
-            <a:off x="7169664" y="4727448"/>
+            <a:off x="9498243" y="4413123"/>
             <a:ext cx="329184" cy="310896"/>
           </a:xfrm>
           <a:prstGeom prst="rect">
@@ -6007,7 +8977,7 @@
         </p:nvSpPr>
         <p:spPr>
           <a:xfrm>
-            <a:off x="1728216" y="4727448"/>
+            <a:off x="4056795" y="4413123"/>
             <a:ext cx="329184" cy="310896"/>
           </a:xfrm>
           <a:prstGeom prst="rect">
@@ -6059,7 +9029,7 @@
         </p:nvSpPr>
         <p:spPr>
           <a:xfrm>
-            <a:off x="4448940" y="4727448"/>
+            <a:off x="6777519" y="4413123"/>
             <a:ext cx="329184" cy="310896"/>
           </a:xfrm>
           <a:prstGeom prst="rect">
@@ -6112,7 +9082,7 @@
           <p:nvPr/>
         </p:nvPicPr>
         <p:blipFill>
-          <a:blip r:embed="rId8" cstate="print">
+          <a:blip r:embed="rId10" cstate="print">
             <a:extLst>
               <a:ext uri="{28A0092B-C50C-407E-A947-70E740481C1C}">
                 <a14:useLocalDpi xmlns:a14="http://schemas.microsoft.com/office/drawing/2010/main" val="0"/>
@@ -6125,7 +9095,7 @@
         </p:blipFill>
         <p:spPr>
           <a:xfrm>
-            <a:off x="9440616" y="397008"/>
+            <a:off x="652142" y="2794733"/>
             <a:ext cx="2181600" cy="2181600"/>
           </a:xfrm>
           <a:prstGeom prst="rect">
@@ -6147,7 +9117,7 @@
         </p:nvSpPr>
         <p:spPr>
           <a:xfrm>
-            <a:off x="9787803" y="783755"/>
+            <a:off x="1094579" y="3273552"/>
             <a:ext cx="329184" cy="310896"/>
           </a:xfrm>
           <a:prstGeom prst="rect">
@@ -6181,6 +9151,151 @@
           <a:lstStyle/>
           <a:p>
             <a:pPr algn="ctr"/>
+            <a:endParaRPr lang="ko-KR" altLang="en-US" dirty="0"/>
+          </a:p>
+        </p:txBody>
+      </p:sp>
+      <p:sp>
+        <p:nvSpPr>
+          <p:cNvPr id="27" name="제목 1">
+            <a:extLst>
+              <a:ext uri="{FF2B5EF4-FFF2-40B4-BE49-F238E27FC236}">
+                <a16:creationId xmlns:a16="http://schemas.microsoft.com/office/drawing/2014/main" id="{139D5A1B-7FD6-4DA5-8BC7-3E10C7C34788}"/>
+              </a:ext>
+            </a:extLst>
+          </p:cNvPr>
+          <p:cNvSpPr txBox="1">
+            <a:spLocks/>
+          </p:cNvSpPr>
+          <p:nvPr/>
+        </p:nvSpPr>
+        <p:spPr>
+          <a:xfrm>
+            <a:off x="540000" y="0"/>
+            <a:ext cx="10515600" cy="1145885"/>
+          </a:xfrm>
+          <a:prstGeom prst="rect">
+            <a:avLst/>
+          </a:prstGeom>
+        </p:spPr>
+        <p:txBody>
+          <a:bodyPr vert="horz" lIns="91440" tIns="45720" rIns="91440" bIns="45720" rtlCol="0" anchor="ctr">
+            <a:normAutofit/>
+          </a:bodyPr>
+          <a:lstStyle>
+            <a:lvl1pPr algn="l" defTabSz="914400" rtl="0" eaLnBrk="1" latinLnBrk="1" hangingPunct="1">
+              <a:lnSpc>
+                <a:spcPct val="90000"/>
+              </a:lnSpc>
+              <a:spcBef>
+                <a:spcPct val="0"/>
+              </a:spcBef>
+              <a:buNone/>
+              <a:defRPr sz="4400" kern="1200">
+                <a:solidFill>
+                  <a:schemeClr val="tx1"/>
+                </a:solidFill>
+                <a:latin typeface="+mj-lt"/>
+                <a:ea typeface="+mj-ea"/>
+                <a:cs typeface="+mj-cs"/>
+              </a:defRPr>
+            </a:lvl1pPr>
+          </a:lstStyle>
+          <a:p>
+            <a:r>
+              <a:rPr lang="en-US" altLang="ko-KR" i="1" dirty="0">
+                <a:effectLst>
+                  <a:outerShdw blurRad="38100" dist="38100" dir="2700000" algn="tl">
+                    <a:srgbClr val="000000">
+                      <a:alpha val="43137"/>
+                    </a:srgbClr>
+                  </a:outerShdw>
+                </a:effectLst>
+                <a:latin typeface="Georgia" panose="02040502050405020303" pitchFamily="18" charset="0"/>
+              </a:rPr>
+              <a:t>1. Paper Abstract</a:t>
+            </a:r>
+            <a:endParaRPr lang="ko-KR" altLang="en-US" i="1" dirty="0">
+              <a:effectLst>
+                <a:outerShdw blurRad="38100" dist="38100" dir="2700000" algn="tl">
+                  <a:srgbClr val="000000">
+                    <a:alpha val="43137"/>
+                  </a:srgbClr>
+                </a:outerShdw>
+              </a:effectLst>
+              <a:latin typeface="Georgia" panose="02040502050405020303" pitchFamily="18" charset="0"/>
+            </a:endParaRPr>
+          </a:p>
+        </p:txBody>
+      </p:sp>
+      <p:sp>
+        <p:nvSpPr>
+          <p:cNvPr id="28" name="TextBox 27">
+            <a:extLst>
+              <a:ext uri="{FF2B5EF4-FFF2-40B4-BE49-F238E27FC236}">
+                <a16:creationId xmlns:a16="http://schemas.microsoft.com/office/drawing/2014/main" id="{95CB351F-0500-4A20-8B58-652BEEDA6EE0}"/>
+              </a:ext>
+            </a:extLst>
+          </p:cNvPr>
+          <p:cNvSpPr txBox="1"/>
+          <p:nvPr/>
+        </p:nvSpPr>
+        <p:spPr>
+          <a:xfrm>
+            <a:off x="900628" y="5090541"/>
+            <a:ext cx="1729961" cy="369332"/>
+          </a:xfrm>
+          <a:prstGeom prst="rect">
+            <a:avLst/>
+          </a:prstGeom>
+          <a:noFill/>
+        </p:spPr>
+        <p:txBody>
+          <a:bodyPr wrap="none" rtlCol="0">
+            <a:spAutoFit/>
+          </a:bodyPr>
+          <a:lstStyle/>
+          <a:p>
+            <a:r>
+              <a:rPr lang="en-US" altLang="ko-KR" dirty="0"/>
+              <a:t>Original image</a:t>
+            </a:r>
+            <a:endParaRPr lang="ko-KR" altLang="en-US" dirty="0"/>
+          </a:p>
+        </p:txBody>
+      </p:sp>
+      <p:sp>
+        <p:nvSpPr>
+          <p:cNvPr id="29" name="TextBox 28">
+            <a:extLst>
+              <a:ext uri="{FF2B5EF4-FFF2-40B4-BE49-F238E27FC236}">
+                <a16:creationId xmlns:a16="http://schemas.microsoft.com/office/drawing/2014/main" id="{51F4C3F6-0D70-42B6-AE5C-9B0DD37229D8}"/>
+              </a:ext>
+            </a:extLst>
+          </p:cNvPr>
+          <p:cNvSpPr txBox="1"/>
+          <p:nvPr/>
+        </p:nvSpPr>
+        <p:spPr>
+          <a:xfrm>
+            <a:off x="6532806" y="6351817"/>
+            <a:ext cx="1754006" cy="369332"/>
+          </a:xfrm>
+          <a:prstGeom prst="rect">
+            <a:avLst/>
+          </a:prstGeom>
+          <a:noFill/>
+        </p:spPr>
+        <p:txBody>
+          <a:bodyPr wrap="none" rtlCol="0">
+            <a:spAutoFit/>
+          </a:bodyPr>
+          <a:lstStyle/>
+          <a:p>
+            <a:r>
+              <a:rPr lang="en-US" altLang="ko-KR" dirty="0"/>
+              <a:t>Channel image</a:t>
+            </a:r>
             <a:endParaRPr lang="ko-KR" altLang="en-US" dirty="0"/>
           </a:p>
         </p:txBody>
@@ -6800,6 +9915,87 @@
                                   </p:childTnLst>
                                 </p:cTn>
                               </p:par>
+                              <p:par>
+                                <p:cTn id="42" presetID="42" presetClass="entr" presetSubtype="0" fill="hold" grpId="0" nodeType="withEffect">
+                                  <p:stCondLst>
+                                    <p:cond delay="0"/>
+                                  </p:stCondLst>
+                                  <p:childTnLst>
+                                    <p:set>
+                                      <p:cBhvr>
+                                        <p:cTn id="43" dur="1" fill="hold">
+                                          <p:stCondLst>
+                                            <p:cond delay="0"/>
+                                          </p:stCondLst>
+                                        </p:cTn>
+                                        <p:tgtEl>
+                                          <p:spTgt spid="29"/>
+                                        </p:tgtEl>
+                                        <p:attrNameLst>
+                                          <p:attrName>style.visibility</p:attrName>
+                                        </p:attrNameLst>
+                                      </p:cBhvr>
+                                      <p:to>
+                                        <p:strVal val="visible"/>
+                                      </p:to>
+                                    </p:set>
+                                    <p:animEffect transition="in" filter="fade">
+                                      <p:cBhvr>
+                                        <p:cTn id="44" dur="1000"/>
+                                        <p:tgtEl>
+                                          <p:spTgt spid="29"/>
+                                        </p:tgtEl>
+                                      </p:cBhvr>
+                                    </p:animEffect>
+                                    <p:anim calcmode="lin" valueType="num">
+                                      <p:cBhvr>
+                                        <p:cTn id="45" dur="1000" fill="hold"/>
+                                        <p:tgtEl>
+                                          <p:spTgt spid="29"/>
+                                        </p:tgtEl>
+                                        <p:attrNameLst>
+                                          <p:attrName>ppt_x</p:attrName>
+                                        </p:attrNameLst>
+                                      </p:cBhvr>
+                                      <p:tavLst>
+                                        <p:tav tm="0">
+                                          <p:val>
+                                            <p:strVal val="#ppt_x"/>
+                                          </p:val>
+                                        </p:tav>
+                                        <p:tav tm="100000">
+                                          <p:val>
+                                            <p:strVal val="#ppt_x"/>
+                                          </p:val>
+                                        </p:tav>
+                                      </p:tavLst>
+                                    </p:anim>
+                                    <p:anim calcmode="lin" valueType="num">
+                                      <p:cBhvr>
+                                        <p:cTn id="46" dur="1000" fill="hold"/>
+                                        <p:tgtEl>
+                                          <p:spTgt spid="29"/>
+                                        </p:tgtEl>
+                                        <p:attrNameLst>
+                                          <p:attrName>ppt_y</p:attrName>
+                                        </p:attrNameLst>
+                                      </p:cBhvr>
+                                      <p:tavLst>
+                                        <p:tav tm="0">
+                                          <p:val>
+                                            <p:strVal val="#ppt_y+.1"/>
+                                          </p:val>
+                                        </p:tav>
+                                        <p:tav tm="100000">
+                                          <p:val>
+                                            <p:strVal val="#ppt_y"/>
+                                          </p:val>
+                                        </p:tav>
+                                      </p:tavLst>
+                                    </p:anim>
+                                  </p:childTnLst>
+                                </p:cTn>
+                              </p:par>
                             </p:childTnLst>
                           </p:cTn>
                         </p:par>
@@ -6807,26 +10003,26 @@
                     </p:cTn>
                   </p:par>
                   <p:par>
-                    <p:cTn id="42" fill="hold">
+                    <p:cTn id="47" fill="hold">
                       <p:stCondLst>
                         <p:cond delay="indefinite"/>
                       </p:stCondLst>
                       <p:childTnLst>
                         <p:par>
-                          <p:cTn id="43" fill="hold">
+                          <p:cTn id="48" fill="hold">
                             <p:stCondLst>
                               <p:cond delay="0"/>
                             </p:stCondLst>
                             <p:childTnLst>
                               <p:par>
-                                <p:cTn id="44" presetID="42" presetClass="entr" presetSubtype="0" fill="hold" grpId="0" nodeType="clickEffect">
+                                <p:cTn id="49" presetID="42" presetClass="entr" presetSubtype="0" fill="hold" grpId="0" nodeType="clickEffect">
                                   <p:stCondLst>
                                     <p:cond delay="0"/>
                                   </p:stCondLst>
                                   <p:childTnLst>
                                     <p:set>
                                       <p:cBhvr>
-                                        <p:cTn id="45" dur="1" fill="hold">
+                                        <p:cTn id="50" dur="1" fill="hold">
                                           <p:stCondLst>
                                             <p:cond delay="0"/>
                                           </p:stCondLst>
@@ -6844,7 +10040,7 @@
                                     </p:set>
                                     <p:animEffect transition="in" filter="fade">
                                       <p:cBhvr>
-                                        <p:cTn id="46" dur="1000"/>
+                                        <p:cTn id="51" dur="1000"/>
                                         <p:tgtEl>
                                           <p:spTgt spid="22"/>
                                         </p:tgtEl>
@@ -6852,7 +10048,7 @@
                                     </p:animEffect>
                                     <p:anim calcmode="lin" valueType="num">
                                       <p:cBhvr>
-                                        <p:cTn id="47" dur="1000" fill="hold"/>
+                                        <p:cTn id="52" dur="1000" fill="hold"/>
                                         <p:tgtEl>
                                           <p:spTgt spid="22"/>
                                         </p:tgtEl>
@@ -6875,90 +10071,9 @@
                                     </p:anim>
                                     <p:anim calcmode="lin" valueType="num">
                                       <p:cBhvr>
-                                        <p:cTn id="48" dur="1000" fill="hold"/>
+                                        <p:cTn id="53" dur="1000" fill="hold"/>
                                         <p:tgtEl>
                                           <p:spTgt spid="22"/>
-                                        </p:tgtEl>
-                                        <p:attrNameLst>
-                                          <p:attrName>ppt_y</p:attrName>
-                                        </p:attrNameLst>
-                                      </p:cBhvr>
-                                      <p:tavLst>
-                                        <p:tav tm="0">
-                                          <p:val>
-                                            <p:strVal val="#ppt_y+.1"/>
-                                          </p:val>
-                                        </p:tav>
-                                        <p:tav tm="100000">
-                                          <p:val>
-                                            <p:strVal val="#ppt_y"/>
-                                          </p:val>
-                                        </p:tav>
-                                      </p:tavLst>
-                                    </p:anim>
-                                  </p:childTnLst>
-                                </p:cTn>
-                              </p:par>
-                              <p:par>
-                                <p:cTn id="49" presetID="42" presetClass="entr" presetSubtype="0" fill="hold" grpId="0" nodeType="withEffect">
-                                  <p:stCondLst>
-                                    <p:cond delay="0"/>
-                                  </p:stCondLst>
-                                  <p:childTnLst>
-                                    <p:set>
-                                      <p:cBhvr>
-                                        <p:cTn id="50" dur="1" fill="hold">
-                                          <p:stCondLst>
-                                            <p:cond delay="0"/>
-                                          </p:stCondLst>
-                                        </p:cTn>
-                                        <p:tgtEl>
-                                          <p:spTgt spid="18"/>
-                                        </p:tgtEl>
-                                        <p:attrNameLst>
-                                          <p:attrName>style.visibility</p:attrName>
-                                        </p:attrNameLst>
-                                      </p:cBhvr>
-                                      <p:to>
-                                        <p:strVal val="visible"/>
-                                      </p:to>
-                                    </p:set>
-                                    <p:animEffect transition="in" filter="fade">
-                                      <p:cBhvr>
-                                        <p:cTn id="51" dur="1000"/>
-                                        <p:tgtEl>
-                                          <p:spTgt spid="18"/>
-                                        </p:tgtEl>
-                                      </p:cBhvr>
-                                    </p:animEffect>
-                                    <p:anim calcmode="lin" valueType="num">
-                                      <p:cBhvr>
-                                        <p:cTn id="52" dur="1000" fill="hold"/>
-                                        <p:tgtEl>
-                                          <p:spTgt spid="18"/>
-                                        </p:tgtEl>
-                                        <p:attrNameLst>
-                                          <p:attrName>ppt_x</p:attrName>
-                                        </p:attrNameLst>
-                                      </p:cBhvr>
-                                      <p:tavLst>
-                                        <p:tav tm="0">
-                                          <p:val>
-                                            <p:strVal val="#ppt_x"/>
-                                          </p:val>
-                                        </p:tav>
-                                        <p:tav tm="100000">
-                                          <p:val>
-                                            <p:strVal val="#ppt_x"/>
-                                          </p:val>
-                                        </p:tav>
-                                      </p:tavLst>
-                                    </p:anim>
-                                    <p:anim calcmode="lin" valueType="num">
-                                      <p:cBhvr>
-                                        <p:cTn id="53" dur="1000" fill="hold"/>
-                                        <p:tgtEl>
-                                          <p:spTgt spid="18"/>
                                         </p:tgtEl>
                                         <p:attrNameLst>
                                           <p:attrName>ppt_y</p:attrName>
@@ -6994,7 +10109,7 @@
                                           </p:stCondLst>
                                         </p:cTn>
                                         <p:tgtEl>
-                                          <p:spTgt spid="19"/>
+                                          <p:spTgt spid="18"/>
                                         </p:tgtEl>
                                         <p:attrNameLst>
                                           <p:attrName>style.visibility</p:attrName>
@@ -7008,7 +10123,7 @@
                                       <p:cBhvr>
                                         <p:cTn id="56" dur="1000"/>
                                         <p:tgtEl>
-                                          <p:spTgt spid="19"/>
+                                          <p:spTgt spid="18"/>
                                         </p:tgtEl>
                                       </p:cBhvr>
                                     </p:animEffect>
@@ -7016,7 +10131,7 @@
                                       <p:cBhvr>
                                         <p:cTn id="57" dur="1000" fill="hold"/>
                                         <p:tgtEl>
-                                          <p:spTgt spid="19"/>
+                                          <p:spTgt spid="18"/>
                                         </p:tgtEl>
                                         <p:attrNameLst>
                                           <p:attrName>ppt_x</p:attrName>
@@ -7039,7 +10154,7 @@
                                       <p:cBhvr>
                                         <p:cTn id="58" dur="1000" fill="hold"/>
                                         <p:tgtEl>
-                                          <p:spTgt spid="19"/>
+                                          <p:spTgt spid="18"/>
                                         </p:tgtEl>
                                         <p:attrNameLst>
                                           <p:attrName>ppt_y</p:attrName>
@@ -7075,7 +10190,7 @@
                                           </p:stCondLst>
                                         </p:cTn>
                                         <p:tgtEl>
-                                          <p:spTgt spid="23"/>
+                                          <p:spTgt spid="19"/>
                                         </p:tgtEl>
                                         <p:attrNameLst>
                                           <p:attrName>style.visibility</p:attrName>
@@ -7089,7 +10204,7 @@
                                       <p:cBhvr>
                                         <p:cTn id="61" dur="1000"/>
                                         <p:tgtEl>
-                                          <p:spTgt spid="23"/>
+                                          <p:spTgt spid="19"/>
                                         </p:tgtEl>
                                       </p:cBhvr>
                                     </p:animEffect>
@@ -7097,7 +10212,7 @@
                                       <p:cBhvr>
                                         <p:cTn id="62" dur="1000" fill="hold"/>
                                         <p:tgtEl>
-                                          <p:spTgt spid="23"/>
+                                          <p:spTgt spid="19"/>
                                         </p:tgtEl>
                                         <p:attrNameLst>
                                           <p:attrName>ppt_x</p:attrName>
@@ -7120,7 +10235,7 @@
                                       <p:cBhvr>
                                         <p:cTn id="63" dur="1000" fill="hold"/>
                                         <p:tgtEl>
-                                          <p:spTgt spid="23"/>
+                                          <p:spTgt spid="19"/>
                                         </p:tgtEl>
                                         <p:attrNameLst>
                                           <p:attrName>ppt_y</p:attrName>
@@ -7156,7 +10271,7 @@
                                           </p:stCondLst>
                                         </p:cTn>
                                         <p:tgtEl>
-                                          <p:spTgt spid="21"/>
+                                          <p:spTgt spid="23"/>
                                         </p:tgtEl>
                                         <p:attrNameLst>
                                           <p:attrName>style.visibility</p:attrName>
@@ -7170,7 +10285,7 @@
                                       <p:cBhvr>
                                         <p:cTn id="66" dur="1000"/>
                                         <p:tgtEl>
-                                          <p:spTgt spid="21"/>
+                                          <p:spTgt spid="23"/>
                                         </p:tgtEl>
                                       </p:cBhvr>
                                     </p:animEffect>
@@ -7178,7 +10293,7 @@
                                       <p:cBhvr>
                                         <p:cTn id="67" dur="1000" fill="hold"/>
                                         <p:tgtEl>
-                                          <p:spTgt spid="21"/>
+                                          <p:spTgt spid="23"/>
                                         </p:tgtEl>
                                         <p:attrNameLst>
                                           <p:attrName>ppt_x</p:attrName>
@@ -7201,7 +10316,7 @@
                                       <p:cBhvr>
                                         <p:cTn id="68" dur="1000" fill="hold"/>
                                         <p:tgtEl>
-                                          <p:spTgt spid="21"/>
+                                          <p:spTgt spid="23"/>
                                         </p:tgtEl>
                                         <p:attrNameLst>
                                           <p:attrName>ppt_y</p:attrName>
@@ -7237,7 +10352,7 @@
                                           </p:stCondLst>
                                         </p:cTn>
                                         <p:tgtEl>
-                                          <p:spTgt spid="20"/>
+                                          <p:spTgt spid="21"/>
                                         </p:tgtEl>
                                         <p:attrNameLst>
                                           <p:attrName>style.visibility</p:attrName>
@@ -7251,13 +10366,94 @@
                                       <p:cBhvr>
                                         <p:cTn id="71" dur="1000"/>
                                         <p:tgtEl>
+                                          <p:spTgt spid="21"/>
+                                        </p:tgtEl>
+                                      </p:cBhvr>
+                                    </p:animEffect>
+                                    <p:anim calcmode="lin" valueType="num">
+                                      <p:cBhvr>
+                                        <p:cTn id="72" dur="1000" fill="hold"/>
+                                        <p:tgtEl>
+                                          <p:spTgt spid="21"/>
+                                        </p:tgtEl>
+                                        <p:attrNameLst>
+                                          <p:attrName>ppt_x</p:attrName>
+                                        </p:attrNameLst>
+                                      </p:cBhvr>
+                                      <p:tavLst>
+                                        <p:tav tm="0">
+                                          <p:val>
+                                            <p:strVal val="#ppt_x"/>
+                                          </p:val>
+                                        </p:tav>
+                                        <p:tav tm="100000">
+                                          <p:val>
+                                            <p:strVal val="#ppt_x"/>
+                                          </p:val>
+                                        </p:tav>
+                                      </p:tavLst>
+                                    </p:anim>
+                                    <p:anim calcmode="lin" valueType="num">
+                                      <p:cBhvr>
+                                        <p:cTn id="73" dur="1000" fill="hold"/>
+                                        <p:tgtEl>
+                                          <p:spTgt spid="21"/>
+                                        </p:tgtEl>
+                                        <p:attrNameLst>
+                                          <p:attrName>ppt_y</p:attrName>
+                                        </p:attrNameLst>
+                                      </p:cBhvr>
+                                      <p:tavLst>
+                                        <p:tav tm="0">
+                                          <p:val>
+                                            <p:strVal val="#ppt_y+.1"/>
+                                          </p:val>
+                                        </p:tav>
+                                        <p:tav tm="100000">
+                                          <p:val>
+                                            <p:strVal val="#ppt_y"/>
+                                          </p:val>
+                                        </p:tav>
+                                      </p:tavLst>
+                                    </p:anim>
+                                  </p:childTnLst>
+                                </p:cTn>
+                              </p:par>
+                              <p:par>
+                                <p:cTn id="74" presetID="42" presetClass="entr" presetSubtype="0" fill="hold" grpId="0" nodeType="withEffect">
+                                  <p:stCondLst>
+                                    <p:cond delay="0"/>
+                                  </p:stCondLst>
+                                  <p:childTnLst>
+                                    <p:set>
+                                      <p:cBhvr>
+                                        <p:cTn id="75" dur="1" fill="hold">
+                                          <p:stCondLst>
+                                            <p:cond delay="0"/>
+                                          </p:stCondLst>
+                                        </p:cTn>
+                                        <p:tgtEl>
+                                          <p:spTgt spid="20"/>
+                                        </p:tgtEl>
+                                        <p:attrNameLst>
+                                          <p:attrName>style.visibility</p:attrName>
+                                        </p:attrNameLst>
+                                      </p:cBhvr>
+                                      <p:to>
+                                        <p:strVal val="visible"/>
+                                      </p:to>
+                                    </p:set>
+                                    <p:animEffect transition="in" filter="fade">
+                                      <p:cBhvr>
+                                        <p:cTn id="76" dur="1000"/>
+                                        <p:tgtEl>
                                           <p:spTgt spid="20"/>
                                         </p:tgtEl>
                                       </p:cBhvr>
                                     </p:animEffect>
                                     <p:anim calcmode="lin" valueType="num">
                                       <p:cBhvr>
-                                        <p:cTn id="72" dur="1000" fill="hold"/>
+                                        <p:cTn id="77" dur="1000" fill="hold"/>
                                         <p:tgtEl>
                                           <p:spTgt spid="20"/>
                                         </p:tgtEl>
@@ -7280,7 +10476,7 @@
                                     </p:anim>
                                     <p:anim calcmode="lin" valueType="num">
                                       <p:cBhvr>
-                                        <p:cTn id="73" dur="1000" fill="hold"/>
+                                        <p:cTn id="78" dur="1000" fill="hold"/>
                                         <p:tgtEl>
                                           <p:spTgt spid="20"/>
                                         </p:tgtEl>
@@ -7339,12 +10535,13 @@
       <p:bldP spid="22" grpId="0" animBg="1"/>
       <p:bldP spid="23" grpId="0" animBg="1"/>
       <p:bldP spid="26" grpId="0" animBg="1"/>
+      <p:bldP spid="29" grpId="0"/>
     </p:bldLst>
   </p:timing>
 </p:sld>
 </file>
 
-<file path=ppt/slides/slide7.xml><?xml version="1.0" encoding="utf-8"?>
+<file path=ppt/slides/slide8.xml><?xml version="1.0" encoding="utf-8"?>
 <p:sld xmlns:a="http://schemas.openxmlformats.org/drawingml/2006/main" xmlns:r="http://schemas.openxmlformats.org/officeDocument/2006/relationships" xmlns:p="http://schemas.openxmlformats.org/presentationml/2006/main">
   <p:cSld>
     <p:spTree>
@@ -7363,30 +10560,65 @@
       </p:grpSpPr>
       <p:sp>
         <p:nvSpPr>
-          <p:cNvPr id="2" name="제목 1">
+          <p:cNvPr id="6" name="직사각형 5">
             <a:extLst>
               <a:ext uri="{FF2B5EF4-FFF2-40B4-BE49-F238E27FC236}">
-                <a16:creationId xmlns:a16="http://schemas.microsoft.com/office/drawing/2014/main" id="{44FE026F-B914-4142-BADB-732B8F33197D}"/>
+                <a16:creationId xmlns:a16="http://schemas.microsoft.com/office/drawing/2014/main" id="{209D341D-4ADC-4571-8620-7FC1D5204B75}"/>
               </a:ext>
             </a:extLst>
           </p:cNvPr>
-          <p:cNvSpPr>
-            <a:spLocks noGrp="1"/>
-          </p:cNvSpPr>
-          <p:nvPr>
-            <p:ph type="title"/>
-          </p:nvPr>
+          <p:cNvSpPr/>
+          <p:nvPr/>
         </p:nvSpPr>
-        <p:spPr/>
+        <p:spPr>
+          <a:xfrm>
+            <a:off x="0" y="7825"/>
+            <a:ext cx="12192000" cy="1138060"/>
+          </a:xfrm>
+          <a:prstGeom prst="rect">
+            <a:avLst/>
+          </a:prstGeom>
+          <a:blipFill dpi="0" rotWithShape="1">
+            <a:blip r:embed="rId2">
+              <a:duotone>
+                <a:schemeClr val="bg2">
+                  <a:shade val="45000"/>
+                  <a:satMod val="135000"/>
+                </a:schemeClr>
+                <a:prstClr val="white"/>
+              </a:duotone>
+            </a:blip>
+            <a:srcRect/>
+            <a:stretch>
+              <a:fillRect/>
+            </a:stretch>
+          </a:blipFill>
+          <a:ln>
+            <a:noFill/>
+          </a:ln>
+        </p:spPr>
+        <p:style>
+          <a:lnRef idx="2">
+            <a:schemeClr val="accent1">
+              <a:shade val="50000"/>
+            </a:schemeClr>
+          </a:lnRef>
+          <a:fillRef idx="1">
+            <a:schemeClr val="accent1"/>
+          </a:fillRef>
+          <a:effectRef idx="0">
+            <a:schemeClr val="accent1"/>
+          </a:effectRef>
+          <a:fontRef idx="minor">
+            <a:schemeClr val="lt1"/>
+          </a:fontRef>
+        </p:style>
         <p:txBody>
-          <a:bodyPr/>
+          <a:bodyPr rtlCol="0" anchor="ctr"/>
           <a:lstStyle/>
           <a:p>
-            <a:r>
-              <a:rPr lang="en-US" altLang="ko-KR" dirty="0"/>
-              <a:t>2. Model</a:t>
-            </a:r>
-            <a:endParaRPr lang="ko-KR" altLang="en-US" dirty="0"/>
+            <a:pPr algn="ctr"/>
+            <a:endParaRPr lang="ko-KR" altLang="en-US"/>
           </a:p>
         </p:txBody>
       </p:sp>
@@ -7406,8 +10638,8 @@
         </p:nvSpPr>
         <p:spPr>
           <a:xfrm>
-            <a:off x="838200" y="1833889"/>
-            <a:ext cx="10515600" cy="4482689"/>
+            <a:off x="838200" y="1362075"/>
+            <a:ext cx="10515600" cy="2219325"/>
           </a:xfrm>
           <a:prstGeom prst="rect">
             <a:avLst/>
@@ -7415,7 +10647,7 @@
         </p:spPr>
         <p:txBody>
           <a:bodyPr vert="horz" lIns="91440" tIns="45720" rIns="91440" bIns="45720" rtlCol="0">
-            <a:normAutofit/>
+            <a:normAutofit fontScale="70000" lnSpcReduction="20000"/>
           </a:bodyPr>
           <a:lstStyle>
             <a:lvl1pPr marL="228600" indent="-228600" algn="l" defTabSz="914400" rtl="0" eaLnBrk="1" latinLnBrk="1" hangingPunct="1">
@@ -7587,20 +10819,46 @@
               <a:buAutoNum type="arabicPeriod"/>
             </a:pPr>
             <a:r>
-              <a:rPr lang="en-US" altLang="ko-KR" dirty="0"/>
+              <a:rPr lang="en-US" altLang="ko-KR" dirty="0">
+                <a:latin typeface="Georgia" panose="02040502050405020303" pitchFamily="18" charset="0"/>
+              </a:rPr>
               <a:t>Embedding extraction</a:t>
             </a:r>
           </a:p>
           <a:p>
-            <a:r>
-              <a:rPr lang="en-US" altLang="ko-KR" dirty="0" err="1"/>
-              <a:t>Concat</a:t>
-            </a:r>
-            <a:r>
-              <a:rPr lang="en-US" altLang="ko-KR" dirty="0"/>
-              <a:t> all features extracted from pre-trained CNN layers to a single embedding vector</a:t>
-            </a:r>
-            <a:endParaRPr lang="ko-KR" altLang="en-US" dirty="0"/>
+            <a:pPr marL="514350" indent="-514350">
+              <a:buFont typeface="+mj-lt"/>
+              <a:buAutoNum type="arabicPeriod"/>
+            </a:pPr>
+            <a:endParaRPr lang="en-US" altLang="ko-KR" dirty="0">
+              <a:latin typeface="Georgia" panose="02040502050405020303" pitchFamily="18" charset="0"/>
+            </a:endParaRPr>
+          </a:p>
+          <a:p>
+            <a:r>
+              <a:rPr lang="en-US" altLang="ko-KR" dirty="0">
+                <a:latin typeface="Georgia" panose="02040502050405020303" pitchFamily="18" charset="0"/>
+              </a:rPr>
+              <a:t>Concatenate all features extracted from pre-trained CNN layers to a single embedding vector</a:t>
+            </a:r>
+          </a:p>
+          <a:p>
+            <a:endParaRPr lang="en-US" altLang="ko-KR" dirty="0">
+              <a:latin typeface="Georgia" panose="02040502050405020303" pitchFamily="18" charset="0"/>
+            </a:endParaRPr>
+          </a:p>
+          <a:p>
+            <a:r>
+              <a:rPr lang="en-US" altLang="ko-KR" dirty="0">
+                <a:latin typeface="Georgia" panose="02040502050405020303" pitchFamily="18" charset="0"/>
+              </a:rPr>
+              <a:t>For dimensionality reduction, part of channels are used to calculate mean and covariance</a:t>
+            </a:r>
+          </a:p>
+          <a:p>
+            <a:endParaRPr lang="ko-KR" altLang="en-US" dirty="0">
+              <a:latin typeface="Georgia" panose="02040502050405020303" pitchFamily="18" charset="0"/>
+            </a:endParaRPr>
           </a:p>
         </p:txBody>
       </p:sp>
@@ -7619,7 +10877,7 @@
           <p:nvPr/>
         </p:nvPicPr>
         <p:blipFill>
-          <a:blip r:embed="rId2" cstate="print">
+          <a:blip r:embed="rId3" cstate="print">
             <a:extLst>
               <a:ext uri="{28A0092B-C50C-407E-A947-70E740481C1C}">
                 <a14:useLocalDpi xmlns:a14="http://schemas.microsoft.com/office/drawing/2010/main" val="0"/>
@@ -7651,6 +10909,79 @@
           </a:extLst>
         </p:spPr>
       </p:pic>
+      <p:sp>
+        <p:nvSpPr>
+          <p:cNvPr id="7" name="제목 1">
+            <a:extLst>
+              <a:ext uri="{FF2B5EF4-FFF2-40B4-BE49-F238E27FC236}">
+                <a16:creationId xmlns:a16="http://schemas.microsoft.com/office/drawing/2014/main" id="{B3ABAFFB-F7F3-4F2F-B8F1-E27184F30CA6}"/>
+              </a:ext>
+            </a:extLst>
+          </p:cNvPr>
+          <p:cNvSpPr txBox="1">
+            <a:spLocks/>
+          </p:cNvSpPr>
+          <p:nvPr/>
+        </p:nvSpPr>
+        <p:spPr>
+          <a:xfrm>
+            <a:off x="540000" y="0"/>
+            <a:ext cx="10515600" cy="1145885"/>
+          </a:xfrm>
+          <a:prstGeom prst="rect">
+            <a:avLst/>
+          </a:prstGeom>
+        </p:spPr>
+        <p:txBody>
+          <a:bodyPr vert="horz" lIns="91440" tIns="45720" rIns="91440" bIns="45720" rtlCol="0" anchor="ctr">
+            <a:normAutofit/>
+          </a:bodyPr>
+          <a:lstStyle>
+            <a:lvl1pPr algn="l" defTabSz="914400" rtl="0" eaLnBrk="1" latinLnBrk="1" hangingPunct="1">
+              <a:lnSpc>
+                <a:spcPct val="90000"/>
+              </a:lnSpc>
+              <a:spcBef>
+                <a:spcPct val="0"/>
+              </a:spcBef>
+              <a:buNone/>
+              <a:defRPr sz="4400" kern="1200">
+                <a:solidFill>
+                  <a:schemeClr val="tx1"/>
+                </a:solidFill>
+                <a:latin typeface="+mj-lt"/>
+                <a:ea typeface="+mj-ea"/>
+                <a:cs typeface="+mj-cs"/>
+              </a:defRPr>
+            </a:lvl1pPr>
+          </a:lstStyle>
+          <a:p>
+            <a:r>
+              <a:rPr lang="en-US" altLang="ko-KR" i="1" dirty="0">
+                <a:effectLst>
+                  <a:outerShdw blurRad="38100" dist="38100" dir="2700000" algn="tl">
+                    <a:srgbClr val="000000">
+                      <a:alpha val="43137"/>
+                    </a:srgbClr>
+                  </a:outerShdw>
+                </a:effectLst>
+                <a:latin typeface="Georgia" panose="02040502050405020303" pitchFamily="18" charset="0"/>
+              </a:rPr>
+              <a:t>2. Model</a:t>
+            </a:r>
+            <a:endParaRPr lang="ko-KR" altLang="en-US" i="1" dirty="0">
+              <a:effectLst>
+                <a:outerShdw blurRad="38100" dist="38100" dir="2700000" algn="tl">
+                  <a:srgbClr val="000000">
+                    <a:alpha val="43137"/>
+                  </a:srgbClr>
+                </a:outerShdw>
+              </a:effectLst>
+              <a:latin typeface="Georgia" panose="02040502050405020303" pitchFamily="18" charset="0"/>
+            </a:endParaRPr>
+          </a:p>
+        </p:txBody>
+      </p:sp>
     </p:spTree>
     <p:extLst>
       <p:ext uri="{BB962C8B-B14F-4D97-AF65-F5344CB8AC3E}">
@@ -7664,7 +10995,7 @@
 </p:sld>
 </file>
 
-<file path=ppt/slides/slide8.xml><?xml version="1.0" encoding="utf-8"?>
+<file path=ppt/slides/slide9.xml><?xml version="1.0" encoding="utf-8"?>
 <p:sld xmlns:a="http://schemas.openxmlformats.org/drawingml/2006/main" xmlns:r="http://schemas.openxmlformats.org/officeDocument/2006/relationships" xmlns:p="http://schemas.openxmlformats.org/presentationml/2006/main">
   <p:cSld>
     <p:spTree>
@@ -7683,248 +11014,65 @@
       </p:grpSpPr>
       <p:sp>
         <p:nvSpPr>
-          <p:cNvPr id="2" name="제목 1">
+          <p:cNvPr id="6" name="직사각형 5">
             <a:extLst>
               <a:ext uri="{FF2B5EF4-FFF2-40B4-BE49-F238E27FC236}">
-                <a16:creationId xmlns:a16="http://schemas.microsoft.com/office/drawing/2014/main" id="{44FE026F-B914-4142-BADB-732B8F33197D}"/>
+                <a16:creationId xmlns:a16="http://schemas.microsoft.com/office/drawing/2014/main" id="{1C1A4620-DFAF-4325-985C-3E88B6437389}"/>
               </a:ext>
             </a:extLst>
           </p:cNvPr>
-          <p:cNvSpPr>
-            <a:spLocks noGrp="1"/>
-          </p:cNvSpPr>
-          <p:nvPr>
-            <p:ph type="title"/>
-          </p:nvPr>
-        </p:nvSpPr>
-        <p:spPr/>
-        <p:txBody>
-          <a:bodyPr/>
-          <a:lstStyle/>
-          <a:p>
-            <a:r>
-              <a:rPr lang="en-US" altLang="ko-KR" dirty="0"/>
-              <a:t>2. Model</a:t>
-            </a:r>
-            <a:endParaRPr lang="ko-KR" altLang="en-US" dirty="0"/>
-          </a:p>
-        </p:txBody>
-      </p:sp>
-      <p:sp>
-        <p:nvSpPr>
-          <p:cNvPr id="5" name="내용 개체 틀 2">
-            <a:extLst>
-              <a:ext uri="{FF2B5EF4-FFF2-40B4-BE49-F238E27FC236}">
-                <a16:creationId xmlns:a16="http://schemas.microsoft.com/office/drawing/2014/main" id="{695A909E-8A17-451D-B1FD-4ED5E9A31658}"/>
-              </a:ext>
-            </a:extLst>
-          </p:cNvPr>
-          <p:cNvSpPr txBox="1">
-            <a:spLocks/>
-          </p:cNvSpPr>
+          <p:cNvSpPr/>
           <p:nvPr/>
         </p:nvSpPr>
         <p:spPr>
           <a:xfrm>
-            <a:off x="838200" y="1833889"/>
-            <a:ext cx="10515600" cy="4482689"/>
+            <a:off x="0" y="7825"/>
+            <a:ext cx="12192000" cy="1138060"/>
           </a:xfrm>
           <a:prstGeom prst="rect">
             <a:avLst/>
           </a:prstGeom>
+          <a:blipFill dpi="0" rotWithShape="1">
+            <a:blip r:embed="rId2">
+              <a:duotone>
+                <a:schemeClr val="bg2">
+                  <a:shade val="45000"/>
+                  <a:satMod val="135000"/>
+                </a:schemeClr>
+                <a:prstClr val="white"/>
+              </a:duotone>
+            </a:blip>
+            <a:srcRect/>
+            <a:stretch>
+              <a:fillRect/>
+            </a:stretch>
+          </a:blipFill>
+          <a:ln>
+            <a:noFill/>
+          </a:ln>
         </p:spPr>
+        <p:style>
+          <a:lnRef idx="2">
+            <a:schemeClr val="accent1">
+              <a:shade val="50000"/>
+            </a:schemeClr>
+          </a:lnRef>
+          <a:fillRef idx="1">
+            <a:schemeClr val="accent1"/>
+          </a:fillRef>
+          <a:effectRef idx="0">
+            <a:schemeClr val="accent1"/>
+          </a:effectRef>
+          <a:fontRef idx="minor">
+            <a:schemeClr val="lt1"/>
+          </a:fontRef>
+        </p:style>
         <p:txBody>
-          <a:bodyPr vert="horz" lIns="91440" tIns="45720" rIns="91440" bIns="45720" rtlCol="0">
-            <a:normAutofit/>
-          </a:bodyPr>
-          <a:lstStyle>
-            <a:lvl1pPr marL="228600" indent="-228600" algn="l" defTabSz="914400" rtl="0" eaLnBrk="1" latinLnBrk="1" hangingPunct="1">
-              <a:lnSpc>
-                <a:spcPct val="90000"/>
-              </a:lnSpc>
-              <a:spcBef>
-                <a:spcPts val="1000"/>
-              </a:spcBef>
-              <a:buFont typeface="Arial" panose="020B0604020202020204" pitchFamily="34" charset="0"/>
-              <a:buChar char="•"/>
-              <a:defRPr sz="2800" kern="1200">
-                <a:solidFill>
-                  <a:schemeClr val="tx1"/>
-                </a:solidFill>
-                <a:latin typeface="+mn-lt"/>
-                <a:ea typeface="+mn-ea"/>
-                <a:cs typeface="+mn-cs"/>
-              </a:defRPr>
-            </a:lvl1pPr>
-            <a:lvl2pPr marL="685800" indent="-228600" algn="l" defTabSz="914400" rtl="0" eaLnBrk="1" latinLnBrk="1" hangingPunct="1">
-              <a:lnSpc>
-                <a:spcPct val="90000"/>
-              </a:lnSpc>
-              <a:spcBef>
-                <a:spcPts val="500"/>
-              </a:spcBef>
-              <a:buFont typeface="Arial" panose="020B0604020202020204" pitchFamily="34" charset="0"/>
-              <a:buChar char="•"/>
-              <a:defRPr sz="2400" kern="1200">
-                <a:solidFill>
-                  <a:schemeClr val="tx1"/>
-                </a:solidFill>
-                <a:latin typeface="+mn-lt"/>
-                <a:ea typeface="+mn-ea"/>
-                <a:cs typeface="+mn-cs"/>
-              </a:defRPr>
-            </a:lvl2pPr>
-            <a:lvl3pPr marL="1143000" indent="-228600" algn="l" defTabSz="914400" rtl="0" eaLnBrk="1" latinLnBrk="1" hangingPunct="1">
-              <a:lnSpc>
-                <a:spcPct val="90000"/>
-              </a:lnSpc>
-              <a:spcBef>
-                <a:spcPts val="500"/>
-              </a:spcBef>
-              <a:buFont typeface="Arial" panose="020B0604020202020204" pitchFamily="34" charset="0"/>
-              <a:buChar char="•"/>
-              <a:defRPr sz="2000" kern="1200">
-                <a:solidFill>
-                  <a:schemeClr val="tx1"/>
-                </a:solidFill>
-                <a:latin typeface="+mn-lt"/>
-                <a:ea typeface="+mn-ea"/>
-                <a:cs typeface="+mn-cs"/>
-              </a:defRPr>
-            </a:lvl3pPr>
-            <a:lvl4pPr marL="1600200" indent="-228600" algn="l" defTabSz="914400" rtl="0" eaLnBrk="1" latinLnBrk="1" hangingPunct="1">
-              <a:lnSpc>
-                <a:spcPct val="90000"/>
-              </a:lnSpc>
-              <a:spcBef>
-                <a:spcPts val="500"/>
-              </a:spcBef>
-              <a:buFont typeface="Arial" panose="020B0604020202020204" pitchFamily="34" charset="0"/>
-              <a:buChar char="•"/>
-              <a:defRPr sz="1800" kern="1200">
-                <a:solidFill>
-                  <a:schemeClr val="tx1"/>
-                </a:solidFill>
-                <a:latin typeface="+mn-lt"/>
-                <a:ea typeface="+mn-ea"/>
-                <a:cs typeface="+mn-cs"/>
-              </a:defRPr>
-            </a:lvl4pPr>
-            <a:lvl5pPr marL="2057400" indent="-228600" algn="l" defTabSz="914400" rtl="0" eaLnBrk="1" latinLnBrk="1" hangingPunct="1">
-              <a:lnSpc>
-                <a:spcPct val="90000"/>
-              </a:lnSpc>
-              <a:spcBef>
-                <a:spcPts val="500"/>
-              </a:spcBef>
-              <a:buFont typeface="Arial" panose="020B0604020202020204" pitchFamily="34" charset="0"/>
-              <a:buChar char="•"/>
-              <a:defRPr sz="1800" kern="1200">
-                <a:solidFill>
-                  <a:schemeClr val="tx1"/>
-                </a:solidFill>
-                <a:latin typeface="+mn-lt"/>
-                <a:ea typeface="+mn-ea"/>
-                <a:cs typeface="+mn-cs"/>
-              </a:defRPr>
-            </a:lvl5pPr>
-            <a:lvl6pPr marL="2514600" indent="-228600" algn="l" defTabSz="914400" rtl="0" eaLnBrk="1" latinLnBrk="1" hangingPunct="1">
-              <a:lnSpc>
-                <a:spcPct val="90000"/>
-              </a:lnSpc>
-              <a:spcBef>
-                <a:spcPts val="500"/>
-              </a:spcBef>
-              <a:buFont typeface="Arial" panose="020B0604020202020204" pitchFamily="34" charset="0"/>
-              <a:buChar char="•"/>
-              <a:defRPr sz="1800" kern="1200">
-                <a:solidFill>
-                  <a:schemeClr val="tx1"/>
-                </a:solidFill>
-                <a:latin typeface="+mn-lt"/>
-                <a:ea typeface="+mn-ea"/>
-                <a:cs typeface="+mn-cs"/>
-              </a:defRPr>
-            </a:lvl6pPr>
-            <a:lvl7pPr marL="2971800" indent="-228600" algn="l" defTabSz="914400" rtl="0" eaLnBrk="1" latinLnBrk="1" hangingPunct="1">
-              <a:lnSpc>
-                <a:spcPct val="90000"/>
-              </a:lnSpc>
-              <a:spcBef>
-                <a:spcPts val="500"/>
-              </a:spcBef>
-              <a:buFont typeface="Arial" panose="020B0604020202020204" pitchFamily="34" charset="0"/>
-              <a:buChar char="•"/>
-              <a:defRPr sz="1800" kern="1200">
-                <a:solidFill>
-                  <a:schemeClr val="tx1"/>
-                </a:solidFill>
-                <a:latin typeface="+mn-lt"/>
-                <a:ea typeface="+mn-ea"/>
-                <a:cs typeface="+mn-cs"/>
-              </a:defRPr>
-            </a:lvl7pPr>
-            <a:lvl8pPr marL="3429000" indent="-228600" algn="l" defTabSz="914400" rtl="0" eaLnBrk="1" latinLnBrk="1" hangingPunct="1">
-              <a:lnSpc>
-                <a:spcPct val="90000"/>
-              </a:lnSpc>
-              <a:spcBef>
-                <a:spcPts val="500"/>
-              </a:spcBef>
-              <a:buFont typeface="Arial" panose="020B0604020202020204" pitchFamily="34" charset="0"/>
-              <a:buChar char="•"/>
-              <a:defRPr sz="1800" kern="1200">
-                <a:solidFill>
-                  <a:schemeClr val="tx1"/>
-                </a:solidFill>
-                <a:latin typeface="+mn-lt"/>
-                <a:ea typeface="+mn-ea"/>
-                <a:cs typeface="+mn-cs"/>
-              </a:defRPr>
-            </a:lvl8pPr>
-            <a:lvl9pPr marL="3886200" indent="-228600" algn="l" defTabSz="914400" rtl="0" eaLnBrk="1" latinLnBrk="1" hangingPunct="1">
-              <a:lnSpc>
-                <a:spcPct val="90000"/>
-              </a:lnSpc>
-              <a:spcBef>
-                <a:spcPts val="500"/>
-              </a:spcBef>
-              <a:buFont typeface="Arial" panose="020B0604020202020204" pitchFamily="34" charset="0"/>
-              <a:buChar char="•"/>
-              <a:defRPr sz="1800" kern="1200">
-                <a:solidFill>
-                  <a:schemeClr val="tx1"/>
-                </a:solidFill>
-                <a:latin typeface="+mn-lt"/>
-                <a:ea typeface="+mn-ea"/>
-                <a:cs typeface="+mn-cs"/>
-              </a:defRPr>
-            </a:lvl9pPr>
-          </a:lstStyle>
-          <a:p>
-            <a:pPr marL="514350" indent="-514350">
-              <a:buFont typeface="+mj-lt"/>
-              <a:buAutoNum type="arabicPeriod" startAt="2"/>
-            </a:pPr>
-            <a:r>
-              <a:rPr lang="en-US" altLang="ko-KR" dirty="0"/>
-              <a:t>Learning of the normality</a:t>
-            </a:r>
-          </a:p>
-          <a:p>
-            <a:r>
-              <a:rPr lang="en-US" altLang="ko-KR" dirty="0"/>
-              <a:t>This process is not actual deep learning training but rather a step to compute the </a:t>
-            </a:r>
-            <a:r>
-              <a:rPr lang="en-US" altLang="ko-KR" dirty="0" err="1"/>
-              <a:t>Mahalanobis</a:t>
-            </a:r>
-            <a:r>
-              <a:rPr lang="en-US" altLang="ko-KR" dirty="0"/>
-              <a:t> distance for each patch, involving the calculation of the covariance of the normal data patch features</a:t>
-            </a:r>
-            <a:endParaRPr lang="ko-KR" altLang="en-US" dirty="0"/>
+          <a:bodyPr rtlCol="0" anchor="ctr"/>
+          <a:lstStyle/>
+          <a:p>
+            <a:pPr algn="ctr"/>
+            <a:endParaRPr lang="ko-KR" altLang="en-US"/>
           </a:p>
         </p:txBody>
       </p:sp>
@@ -7943,7 +11091,7 @@
           <p:nvPr/>
         </p:nvPicPr>
         <p:blipFill>
-          <a:blip r:embed="rId2"/>
+          <a:blip r:embed="rId3"/>
           <a:stretch>
             <a:fillRect/>
           </a:stretch>
@@ -8317,7 +11465,7 @@
                   </m:oMathPara>
                 </a14:m>
                 <a:endParaRPr lang="en-US" altLang="ko-KR" sz="1200" i="1" dirty="0">
-                  <a:latin typeface="Cambria Math" panose="02040503050406030204" pitchFamily="18" charset="0"/>
+                  <a:latin typeface="Georgia" panose="02040502050405020303" pitchFamily="18" charset="0"/>
                 </a:endParaRPr>
               </a:p>
               <a:p>
@@ -8361,10 +11509,10 @@
                         <m:t>𝑘</m:t>
                       </m:r>
                       <m:r>
-                        <a:rPr lang="en-US" altLang="ko-KR" sz="1200" i="1">
+                        <a:rPr lang="en-US" altLang="ko-KR" sz="1200" b="0" i="1" smtClean="0">
                           <a:latin typeface="Cambria Math" panose="02040503050406030204" pitchFamily="18" charset="0"/>
                         </a:rPr>
-                        <m:t>-</m:t>
+                        <m:t>−</m:t>
                       </m:r>
                       <m:r>
                         <a:rPr lang="en-US" altLang="ko-KR" sz="1200" i="1">
@@ -8406,7 +11554,7 @@
                   </m:oMathPara>
                 </a14:m>
                 <a:endParaRPr lang="en-US" altLang="ko-KR" sz="1200" i="1" dirty="0">
-                  <a:latin typeface="Cambria Math" panose="02040503050406030204" pitchFamily="18" charset="0"/>
+                  <a:latin typeface="Georgia" panose="02040502050405020303" pitchFamily="18" charset="0"/>
                 </a:endParaRPr>
               </a:p>
               <a:p>
@@ -8521,7 +11669,7 @@
                 </a14:m>
                 <a:r>
                   <a:rPr lang="en-US" altLang="ko-KR" sz="1200" i="1" dirty="0">
-                    <a:latin typeface="Cambria Math" panose="02040503050406030204" pitchFamily="18" charset="0"/>
+                    <a:latin typeface="Georgia" panose="02040502050405020303" pitchFamily="18" charset="0"/>
                   </a:rPr>
                   <a:t>  </a:t>
                 </a:r>
@@ -8724,7 +11872,7 @@
                 </a14:m>
                 <a:r>
                   <a:rPr lang="en-US" altLang="ko-KR" sz="1200" i="1" dirty="0">
-                    <a:latin typeface="Cambria Math" panose="02040503050406030204" pitchFamily="18" charset="0"/>
+                    <a:latin typeface="Georgia" panose="02040502050405020303" pitchFamily="18" charset="0"/>
                   </a:rPr>
                   <a:t> </a:t>
                 </a:r>
@@ -8841,7 +11989,7 @@
                 </a14:m>
                 <a:r>
                   <a:rPr lang="en-US" altLang="ko-KR" sz="1200" i="1" dirty="0">
-                    <a:latin typeface="Cambria Math" panose="02040503050406030204" pitchFamily="18" charset="0"/>
+                    <a:latin typeface="Georgia" panose="02040502050405020303" pitchFamily="18" charset="0"/>
                   </a:rPr>
                   <a:t>  </a:t>
                 </a:r>
@@ -8929,7 +12077,7 @@
                 </a14:m>
                 <a:r>
                   <a:rPr lang="en-US" altLang="ko-KR" sz="1200" i="1" dirty="0">
-                    <a:latin typeface="Cambria Math" panose="02040503050406030204" pitchFamily="18" charset="0"/>
+                    <a:latin typeface="Georgia" panose="02040502050405020303" pitchFamily="18" charset="0"/>
                   </a:rPr>
                   <a:t> </a:t>
                 </a:r>
@@ -8964,7 +12112,7 @@
                 </a14:m>
                 <a:r>
                   <a:rPr lang="en-US" altLang="ko-KR" sz="1200" i="1" dirty="0">
-                    <a:latin typeface="Cambria Math" panose="02040503050406030204" pitchFamily="18" charset="0"/>
+                    <a:latin typeface="Georgia" panose="02040502050405020303" pitchFamily="18" charset="0"/>
                   </a:rPr>
                   <a:t> </a:t>
                 </a:r>
@@ -9099,7 +12247,7 @@
                 </a14:m>
                 <a:r>
                   <a:rPr lang="en-US" altLang="ko-KR" sz="1200" i="1" dirty="0">
-                    <a:latin typeface="Cambria Math" panose="02040503050406030204" pitchFamily="18" charset="0"/>
+                    <a:latin typeface="Georgia" panose="02040502050405020303" pitchFamily="18" charset="0"/>
                   </a:rPr>
                   <a:t> </a:t>
                 </a:r>
@@ -9216,7 +12364,9 @@
                   </m:oMath>
                 </a14:m>
                 <a:r>
-                  <a:rPr lang="en-US" altLang="ko-KR" sz="1200" dirty="0"/>
+                  <a:rPr lang="en-US" altLang="ko-KR" sz="1200" dirty="0">
+                    <a:latin typeface="Georgia" panose="02040502050405020303" pitchFamily="18" charset="0"/>
+                  </a:rPr>
                   <a:t>  </a:t>
                 </a:r>
               </a:p>
@@ -9247,7 +12397,7 @@
                 <a:avLst/>
               </a:prstGeom>
               <a:blipFill>
-                <a:blip r:embed="rId3"/>
+                <a:blip r:embed="rId4"/>
                 <a:stretch>
                   <a:fillRect r="-1163" b="-615"/>
                 </a:stretch>
@@ -9268,71 +12418,12 @@
           </p:sp>
         </mc:Fallback>
       </mc:AlternateContent>
-    </p:spTree>
-    <p:extLst>
-      <p:ext uri="{BB962C8B-B14F-4D97-AF65-F5344CB8AC3E}">
-        <p14:creationId xmlns:p14="http://schemas.microsoft.com/office/powerpoint/2010/main" val="4234984888"/>
-      </p:ext>
-    </p:extLst>
-  </p:cSld>
-  <p:clrMapOvr>
-    <a:masterClrMapping/>
-  </p:clrMapOvr>
-</p:sld>
-</file>
-
-<file path=ppt/slides/slide9.xml><?xml version="1.0" encoding="utf-8"?>
-<p:sld xmlns:a="http://schemas.openxmlformats.org/drawingml/2006/main" xmlns:r="http://schemas.openxmlformats.org/officeDocument/2006/relationships" xmlns:p="http://schemas.openxmlformats.org/presentationml/2006/main">
-  <p:cSld>
-    <p:spTree>
-      <p:nvGrpSpPr>
-        <p:cNvPr id="1" name=""/>
-        <p:cNvGrpSpPr/>
-        <p:nvPr/>
-      </p:nvGrpSpPr>
-      <p:grpSpPr>
-        <a:xfrm>
-          <a:off x="0" y="0"/>
-          <a:ext cx="0" cy="0"/>
-          <a:chOff x="0" y="0"/>
-          <a:chExt cx="0" cy="0"/>
-        </a:xfrm>
-      </p:grpSpPr>
       <p:sp>
         <p:nvSpPr>
-          <p:cNvPr id="2" name="제목 1">
+          <p:cNvPr id="7" name="제목 1">
             <a:extLst>
               <a:ext uri="{FF2B5EF4-FFF2-40B4-BE49-F238E27FC236}">
-                <a16:creationId xmlns:a16="http://schemas.microsoft.com/office/drawing/2014/main" id="{44FE026F-B914-4142-BADB-732B8F33197D}"/>
-              </a:ext>
-            </a:extLst>
-          </p:cNvPr>
-          <p:cNvSpPr>
-            <a:spLocks noGrp="1"/>
-          </p:cNvSpPr>
-          <p:nvPr>
-            <p:ph type="title"/>
-          </p:nvPr>
-        </p:nvSpPr>
-        <p:spPr/>
-        <p:txBody>
-          <a:bodyPr/>
-          <a:lstStyle/>
-          <a:p>
-            <a:r>
-              <a:rPr lang="en-US" altLang="ko-KR" dirty="0"/>
-              <a:t>2. Model</a:t>
-            </a:r>
-            <a:endParaRPr lang="ko-KR" altLang="en-US" dirty="0"/>
-          </a:p>
-        </p:txBody>
-      </p:sp>
-      <p:sp>
-        <p:nvSpPr>
-          <p:cNvPr id="5" name="내용 개체 틀 2">
-            <a:extLst>
-              <a:ext uri="{FF2B5EF4-FFF2-40B4-BE49-F238E27FC236}">
-                <a16:creationId xmlns:a16="http://schemas.microsoft.com/office/drawing/2014/main" id="{695A909E-8A17-451D-B1FD-4ED5E9A31658}"/>
+                <a16:creationId xmlns:a16="http://schemas.microsoft.com/office/drawing/2014/main" id="{D36AA2BF-514B-407A-92DE-5037F59A2A3F}"/>
               </a:ext>
             </a:extLst>
           </p:cNvPr>
@@ -9343,8 +12434,81 @@
         </p:nvSpPr>
         <p:spPr>
           <a:xfrm>
-            <a:off x="838200" y="1833889"/>
-            <a:ext cx="10515600" cy="4482689"/>
+            <a:off x="540000" y="0"/>
+            <a:ext cx="10515600" cy="1145885"/>
+          </a:xfrm>
+          <a:prstGeom prst="rect">
+            <a:avLst/>
+          </a:prstGeom>
+        </p:spPr>
+        <p:txBody>
+          <a:bodyPr vert="horz" lIns="91440" tIns="45720" rIns="91440" bIns="45720" rtlCol="0" anchor="ctr">
+            <a:normAutofit/>
+          </a:bodyPr>
+          <a:lstStyle>
+            <a:lvl1pPr algn="l" defTabSz="914400" rtl="0" eaLnBrk="1" latinLnBrk="1" hangingPunct="1">
+              <a:lnSpc>
+                <a:spcPct val="90000"/>
+              </a:lnSpc>
+              <a:spcBef>
+                <a:spcPct val="0"/>
+              </a:spcBef>
+              <a:buNone/>
+              <a:defRPr sz="4400" kern="1200">
+                <a:solidFill>
+                  <a:schemeClr val="tx1"/>
+                </a:solidFill>
+                <a:latin typeface="+mj-lt"/>
+                <a:ea typeface="+mj-ea"/>
+                <a:cs typeface="+mj-cs"/>
+              </a:defRPr>
+            </a:lvl1pPr>
+          </a:lstStyle>
+          <a:p>
+            <a:r>
+              <a:rPr lang="en-US" altLang="ko-KR" i="1" dirty="0">
+                <a:effectLst>
+                  <a:outerShdw blurRad="38100" dist="38100" dir="2700000" algn="tl">
+                    <a:srgbClr val="000000">
+                      <a:alpha val="43137"/>
+                    </a:srgbClr>
+                  </a:outerShdw>
+                </a:effectLst>
+                <a:latin typeface="Georgia" panose="02040502050405020303" pitchFamily="18" charset="0"/>
+              </a:rPr>
+              <a:t>2. Model</a:t>
+            </a:r>
+            <a:endParaRPr lang="ko-KR" altLang="en-US" i="1" dirty="0">
+              <a:effectLst>
+                <a:outerShdw blurRad="38100" dist="38100" dir="2700000" algn="tl">
+                  <a:srgbClr val="000000">
+                    <a:alpha val="43137"/>
+                  </a:srgbClr>
+                </a:outerShdw>
+              </a:effectLst>
+              <a:latin typeface="Georgia" panose="02040502050405020303" pitchFamily="18" charset="0"/>
+            </a:endParaRPr>
+          </a:p>
+        </p:txBody>
+      </p:sp>
+      <p:sp>
+        <p:nvSpPr>
+          <p:cNvPr id="9" name="내용 개체 틀 2">
+            <a:extLst>
+              <a:ext uri="{FF2B5EF4-FFF2-40B4-BE49-F238E27FC236}">
+                <a16:creationId xmlns:a16="http://schemas.microsoft.com/office/drawing/2014/main" id="{ABAC3D2B-F24F-4A8C-810F-B25BF295AB18}"/>
+              </a:ext>
+            </a:extLst>
+          </p:cNvPr>
+          <p:cNvSpPr txBox="1">
+            <a:spLocks/>
+          </p:cNvSpPr>
+          <p:nvPr/>
+        </p:nvSpPr>
+        <p:spPr>
+          <a:xfrm>
+            <a:off x="838200" y="1362075"/>
+            <a:ext cx="10515600" cy="4954504"/>
           </a:xfrm>
           <a:prstGeom prst="rect">
             <a:avLst/>
@@ -9521,1178 +12685,50 @@
           <a:p>
             <a:pPr marL="514350" indent="-514350">
               <a:buFont typeface="+mj-lt"/>
-              <a:buAutoNum type="arabicPeriod" startAt="3"/>
+              <a:buAutoNum type="arabicPeriod" startAt="2"/>
             </a:pPr>
             <a:r>
-              <a:rPr lang="en-US" altLang="ko-KR" dirty="0"/>
-              <a:t>Inference : computation of the anomaly map</a:t>
-            </a:r>
-          </a:p>
-          <a:p>
-            <a:r>
-              <a:rPr lang="en-US" altLang="ko-KR" dirty="0"/>
-              <a:t>Test images are input into the pre-trained CNN model in the same method as the previous process.</a:t>
-            </a:r>
-          </a:p>
-          <a:p>
-            <a:r>
-              <a:rPr lang="en-US" altLang="ko-KR" dirty="0"/>
-              <a:t>The </a:t>
-            </a:r>
-            <a:r>
-              <a:rPr lang="en-US" altLang="ko-KR" dirty="0" err="1"/>
-              <a:t>Mahalanobis</a:t>
-            </a:r>
-            <a:r>
-              <a:rPr lang="en-US" altLang="ko-KR" dirty="0"/>
-              <a:t> distance is then calculated to compare how far each patch is from the mean and covariance values of the normal images on a patch-by-patch.</a:t>
-            </a:r>
+              <a:rPr lang="en-US" altLang="ko-KR" dirty="0">
+                <a:latin typeface="Georgia" panose="02040502050405020303" pitchFamily="18" charset="0"/>
+              </a:rPr>
+              <a:t>Learning of the normality</a:t>
+            </a:r>
+          </a:p>
+          <a:p>
+            <a:endParaRPr lang="en-US" altLang="ko-KR" dirty="0">
+              <a:latin typeface="Georgia" panose="02040502050405020303" pitchFamily="18" charset="0"/>
+            </a:endParaRPr>
+          </a:p>
+          <a:p>
+            <a:r>
+              <a:rPr lang="en-US" altLang="ko-KR" dirty="0">
+                <a:latin typeface="Georgia" panose="02040502050405020303" pitchFamily="18" charset="0"/>
+              </a:rPr>
+              <a:t>Compute the covariance matrix and mean value for each patch</a:t>
+            </a:r>
+          </a:p>
+          <a:p>
+            <a:endParaRPr lang="en-US" altLang="ko-KR" dirty="0">
+              <a:latin typeface="Georgia" panose="02040502050405020303" pitchFamily="18" charset="0"/>
+            </a:endParaRPr>
+          </a:p>
+          <a:p>
+            <a:r>
+              <a:rPr lang="en-US" altLang="ko-KR" dirty="0">
+                <a:latin typeface="Georgia" panose="02040502050405020303" pitchFamily="18" charset="0"/>
+              </a:rPr>
+              <a:t>Use all training data to compute covariance matrix and mean</a:t>
+            </a:r>
+            <a:endParaRPr lang="ko-KR" altLang="en-US" dirty="0">
+              <a:latin typeface="Georgia" panose="02040502050405020303" pitchFamily="18" charset="0"/>
+            </a:endParaRPr>
           </a:p>
         </p:txBody>
       </p:sp>
-      <p:pic>
-        <p:nvPicPr>
-          <p:cNvPr id="4" name="그림 3">
-            <a:extLst>
-              <a:ext uri="{FF2B5EF4-FFF2-40B4-BE49-F238E27FC236}">
-                <a16:creationId xmlns:a16="http://schemas.microsoft.com/office/drawing/2014/main" id="{D44C6481-ED90-4C56-B6A1-40A93D78C87C}"/>
-              </a:ext>
-            </a:extLst>
-          </p:cNvPr>
-          <p:cNvPicPr>
-            <a:picLocks noChangeAspect="1"/>
-          </p:cNvPicPr>
-          <p:nvPr/>
-        </p:nvPicPr>
-        <p:blipFill>
-          <a:blip r:embed="rId2"/>
-          <a:stretch>
-            <a:fillRect/>
-          </a:stretch>
-        </p:blipFill>
-        <p:spPr>
-          <a:xfrm>
-            <a:off x="5709690" y="5144348"/>
-            <a:ext cx="5856667" cy="816450"/>
-          </a:xfrm>
-          <a:prstGeom prst="rect">
-            <a:avLst/>
-          </a:prstGeom>
-        </p:spPr>
-      </p:pic>
-      <mc:AlternateContent xmlns:mc="http://schemas.openxmlformats.org/markup-compatibility/2006">
-        <mc:Choice xmlns:a14="http://schemas.microsoft.com/office/drawing/2010/main" Requires="a14">
-          <p:sp>
-            <p:nvSpPr>
-              <p:cNvPr id="6" name="내용 개체 틀 2">
-                <a:extLst>
-                  <a:ext uri="{FF2B5EF4-FFF2-40B4-BE49-F238E27FC236}">
-                    <a16:creationId xmlns:a16="http://schemas.microsoft.com/office/drawing/2014/main" id="{30029AAD-8E8B-4222-9628-06EDE3155E8A}"/>
-                  </a:ext>
-                </a:extLst>
-              </p:cNvPr>
-              <p:cNvSpPr txBox="1">
-                <a:spLocks/>
-              </p:cNvSpPr>
-              <p:nvPr/>
-            </p:nvSpPr>
-            <p:spPr>
-              <a:xfrm>
-                <a:off x="838200" y="4739593"/>
-                <a:ext cx="4718801" cy="1985210"/>
-              </a:xfrm>
-              <a:prstGeom prst="rect">
-                <a:avLst/>
-              </a:prstGeom>
-            </p:spPr>
-            <p:txBody>
-              <a:bodyPr vert="horz" lIns="91440" tIns="45720" rIns="91440" bIns="45720" rtlCol="0">
-                <a:noAutofit/>
-              </a:bodyPr>
-              <a:lstStyle>
-                <a:lvl1pPr marL="228600" indent="-228600" algn="l" defTabSz="914400" rtl="0" eaLnBrk="1" latinLnBrk="1" hangingPunct="1">
-                  <a:lnSpc>
-                    <a:spcPct val="90000"/>
-                  </a:lnSpc>
-                  <a:spcBef>
-                    <a:spcPts val="1000"/>
-                  </a:spcBef>
-                  <a:buFont typeface="Arial" panose="020B0604020202020204" pitchFamily="34" charset="0"/>
-                  <a:buChar char="•"/>
-                  <a:defRPr sz="2800" kern="1200">
-                    <a:solidFill>
-                      <a:schemeClr val="tx1"/>
-                    </a:solidFill>
-                    <a:latin typeface="+mn-lt"/>
-                    <a:ea typeface="+mn-ea"/>
-                    <a:cs typeface="+mn-cs"/>
-                  </a:defRPr>
-                </a:lvl1pPr>
-                <a:lvl2pPr marL="685800" indent="-228600" algn="l" defTabSz="914400" rtl="0" eaLnBrk="1" latinLnBrk="1" hangingPunct="1">
-                  <a:lnSpc>
-                    <a:spcPct val="90000"/>
-                  </a:lnSpc>
-                  <a:spcBef>
-                    <a:spcPts val="500"/>
-                  </a:spcBef>
-                  <a:buFont typeface="Arial" panose="020B0604020202020204" pitchFamily="34" charset="0"/>
-                  <a:buChar char="•"/>
-                  <a:defRPr sz="2400" kern="1200">
-                    <a:solidFill>
-                      <a:schemeClr val="tx1"/>
-                    </a:solidFill>
-                    <a:latin typeface="+mn-lt"/>
-                    <a:ea typeface="+mn-ea"/>
-                    <a:cs typeface="+mn-cs"/>
-                  </a:defRPr>
-                </a:lvl2pPr>
-                <a:lvl3pPr marL="1143000" indent="-228600" algn="l" defTabSz="914400" rtl="0" eaLnBrk="1" latinLnBrk="1" hangingPunct="1">
-                  <a:lnSpc>
-                    <a:spcPct val="90000"/>
-                  </a:lnSpc>
-                  <a:spcBef>
-                    <a:spcPts val="500"/>
-                  </a:spcBef>
-                  <a:buFont typeface="Arial" panose="020B0604020202020204" pitchFamily="34" charset="0"/>
-                  <a:buChar char="•"/>
-                  <a:defRPr sz="2000" kern="1200">
-                    <a:solidFill>
-                      <a:schemeClr val="tx1"/>
-                    </a:solidFill>
-                    <a:latin typeface="+mn-lt"/>
-                    <a:ea typeface="+mn-ea"/>
-                    <a:cs typeface="+mn-cs"/>
-                  </a:defRPr>
-                </a:lvl3pPr>
-                <a:lvl4pPr marL="1600200" indent="-228600" algn="l" defTabSz="914400" rtl="0" eaLnBrk="1" latinLnBrk="1" hangingPunct="1">
-                  <a:lnSpc>
-                    <a:spcPct val="90000"/>
-                  </a:lnSpc>
-                  <a:spcBef>
-                    <a:spcPts val="500"/>
-                  </a:spcBef>
-                  <a:buFont typeface="Arial" panose="020B0604020202020204" pitchFamily="34" charset="0"/>
-                  <a:buChar char="•"/>
-                  <a:defRPr sz="1800" kern="1200">
-                    <a:solidFill>
-                      <a:schemeClr val="tx1"/>
-                    </a:solidFill>
-                    <a:latin typeface="+mn-lt"/>
-                    <a:ea typeface="+mn-ea"/>
-                    <a:cs typeface="+mn-cs"/>
-                  </a:defRPr>
-                </a:lvl4pPr>
-                <a:lvl5pPr marL="2057400" indent="-228600" algn="l" defTabSz="914400" rtl="0" eaLnBrk="1" latinLnBrk="1" hangingPunct="1">
-                  <a:lnSpc>
-                    <a:spcPct val="90000"/>
-                  </a:lnSpc>
-                  <a:spcBef>
-                    <a:spcPts val="500"/>
-                  </a:spcBef>
-                  <a:buFont typeface="Arial" panose="020B0604020202020204" pitchFamily="34" charset="0"/>
-                  <a:buChar char="•"/>
-                  <a:defRPr sz="1800" kern="1200">
-                    <a:solidFill>
-                      <a:schemeClr val="tx1"/>
-                    </a:solidFill>
-                    <a:latin typeface="+mn-lt"/>
-                    <a:ea typeface="+mn-ea"/>
-                    <a:cs typeface="+mn-cs"/>
-                  </a:defRPr>
-                </a:lvl5pPr>
-                <a:lvl6pPr marL="2514600" indent="-228600" algn="l" defTabSz="914400" rtl="0" eaLnBrk="1" latinLnBrk="1" hangingPunct="1">
-                  <a:lnSpc>
-                    <a:spcPct val="90000"/>
-                  </a:lnSpc>
-                  <a:spcBef>
-                    <a:spcPts val="500"/>
-                  </a:spcBef>
-                  <a:buFont typeface="Arial" panose="020B0604020202020204" pitchFamily="34" charset="0"/>
-                  <a:buChar char="•"/>
-                  <a:defRPr sz="1800" kern="1200">
-                    <a:solidFill>
-                      <a:schemeClr val="tx1"/>
-                    </a:solidFill>
-                    <a:latin typeface="+mn-lt"/>
-                    <a:ea typeface="+mn-ea"/>
-                    <a:cs typeface="+mn-cs"/>
-                  </a:defRPr>
-                </a:lvl6pPr>
-                <a:lvl7pPr marL="2971800" indent="-228600" algn="l" defTabSz="914400" rtl="0" eaLnBrk="1" latinLnBrk="1" hangingPunct="1">
-                  <a:lnSpc>
-                    <a:spcPct val="90000"/>
-                  </a:lnSpc>
-                  <a:spcBef>
-                    <a:spcPts val="500"/>
-                  </a:spcBef>
-                  <a:buFont typeface="Arial" panose="020B0604020202020204" pitchFamily="34" charset="0"/>
-                  <a:buChar char="•"/>
-                  <a:defRPr sz="1800" kern="1200">
-                    <a:solidFill>
-                      <a:schemeClr val="tx1"/>
-                    </a:solidFill>
-                    <a:latin typeface="+mn-lt"/>
-                    <a:ea typeface="+mn-ea"/>
-                    <a:cs typeface="+mn-cs"/>
-                  </a:defRPr>
-                </a:lvl7pPr>
-                <a:lvl8pPr marL="3429000" indent="-228600" algn="l" defTabSz="914400" rtl="0" eaLnBrk="1" latinLnBrk="1" hangingPunct="1">
-                  <a:lnSpc>
-                    <a:spcPct val="90000"/>
-                  </a:lnSpc>
-                  <a:spcBef>
-                    <a:spcPts val="500"/>
-                  </a:spcBef>
-                  <a:buFont typeface="Arial" panose="020B0604020202020204" pitchFamily="34" charset="0"/>
-                  <a:buChar char="•"/>
-                  <a:defRPr sz="1800" kern="1200">
-                    <a:solidFill>
-                      <a:schemeClr val="tx1"/>
-                    </a:solidFill>
-                    <a:latin typeface="+mn-lt"/>
-                    <a:ea typeface="+mn-ea"/>
-                    <a:cs typeface="+mn-cs"/>
-                  </a:defRPr>
-                </a:lvl8pPr>
-                <a:lvl9pPr marL="3886200" indent="-228600" algn="l" defTabSz="914400" rtl="0" eaLnBrk="1" latinLnBrk="1" hangingPunct="1">
-                  <a:lnSpc>
-                    <a:spcPct val="90000"/>
-                  </a:lnSpc>
-                  <a:spcBef>
-                    <a:spcPts val="500"/>
-                  </a:spcBef>
-                  <a:buFont typeface="Arial" panose="020B0604020202020204" pitchFamily="34" charset="0"/>
-                  <a:buChar char="•"/>
-                  <a:defRPr sz="1800" kern="1200">
-                    <a:solidFill>
-                      <a:schemeClr val="tx1"/>
-                    </a:solidFill>
-                    <a:latin typeface="+mn-lt"/>
-                    <a:ea typeface="+mn-ea"/>
-                    <a:cs typeface="+mn-cs"/>
-                  </a:defRPr>
-                </a:lvl9pPr>
-              </a:lstStyle>
-              <a:p>
-                <a:pPr marL="0" indent="0">
-                  <a:buNone/>
-                </a:pPr>
-                <a14:m>
-                  <m:oMathPara xmlns:m="http://schemas.openxmlformats.org/officeDocument/2006/math">
-                    <m:oMathParaPr>
-                      <m:jc m:val="left"/>
-                    </m:oMathParaPr>
-                    <m:oMath xmlns:m="http://schemas.openxmlformats.org/officeDocument/2006/math">
-                      <m:sSub>
-                        <m:sSubPr>
-                          <m:ctrlPr>
-                            <a:rPr lang="en-US" altLang="ko-KR" sz="1200" i="1" smtClean="0">
-                              <a:latin typeface="Cambria Math" panose="02040503050406030204" pitchFamily="18" charset="0"/>
-                            </a:rPr>
-                          </m:ctrlPr>
-                        </m:sSubPr>
-                        <m:e>
-                          <m:r>
-                            <a:rPr lang="en-US" altLang="ko-KR" sz="1200" b="0" i="1" smtClean="0">
-                              <a:latin typeface="Cambria Math" panose="02040503050406030204" pitchFamily="18" charset="0"/>
-                            </a:rPr>
-                            <m:t>𝑥</m:t>
-                          </m:r>
-                        </m:e>
-                        <m:sub>
-                          <m:r>
-                            <a:rPr lang="en-US" altLang="ko-KR" sz="1200" i="1">
-                              <a:latin typeface="Cambria Math" panose="02040503050406030204" pitchFamily="18" charset="0"/>
-                            </a:rPr>
-                            <m:t>𝑖𝑗</m:t>
-                          </m:r>
-                        </m:sub>
-                      </m:sSub>
-                      <m:r>
-                        <a:rPr lang="en-US" altLang="ko-KR" sz="1200" i="1">
-                          <a:latin typeface="Cambria Math" panose="02040503050406030204" pitchFamily="18" charset="0"/>
-                        </a:rPr>
-                        <m:t>:</m:t>
-                      </m:r>
-                      <m:r>
-                        <a:rPr lang="en-US" altLang="ko-KR" sz="1200" i="1">
-                          <a:latin typeface="Cambria Math" panose="02040503050406030204" pitchFamily="18" charset="0"/>
-                        </a:rPr>
-                        <m:t>𝑇h𝑒</m:t>
-                      </m:r>
-                      <m:r>
-                        <a:rPr lang="en-US" altLang="ko-KR" sz="1200" i="1">
-                          <a:latin typeface="Cambria Math" panose="02040503050406030204" pitchFamily="18" charset="0"/>
-                        </a:rPr>
-                        <m:t> </m:t>
-                      </m:r>
-                      <m:r>
-                        <a:rPr lang="en-US" altLang="ko-KR" sz="1200" i="1">
-                          <a:latin typeface="Cambria Math" panose="02040503050406030204" pitchFamily="18" charset="0"/>
-                        </a:rPr>
-                        <m:t>𝑝𝑎𝑡𝑐h</m:t>
-                      </m:r>
-                      <m:r>
-                        <a:rPr lang="en-US" altLang="ko-KR" sz="1200" i="1">
-                          <a:latin typeface="Cambria Math" panose="02040503050406030204" pitchFamily="18" charset="0"/>
-                        </a:rPr>
-                        <m:t> </m:t>
-                      </m:r>
-                      <m:r>
-                        <a:rPr lang="en-US" altLang="ko-KR" sz="1200" i="1">
-                          <a:latin typeface="Cambria Math" panose="02040503050406030204" pitchFamily="18" charset="0"/>
-                        </a:rPr>
-                        <m:t>𝑒𝑚𝑏𝑒𝑑𝑑𝑖𝑛𝑔</m:t>
-                      </m:r>
-                      <m:r>
-                        <a:rPr lang="en-US" altLang="ko-KR" sz="1200" i="1">
-                          <a:latin typeface="Cambria Math" panose="02040503050406030204" pitchFamily="18" charset="0"/>
-                        </a:rPr>
-                        <m:t> </m:t>
-                      </m:r>
-                      <m:r>
-                        <a:rPr lang="en-US" altLang="ko-KR" sz="1200" i="1">
-                          <a:latin typeface="Cambria Math" panose="02040503050406030204" pitchFamily="18" charset="0"/>
-                        </a:rPr>
-                        <m:t>𝑣𝑒𝑐𝑡𝑜𝑟</m:t>
-                      </m:r>
-                      <m:r>
-                        <a:rPr lang="en-US" altLang="ko-KR" sz="1200" i="1">
-                          <a:latin typeface="Cambria Math" panose="02040503050406030204" pitchFamily="18" charset="0"/>
-                        </a:rPr>
-                        <m:t> </m:t>
-                      </m:r>
-                      <m:r>
-                        <a:rPr lang="en-US" altLang="ko-KR" sz="1200" i="1">
-                          <a:latin typeface="Cambria Math" panose="02040503050406030204" pitchFamily="18" charset="0"/>
-                        </a:rPr>
-                        <m:t>𝑐𝑜𝑟𝑟𝑒𝑠𝑝𝑜𝑛𝑑𝑖𝑛𝑔</m:t>
-                      </m:r>
-                      <m:r>
-                        <a:rPr lang="en-US" altLang="ko-KR" sz="1200" i="1">
-                          <a:latin typeface="Cambria Math" panose="02040503050406030204" pitchFamily="18" charset="0"/>
-                        </a:rPr>
-                        <m:t> </m:t>
-                      </m:r>
-                      <m:r>
-                        <a:rPr lang="en-US" altLang="ko-KR" sz="1200" i="1">
-                          <a:latin typeface="Cambria Math" panose="02040503050406030204" pitchFamily="18" charset="0"/>
-                        </a:rPr>
-                        <m:t>𝑡𝑜</m:t>
-                      </m:r>
-                      <m:r>
-                        <a:rPr lang="en-US" altLang="ko-KR" sz="1200" i="1">
-                          <a:latin typeface="Cambria Math" panose="02040503050406030204" pitchFamily="18" charset="0"/>
-                        </a:rPr>
-                        <m:t> </m:t>
-                      </m:r>
-                      <m:r>
-                        <a:rPr lang="en-US" altLang="ko-KR" sz="1200" i="1">
-                          <a:latin typeface="Cambria Math" panose="02040503050406030204" pitchFamily="18" charset="0"/>
-                        </a:rPr>
-                        <m:t>𝑝𝑜𝑠𝑖𝑡𝑖𝑜𝑛</m:t>
-                      </m:r>
-                      <m:r>
-                        <a:rPr lang="en-US" altLang="ko-KR" sz="1200" i="1">
-                          <a:latin typeface="Cambria Math" panose="02040503050406030204" pitchFamily="18" charset="0"/>
-                        </a:rPr>
-                        <m:t> </m:t>
-                      </m:r>
-                      <m:d>
-                        <m:dPr>
-                          <m:ctrlPr>
-                            <a:rPr lang="en-US" altLang="ko-KR" sz="1200" i="1">
-                              <a:latin typeface="Cambria Math" panose="02040503050406030204" pitchFamily="18" charset="0"/>
-                            </a:rPr>
-                          </m:ctrlPr>
-                        </m:dPr>
-                        <m:e>
-                          <m:r>
-                            <a:rPr lang="en-US" altLang="ko-KR" sz="1200" i="1">
-                              <a:latin typeface="Cambria Math" panose="02040503050406030204" pitchFamily="18" charset="0"/>
-                            </a:rPr>
-                            <m:t>𝑖</m:t>
-                          </m:r>
-                          <m:r>
-                            <a:rPr lang="en-US" altLang="ko-KR" sz="1200" i="1">
-                              <a:latin typeface="Cambria Math" panose="02040503050406030204" pitchFamily="18" charset="0"/>
-                            </a:rPr>
-                            <m:t>, </m:t>
-                          </m:r>
-                          <m:r>
-                            <a:rPr lang="en-US" altLang="ko-KR" sz="1200" i="1">
-                              <a:latin typeface="Cambria Math" panose="02040503050406030204" pitchFamily="18" charset="0"/>
-                            </a:rPr>
-                            <m:t>𝑗</m:t>
-                          </m:r>
-                        </m:e>
-                      </m:d>
-                    </m:oMath>
-                  </m:oMathPara>
-                </a14:m>
-                <a:endParaRPr lang="en-US" altLang="ko-KR" sz="1200" i="1" dirty="0">
-                  <a:latin typeface="Cambria Math" panose="02040503050406030204" pitchFamily="18" charset="0"/>
-                </a:endParaRPr>
-              </a:p>
-              <a:p>
-                <a:pPr marL="0" indent="0">
-                  <a:buNone/>
-                </a:pPr>
-                <a14:m>
-                  <m:oMath xmlns:m="http://schemas.openxmlformats.org/officeDocument/2006/math">
-                    <m:sSub>
-                      <m:sSubPr>
-                        <m:ctrlPr>
-                          <a:rPr lang="en-US" altLang="ko-KR" sz="1200" i="1" smtClean="0">
-                            <a:latin typeface="Cambria Math" panose="02040503050406030204" pitchFamily="18" charset="0"/>
-                          </a:rPr>
-                        </m:ctrlPr>
-                      </m:sSubPr>
-                      <m:e>
-                        <m:r>
-                          <a:rPr lang="ko-KR" altLang="en-US" sz="1200" i="1" smtClean="0">
-                            <a:latin typeface="Cambria Math" panose="02040503050406030204" pitchFamily="18" charset="0"/>
-                          </a:rPr>
-                          <m:t>𝜇</m:t>
-                        </m:r>
-                      </m:e>
-                      <m:sub>
-                        <m:r>
-                          <a:rPr lang="en-US" altLang="ko-KR" sz="1200" b="0" i="1" smtClean="0">
-                            <a:latin typeface="Cambria Math" panose="02040503050406030204" pitchFamily="18" charset="0"/>
-                          </a:rPr>
-                          <m:t>𝑖𝑗</m:t>
-                        </m:r>
-                      </m:sub>
-                    </m:sSub>
-                    <m:r>
-                      <a:rPr lang="en-US" altLang="ko-KR" sz="1200" i="1">
-                        <a:latin typeface="Cambria Math" panose="02040503050406030204" pitchFamily="18" charset="0"/>
-                      </a:rPr>
-                      <m:t>:</m:t>
-                    </m:r>
-                    <m:r>
-                      <a:rPr lang="en-US" altLang="ko-KR" sz="1200" b="0" i="1" smtClean="0">
-                        <a:latin typeface="Cambria Math" panose="02040503050406030204" pitchFamily="18" charset="0"/>
-                      </a:rPr>
-                      <m:t>𝑇h𝑒</m:t>
-                    </m:r>
-                    <m:r>
-                      <a:rPr lang="en-US" altLang="ko-KR" sz="1200" b="0" i="1" smtClean="0">
-                        <a:latin typeface="Cambria Math" panose="02040503050406030204" pitchFamily="18" charset="0"/>
-                      </a:rPr>
-                      <m:t> </m:t>
-                    </m:r>
-                    <m:r>
-                      <a:rPr lang="en-US" altLang="ko-KR" sz="1200" b="0" i="1" smtClean="0">
-                        <a:latin typeface="Cambria Math" panose="02040503050406030204" pitchFamily="18" charset="0"/>
-                      </a:rPr>
-                      <m:t>𝑚𝑒𝑎𝑛</m:t>
-                    </m:r>
-                    <m:r>
-                      <a:rPr lang="en-US" altLang="ko-KR" sz="1200" b="0" i="1" smtClean="0">
-                        <a:latin typeface="Cambria Math" panose="02040503050406030204" pitchFamily="18" charset="0"/>
-                      </a:rPr>
-                      <m:t> </m:t>
-                    </m:r>
-                    <m:r>
-                      <a:rPr lang="en-US" altLang="ko-KR" sz="1200" b="0" i="1" smtClean="0">
-                        <a:latin typeface="Cambria Math" panose="02040503050406030204" pitchFamily="18" charset="0"/>
-                      </a:rPr>
-                      <m:t>𝑜𝑓</m:t>
-                    </m:r>
-                    <m:r>
-                      <a:rPr lang="en-US" altLang="ko-KR" sz="1200" b="0" i="1" smtClean="0">
-                        <a:latin typeface="Cambria Math" panose="02040503050406030204" pitchFamily="18" charset="0"/>
-                      </a:rPr>
-                      <m:t> </m:t>
-                    </m:r>
-                    <m:sSub>
-                      <m:sSubPr>
-                        <m:ctrlPr>
-                          <a:rPr lang="en-US" altLang="ko-KR" sz="1200" b="0" i="1" smtClean="0">
-                            <a:latin typeface="Cambria Math" panose="02040503050406030204" pitchFamily="18" charset="0"/>
-                          </a:rPr>
-                        </m:ctrlPr>
-                      </m:sSubPr>
-                      <m:e>
-                        <m:r>
-                          <a:rPr lang="en-US" altLang="ko-KR" sz="1200" b="0" i="1" smtClean="0">
-                            <a:latin typeface="Cambria Math" panose="02040503050406030204" pitchFamily="18" charset="0"/>
-                          </a:rPr>
-                          <m:t>𝑋</m:t>
-                        </m:r>
-                      </m:e>
-                      <m:sub>
-                        <m:r>
-                          <a:rPr lang="en-US" altLang="ko-KR" sz="1200" b="0" i="1" smtClean="0">
-                            <a:latin typeface="Cambria Math" panose="02040503050406030204" pitchFamily="18" charset="0"/>
-                          </a:rPr>
-                          <m:t>𝑖𝑗</m:t>
-                        </m:r>
-                      </m:sub>
-                    </m:sSub>
-                    <m:r>
-                      <a:rPr lang="en-US" altLang="ko-KR" sz="1200" i="1">
-                        <a:latin typeface="Cambria Math" panose="02040503050406030204" pitchFamily="18" charset="0"/>
-                      </a:rPr>
-                      <m:t>, </m:t>
-                    </m:r>
-                    <m:r>
-                      <a:rPr lang="en-US" altLang="ko-KR" sz="1200" i="1">
-                        <a:latin typeface="Cambria Math" panose="02040503050406030204" pitchFamily="18" charset="0"/>
-                      </a:rPr>
-                      <m:t>𝑤h𝑖𝑐h</m:t>
-                    </m:r>
-                    <m:r>
-                      <a:rPr lang="en-US" altLang="ko-KR" sz="1200" i="1">
-                        <a:latin typeface="Cambria Math" panose="02040503050406030204" pitchFamily="18" charset="0"/>
-                      </a:rPr>
-                      <m:t> </m:t>
-                    </m:r>
-                    <m:r>
-                      <a:rPr lang="en-US" altLang="ko-KR" sz="1200" i="1">
-                        <a:latin typeface="Cambria Math" panose="02040503050406030204" pitchFamily="18" charset="0"/>
-                      </a:rPr>
-                      <m:t>𝑖𝑠</m:t>
-                    </m:r>
-                    <m:r>
-                      <a:rPr lang="en-US" altLang="ko-KR" sz="1200" i="1">
-                        <a:latin typeface="Cambria Math" panose="02040503050406030204" pitchFamily="18" charset="0"/>
-                      </a:rPr>
-                      <m:t> </m:t>
-                    </m:r>
-                    <m:r>
-                      <a:rPr lang="en-US" altLang="ko-KR" sz="1200" i="1">
-                        <a:latin typeface="Cambria Math" panose="02040503050406030204" pitchFamily="18" charset="0"/>
-                      </a:rPr>
-                      <m:t>𝑡h𝑒</m:t>
-                    </m:r>
-                    <m:r>
-                      <a:rPr lang="en-US" altLang="ko-KR" sz="1200" i="1">
-                        <a:latin typeface="Cambria Math" panose="02040503050406030204" pitchFamily="18" charset="0"/>
-                      </a:rPr>
-                      <m:t> </m:t>
-                    </m:r>
-                    <m:r>
-                      <a:rPr lang="en-US" altLang="ko-KR" sz="1200" i="1">
-                        <a:latin typeface="Cambria Math" panose="02040503050406030204" pitchFamily="18" charset="0"/>
-                      </a:rPr>
-                      <m:t>𝑎𝑣𝑒𝑟𝑎𝑔𝑒</m:t>
-                    </m:r>
-                    <m:r>
-                      <a:rPr lang="en-US" altLang="ko-KR" sz="1200" i="1">
-                        <a:latin typeface="Cambria Math" panose="02040503050406030204" pitchFamily="18" charset="0"/>
-                      </a:rPr>
-                      <m:t> </m:t>
-                    </m:r>
-                    <m:r>
-                      <a:rPr lang="en-US" altLang="ko-KR" sz="1200" i="1">
-                        <a:latin typeface="Cambria Math" panose="02040503050406030204" pitchFamily="18" charset="0"/>
-                      </a:rPr>
-                      <m:t>𝑜𝑓</m:t>
-                    </m:r>
-                    <m:r>
-                      <a:rPr lang="en-US" altLang="ko-KR" sz="1200" i="1">
-                        <a:latin typeface="Cambria Math" panose="02040503050406030204" pitchFamily="18" charset="0"/>
-                      </a:rPr>
-                      <m:t> </m:t>
-                    </m:r>
-                    <m:r>
-                      <a:rPr lang="en-US" altLang="ko-KR" sz="1200" i="1">
-                        <a:latin typeface="Cambria Math" panose="02040503050406030204" pitchFamily="18" charset="0"/>
-                      </a:rPr>
-                      <m:t>𝑡h𝑒</m:t>
-                    </m:r>
-                    <m:r>
-                      <a:rPr lang="en-US" altLang="ko-KR" sz="1200" i="1">
-                        <a:latin typeface="Cambria Math" panose="02040503050406030204" pitchFamily="18" charset="0"/>
-                      </a:rPr>
-                      <m:t> </m:t>
-                    </m:r>
-                    <m:r>
-                      <a:rPr lang="en-US" altLang="ko-KR" sz="1200" i="1">
-                        <a:latin typeface="Cambria Math" panose="02040503050406030204" pitchFamily="18" charset="0"/>
-                      </a:rPr>
-                      <m:t>𝑒𝑚𝑏𝑒𝑑𝑑𝑖𝑛𝑔</m:t>
-                    </m:r>
-                    <m:r>
-                      <a:rPr lang="en-US" altLang="ko-KR" sz="1200" i="1">
-                        <a:latin typeface="Cambria Math" panose="02040503050406030204" pitchFamily="18" charset="0"/>
-                      </a:rPr>
-                      <m:t> </m:t>
-                    </m:r>
-                    <m:r>
-                      <a:rPr lang="en-US" altLang="ko-KR" sz="1200" i="1">
-                        <a:latin typeface="Cambria Math" panose="02040503050406030204" pitchFamily="18" charset="0"/>
-                      </a:rPr>
-                      <m:t>𝑣𝑒𝑐𝑡𝑜𝑟𝑠</m:t>
-                    </m:r>
-                  </m:oMath>
-                </a14:m>
-                <a:r>
-                  <a:rPr lang="en-US" altLang="ko-KR" sz="1200" i="1" dirty="0">
-                    <a:latin typeface="Cambria Math" panose="02040503050406030204" pitchFamily="18" charset="0"/>
-                  </a:rPr>
-                  <a:t> </a:t>
-                </a:r>
-                <a14:m>
-                  <m:oMath xmlns:m="http://schemas.openxmlformats.org/officeDocument/2006/math">
-                    <m:r>
-                      <a:rPr lang="en-US" altLang="ko-KR" sz="1200" i="1">
-                        <a:latin typeface="Cambria Math" panose="02040503050406030204" pitchFamily="18" charset="0"/>
-                      </a:rPr>
-                      <m:t>𝑓𝑜𝑟</m:t>
-                    </m:r>
-                    <m:r>
-                      <a:rPr lang="en-US" altLang="ko-KR" sz="1200" i="1">
-                        <a:latin typeface="Cambria Math" panose="02040503050406030204" pitchFamily="18" charset="0"/>
-                      </a:rPr>
-                      <m:t> </m:t>
-                    </m:r>
-                    <m:r>
-                      <a:rPr lang="en-US" altLang="ko-KR" sz="1200" i="1">
-                        <a:latin typeface="Cambria Math" panose="02040503050406030204" pitchFamily="18" charset="0"/>
-                      </a:rPr>
-                      <m:t>𝑎𝑙𝑙</m:t>
-                    </m:r>
-                    <m:r>
-                      <a:rPr lang="en-US" altLang="ko-KR" sz="1200" i="1">
-                        <a:latin typeface="Cambria Math" panose="02040503050406030204" pitchFamily="18" charset="0"/>
-                      </a:rPr>
-                      <m:t> </m:t>
-                    </m:r>
-                    <m:r>
-                      <a:rPr lang="en-US" altLang="ko-KR" sz="1200" i="1">
-                        <a:latin typeface="Cambria Math" panose="02040503050406030204" pitchFamily="18" charset="0"/>
-                      </a:rPr>
-                      <m:t>𝑡𝑟𝑎𝑖𝑛𝑖𝑛𝑔</m:t>
-                    </m:r>
-                    <m:r>
-                      <a:rPr lang="en-US" altLang="ko-KR" sz="1200" i="1">
-                        <a:latin typeface="Cambria Math" panose="02040503050406030204" pitchFamily="18" charset="0"/>
-                      </a:rPr>
-                      <m:t> </m:t>
-                    </m:r>
-                    <m:r>
-                      <a:rPr lang="en-US" altLang="ko-KR" sz="1200" i="1">
-                        <a:latin typeface="Cambria Math" panose="02040503050406030204" pitchFamily="18" charset="0"/>
-                      </a:rPr>
-                      <m:t>𝑖𝑚𝑎𝑔𝑒𝑠</m:t>
-                    </m:r>
-                    <m:r>
-                      <a:rPr lang="en-US" altLang="ko-KR" sz="1200" i="1">
-                        <a:latin typeface="Cambria Math" panose="02040503050406030204" pitchFamily="18" charset="0"/>
-                      </a:rPr>
-                      <m:t> </m:t>
-                    </m:r>
-                    <m:r>
-                      <a:rPr lang="en-US" altLang="ko-KR" sz="1200" i="1">
-                        <a:latin typeface="Cambria Math" panose="02040503050406030204" pitchFamily="18" charset="0"/>
-                      </a:rPr>
-                      <m:t>𝑎𝑡</m:t>
-                    </m:r>
-                    <m:r>
-                      <a:rPr lang="en-US" altLang="ko-KR" sz="1200" i="1">
-                        <a:latin typeface="Cambria Math" panose="02040503050406030204" pitchFamily="18" charset="0"/>
-                      </a:rPr>
-                      <m:t> </m:t>
-                    </m:r>
-                    <m:r>
-                      <a:rPr lang="en-US" altLang="ko-KR" sz="1200" i="1">
-                        <a:latin typeface="Cambria Math" panose="02040503050406030204" pitchFamily="18" charset="0"/>
-                      </a:rPr>
-                      <m:t>𝑝𝑜𝑠𝑖𝑡𝑖𝑜𝑛</m:t>
-                    </m:r>
-                    <m:r>
-                      <a:rPr lang="en-US" altLang="ko-KR" sz="1200" i="1">
-                        <a:latin typeface="Cambria Math" panose="02040503050406030204" pitchFamily="18" charset="0"/>
-                      </a:rPr>
-                      <m:t> </m:t>
-                    </m:r>
-                    <m:d>
-                      <m:dPr>
-                        <m:ctrlPr>
-                          <a:rPr lang="en-US" altLang="ko-KR" sz="1200" i="1">
-                            <a:latin typeface="Cambria Math" panose="02040503050406030204" pitchFamily="18" charset="0"/>
-                          </a:rPr>
-                        </m:ctrlPr>
-                      </m:dPr>
-                      <m:e>
-                        <m:r>
-                          <a:rPr lang="en-US" altLang="ko-KR" sz="1200" i="1">
-                            <a:latin typeface="Cambria Math" panose="02040503050406030204" pitchFamily="18" charset="0"/>
-                          </a:rPr>
-                          <m:t>𝑖</m:t>
-                        </m:r>
-                        <m:r>
-                          <a:rPr lang="en-US" altLang="ko-KR" sz="1200" i="1">
-                            <a:latin typeface="Cambria Math" panose="02040503050406030204" pitchFamily="18" charset="0"/>
-                          </a:rPr>
-                          <m:t>, </m:t>
-                        </m:r>
-                        <m:r>
-                          <a:rPr lang="en-US" altLang="ko-KR" sz="1200" i="1">
-                            <a:latin typeface="Cambria Math" panose="02040503050406030204" pitchFamily="18" charset="0"/>
-                          </a:rPr>
-                          <m:t>𝑗</m:t>
-                        </m:r>
-                      </m:e>
-                    </m:d>
-                    <m:r>
-                      <a:rPr lang="en-US" altLang="ko-KR" sz="1200" i="1">
-                        <a:latin typeface="Cambria Math" panose="02040503050406030204" pitchFamily="18" charset="0"/>
-                      </a:rPr>
-                      <m:t>.</m:t>
-                    </m:r>
-                  </m:oMath>
-                </a14:m>
-                <a:r>
-                  <a:rPr lang="en-US" altLang="ko-KR" sz="1200" i="1" dirty="0">
-                    <a:latin typeface="Cambria Math" panose="02040503050406030204" pitchFamily="18" charset="0"/>
-                  </a:rPr>
-                  <a:t>  </a:t>
-                </a:r>
-              </a:p>
-              <a:p>
-                <a:pPr marL="0" indent="0">
-                  <a:buNone/>
-                </a:pPr>
-                <a14:m>
-                  <m:oMath xmlns:m="http://schemas.openxmlformats.org/officeDocument/2006/math">
-                    <m:sSub>
-                      <m:sSubPr>
-                        <m:ctrlPr>
-                          <a:rPr lang="en-US" altLang="ko-KR" sz="1200" i="1" smtClean="0">
-                            <a:latin typeface="Cambria Math" panose="02040503050406030204" pitchFamily="18" charset="0"/>
-                          </a:rPr>
-                        </m:ctrlPr>
-                      </m:sSubPr>
-                      <m:e>
-                        <m:r>
-                          <a:rPr lang="el-GR" altLang="ko-KR" sz="1200" i="1">
-                            <a:latin typeface="Cambria Math" panose="02040503050406030204" pitchFamily="18" charset="0"/>
-                          </a:rPr>
-                          <m:t>𝛴</m:t>
-                        </m:r>
-                      </m:e>
-                      <m:sub>
-                        <m:r>
-                          <a:rPr lang="en-US" altLang="ko-KR" sz="1200" b="0" i="1" smtClean="0">
-                            <a:latin typeface="Cambria Math" panose="02040503050406030204" pitchFamily="18" charset="0"/>
-                          </a:rPr>
-                          <m:t>𝑖𝑗</m:t>
-                        </m:r>
-                      </m:sub>
-                    </m:sSub>
-                    <m:r>
-                      <a:rPr lang="en-US" altLang="ko-KR" sz="1200" i="1">
-                        <a:latin typeface="Cambria Math" panose="02040503050406030204" pitchFamily="18" charset="0"/>
-                      </a:rPr>
-                      <m:t>:</m:t>
-                    </m:r>
-                    <m:r>
-                      <a:rPr lang="en-US" altLang="ko-KR" sz="1200" i="1">
-                        <a:latin typeface="Cambria Math" panose="02040503050406030204" pitchFamily="18" charset="0"/>
-                      </a:rPr>
-                      <m:t>𝑇h𝑒</m:t>
-                    </m:r>
-                    <m:r>
-                      <a:rPr lang="en-US" altLang="ko-KR" sz="1200" i="1">
-                        <a:latin typeface="Cambria Math" panose="02040503050406030204" pitchFamily="18" charset="0"/>
-                      </a:rPr>
-                      <m:t> </m:t>
-                    </m:r>
-                    <m:r>
-                      <a:rPr lang="en-US" altLang="ko-KR" sz="1200" i="1">
-                        <a:latin typeface="Cambria Math" panose="02040503050406030204" pitchFamily="18" charset="0"/>
-                      </a:rPr>
-                      <m:t>𝑐𝑜𝑣𝑎𝑟𝑖𝑎𝑛𝑐𝑒</m:t>
-                    </m:r>
-                    <m:r>
-                      <a:rPr lang="en-US" altLang="ko-KR" sz="1200" i="1">
-                        <a:latin typeface="Cambria Math" panose="02040503050406030204" pitchFamily="18" charset="0"/>
-                      </a:rPr>
-                      <m:t> </m:t>
-                    </m:r>
-                    <m:r>
-                      <a:rPr lang="en-US" altLang="ko-KR" sz="1200" i="1">
-                        <a:latin typeface="Cambria Math" panose="02040503050406030204" pitchFamily="18" charset="0"/>
-                      </a:rPr>
-                      <m:t>𝑚𝑎𝑡𝑟𝑖𝑥</m:t>
-                    </m:r>
-                    <m:r>
-                      <a:rPr lang="en-US" altLang="ko-KR" sz="1200" i="1">
-                        <a:latin typeface="Cambria Math" panose="02040503050406030204" pitchFamily="18" charset="0"/>
-                      </a:rPr>
-                      <m:t> </m:t>
-                    </m:r>
-                    <m:r>
-                      <a:rPr lang="en-US" altLang="ko-KR" sz="1200" i="1">
-                        <a:latin typeface="Cambria Math" panose="02040503050406030204" pitchFamily="18" charset="0"/>
-                      </a:rPr>
-                      <m:t>𝑜𝑓</m:t>
-                    </m:r>
-                  </m:oMath>
-                </a14:m>
-                <a:r>
-                  <a:rPr lang="en-US" altLang="ko-KR" sz="1200" i="1" dirty="0">
-                    <a:latin typeface="Cambria Math" panose="02040503050406030204" pitchFamily="18" charset="0"/>
-                  </a:rPr>
-                  <a:t> </a:t>
-                </a:r>
-                <a14:m>
-                  <m:oMath xmlns:m="http://schemas.openxmlformats.org/officeDocument/2006/math">
-                    <m:sSub>
-                      <m:sSubPr>
-                        <m:ctrlPr>
-                          <a:rPr lang="en-US" altLang="ko-KR" sz="1200" i="1">
-                            <a:latin typeface="Cambria Math" panose="02040503050406030204" pitchFamily="18" charset="0"/>
-                          </a:rPr>
-                        </m:ctrlPr>
-                      </m:sSubPr>
-                      <m:e>
-                        <m:r>
-                          <a:rPr lang="en-US" altLang="ko-KR" sz="1200" i="1">
-                            <a:latin typeface="Cambria Math" panose="02040503050406030204" pitchFamily="18" charset="0"/>
-                          </a:rPr>
-                          <m:t>𝑋</m:t>
-                        </m:r>
-                      </m:e>
-                      <m:sub>
-                        <m:r>
-                          <a:rPr lang="en-US" altLang="ko-KR" sz="1200" i="1">
-                            <a:latin typeface="Cambria Math" panose="02040503050406030204" pitchFamily="18" charset="0"/>
-                          </a:rPr>
-                          <m:t>𝑖𝑗</m:t>
-                        </m:r>
-                      </m:sub>
-                    </m:sSub>
-                  </m:oMath>
-                </a14:m>
-                <a:r>
-                  <a:rPr lang="en-US" altLang="ko-KR" sz="1200" i="1" dirty="0">
-                    <a:latin typeface="Cambria Math" panose="02040503050406030204" pitchFamily="18" charset="0"/>
-                  </a:rPr>
-                  <a:t>  </a:t>
-                </a:r>
-              </a:p>
-              <a:p>
-                <a:pPr marL="0" indent="0">
-                  <a:buNone/>
-                </a:pPr>
-                <a14:m>
-                  <m:oMath xmlns:m="http://schemas.openxmlformats.org/officeDocument/2006/math">
-                    <m:r>
-                      <a:rPr lang="en-US" altLang="ko-KR" sz="1200" i="1" smtClean="0">
-                        <a:latin typeface="Cambria Math" panose="02040503050406030204" pitchFamily="18" charset="0"/>
-                      </a:rPr>
-                      <m:t>𝑀</m:t>
-                    </m:r>
-                    <m:d>
-                      <m:dPr>
-                        <m:ctrlPr>
-                          <a:rPr lang="en-US" altLang="ko-KR" sz="1200" b="0" i="1" smtClean="0">
-                            <a:latin typeface="Cambria Math" panose="02040503050406030204" pitchFamily="18" charset="0"/>
-                          </a:rPr>
-                        </m:ctrlPr>
-                      </m:dPr>
-                      <m:e>
-                        <m:sSub>
-                          <m:sSubPr>
-                            <m:ctrlPr>
-                              <a:rPr lang="en-US" altLang="ko-KR" sz="1200" b="0" i="1" smtClean="0">
-                                <a:latin typeface="Cambria Math" panose="02040503050406030204" pitchFamily="18" charset="0"/>
-                              </a:rPr>
-                            </m:ctrlPr>
-                          </m:sSubPr>
-                          <m:e>
-                            <m:r>
-                              <a:rPr lang="en-US" altLang="ko-KR" sz="1200" b="0" i="1" smtClean="0">
-                                <a:latin typeface="Cambria Math" panose="02040503050406030204" pitchFamily="18" charset="0"/>
-                              </a:rPr>
-                              <m:t>𝑥</m:t>
-                            </m:r>
-                          </m:e>
-                          <m:sub>
-                            <m:r>
-                              <a:rPr lang="en-US" altLang="ko-KR" sz="1200" b="0" i="1" smtClean="0">
-                                <a:latin typeface="Cambria Math" panose="02040503050406030204" pitchFamily="18" charset="0"/>
-                              </a:rPr>
-                              <m:t>𝑖𝑗</m:t>
-                            </m:r>
-                          </m:sub>
-                        </m:sSub>
-                      </m:e>
-                    </m:d>
-                    <m:r>
-                      <a:rPr lang="en-US" altLang="ko-KR" sz="1200" i="1">
-                        <a:latin typeface="Cambria Math" panose="02040503050406030204" pitchFamily="18" charset="0"/>
-                      </a:rPr>
-                      <m:t>:</m:t>
-                    </m:r>
-                    <m:r>
-                      <a:rPr lang="en-US" altLang="ko-KR" sz="1200" i="1">
-                        <a:latin typeface="Cambria Math" panose="02040503050406030204" pitchFamily="18" charset="0"/>
-                      </a:rPr>
-                      <m:t>𝑇h𝑒</m:t>
-                    </m:r>
-                    <m:r>
-                      <a:rPr lang="en-US" altLang="ko-KR" sz="1200" i="1">
-                        <a:latin typeface="Cambria Math" panose="02040503050406030204" pitchFamily="18" charset="0"/>
-                      </a:rPr>
-                      <m:t> </m:t>
-                    </m:r>
-                    <m:r>
-                      <a:rPr lang="en-US" altLang="ko-KR" sz="1200" i="1">
-                        <a:latin typeface="Cambria Math" panose="02040503050406030204" pitchFamily="18" charset="0"/>
-                      </a:rPr>
-                      <m:t>𝑀𝑎h𝑎𝑙𝑎𝑛𝑜𝑏𝑖𝑠</m:t>
-                    </m:r>
-                    <m:r>
-                      <a:rPr lang="en-US" altLang="ko-KR" sz="1200" i="1">
-                        <a:latin typeface="Cambria Math" panose="02040503050406030204" pitchFamily="18" charset="0"/>
-                      </a:rPr>
-                      <m:t> </m:t>
-                    </m:r>
-                    <m:r>
-                      <a:rPr lang="en-US" altLang="ko-KR" sz="1200" i="1">
-                        <a:latin typeface="Cambria Math" panose="02040503050406030204" pitchFamily="18" charset="0"/>
-                      </a:rPr>
-                      <m:t>𝑑𝑖𝑠𝑡𝑎𝑛𝑐𝑒</m:t>
-                    </m:r>
-                    <m:r>
-                      <a:rPr lang="en-US" altLang="ko-KR" sz="1200" i="1">
-                        <a:latin typeface="Cambria Math" panose="02040503050406030204" pitchFamily="18" charset="0"/>
-                      </a:rPr>
-                      <m:t> </m:t>
-                    </m:r>
-                    <m:r>
-                      <a:rPr lang="en-US" altLang="ko-KR" sz="1200" i="1">
-                        <a:latin typeface="Cambria Math" panose="02040503050406030204" pitchFamily="18" charset="0"/>
-                      </a:rPr>
-                      <m:t>𝑓𝑜𝑟</m:t>
-                    </m:r>
-                    <m:r>
-                      <a:rPr lang="en-US" altLang="ko-KR" sz="1200" i="1">
-                        <a:latin typeface="Cambria Math" panose="02040503050406030204" pitchFamily="18" charset="0"/>
-                      </a:rPr>
-                      <m:t> </m:t>
-                    </m:r>
-                    <m:r>
-                      <a:rPr lang="en-US" altLang="ko-KR" sz="1200" i="1">
-                        <a:latin typeface="Cambria Math" panose="02040503050406030204" pitchFamily="18" charset="0"/>
-                      </a:rPr>
-                      <m:t>𝑡h𝑒</m:t>
-                    </m:r>
-                    <m:r>
-                      <a:rPr lang="en-US" altLang="ko-KR" sz="1200" i="1">
-                        <a:latin typeface="Cambria Math" panose="02040503050406030204" pitchFamily="18" charset="0"/>
-                      </a:rPr>
-                      <m:t> </m:t>
-                    </m:r>
-                    <m:r>
-                      <a:rPr lang="en-US" altLang="ko-KR" sz="1200" i="1">
-                        <a:latin typeface="Cambria Math" panose="02040503050406030204" pitchFamily="18" charset="0"/>
-                      </a:rPr>
-                      <m:t>𝑝𝑎𝑡𝑐h</m:t>
-                    </m:r>
-                    <m:r>
-                      <a:rPr lang="en-US" altLang="ko-KR" sz="1200" i="1">
-                        <a:latin typeface="Cambria Math" panose="02040503050406030204" pitchFamily="18" charset="0"/>
-                      </a:rPr>
-                      <m:t> </m:t>
-                    </m:r>
-                    <m:r>
-                      <a:rPr lang="en-US" altLang="ko-KR" sz="1200" i="1">
-                        <a:latin typeface="Cambria Math" panose="02040503050406030204" pitchFamily="18" charset="0"/>
-                      </a:rPr>
-                      <m:t>𝑒𝑚𝑏𝑒𝑑𝑑𝑖𝑛𝑔</m:t>
-                    </m:r>
-                    <m:r>
-                      <a:rPr lang="en-US" altLang="ko-KR" sz="1200" i="1">
-                        <a:latin typeface="Cambria Math" panose="02040503050406030204" pitchFamily="18" charset="0"/>
-                      </a:rPr>
-                      <m:t> </m:t>
-                    </m:r>
-                    <m:r>
-                      <a:rPr lang="en-US" altLang="ko-KR" sz="1200" i="1">
-                        <a:latin typeface="Cambria Math" panose="02040503050406030204" pitchFamily="18" charset="0"/>
-                      </a:rPr>
-                      <m:t>𝑣𝑒𝑐𝑡𝑜𝑟</m:t>
-                    </m:r>
-                  </m:oMath>
-                </a14:m>
-                <a:r>
-                  <a:rPr lang="en-US" altLang="ko-KR" sz="1200" i="1" dirty="0">
-                    <a:latin typeface="Cambria Math" panose="02040503050406030204" pitchFamily="18" charset="0"/>
-                  </a:rPr>
-                  <a:t> </a:t>
-                </a:r>
-              </a:p>
-              <a:p>
-                <a:pPr marL="0" indent="0">
-                  <a:buNone/>
-                </a:pPr>
-                <a14:m>
-                  <m:oMathPara xmlns:m="http://schemas.openxmlformats.org/officeDocument/2006/math">
-                    <m:oMathParaPr>
-                      <m:jc m:val="left"/>
-                    </m:oMathParaPr>
-                    <m:oMath xmlns:m="http://schemas.openxmlformats.org/officeDocument/2006/math">
-                      <m:r>
-                        <a:rPr lang="en-US" altLang="ko-KR" sz="1200" i="1">
-                          <a:latin typeface="Cambria Math" panose="02040503050406030204" pitchFamily="18" charset="0"/>
-                        </a:rPr>
-                        <m:t>𝑎𝑡</m:t>
-                      </m:r>
-                      <m:r>
-                        <a:rPr lang="en-US" altLang="ko-KR" sz="1200" i="1">
-                          <a:latin typeface="Cambria Math" panose="02040503050406030204" pitchFamily="18" charset="0"/>
-                        </a:rPr>
-                        <m:t> </m:t>
-                      </m:r>
-                      <m:r>
-                        <a:rPr lang="en-US" altLang="ko-KR" sz="1200" i="1">
-                          <a:latin typeface="Cambria Math" panose="02040503050406030204" pitchFamily="18" charset="0"/>
-                        </a:rPr>
-                        <m:t>𝑝𝑜𝑠𝑖𝑡𝑖𝑜𝑛</m:t>
-                      </m:r>
-                      <m:r>
-                        <a:rPr lang="en-US" altLang="ko-KR" sz="1200" i="1">
-                          <a:latin typeface="Cambria Math" panose="02040503050406030204" pitchFamily="18" charset="0"/>
-                        </a:rPr>
-                        <m:t> (</m:t>
-                      </m:r>
-                      <m:r>
-                        <a:rPr lang="en-US" altLang="ko-KR" sz="1200" i="1">
-                          <a:latin typeface="Cambria Math" panose="02040503050406030204" pitchFamily="18" charset="0"/>
-                        </a:rPr>
-                        <m:t>𝑖</m:t>
-                      </m:r>
-                      <m:r>
-                        <a:rPr lang="en-US" altLang="ko-KR" sz="1200" i="1">
-                          <a:latin typeface="Cambria Math" panose="02040503050406030204" pitchFamily="18" charset="0"/>
-                        </a:rPr>
-                        <m:t>, </m:t>
-                      </m:r>
-                      <m:r>
-                        <a:rPr lang="en-US" altLang="ko-KR" sz="1200" i="1">
-                          <a:latin typeface="Cambria Math" panose="02040503050406030204" pitchFamily="18" charset="0"/>
-                        </a:rPr>
-                        <m:t>𝑗</m:t>
-                      </m:r>
-                      <m:r>
-                        <a:rPr lang="en-US" altLang="ko-KR" sz="1200" i="1">
-                          <a:latin typeface="Cambria Math" panose="02040503050406030204" pitchFamily="18" charset="0"/>
-                        </a:rPr>
-                        <m:t>) </m:t>
-                      </m:r>
-                      <m:r>
-                        <a:rPr lang="en-US" altLang="ko-KR" sz="1200" i="1">
-                          <a:latin typeface="Cambria Math" panose="02040503050406030204" pitchFamily="18" charset="0"/>
-                        </a:rPr>
-                        <m:t>𝑖𝑛</m:t>
-                      </m:r>
-                      <m:r>
-                        <a:rPr lang="en-US" altLang="ko-KR" sz="1200" i="1">
-                          <a:latin typeface="Cambria Math" panose="02040503050406030204" pitchFamily="18" charset="0"/>
-                        </a:rPr>
-                        <m:t> </m:t>
-                      </m:r>
-                      <m:r>
-                        <a:rPr lang="en-US" altLang="ko-KR" sz="1200" i="1">
-                          <a:latin typeface="Cambria Math" panose="02040503050406030204" pitchFamily="18" charset="0"/>
-                        </a:rPr>
-                        <m:t>𝑡h𝑒</m:t>
-                      </m:r>
-                      <m:r>
-                        <a:rPr lang="en-US" altLang="ko-KR" sz="1200" i="1">
-                          <a:latin typeface="Cambria Math" panose="02040503050406030204" pitchFamily="18" charset="0"/>
-                        </a:rPr>
-                        <m:t> </m:t>
-                      </m:r>
-                      <m:r>
-                        <a:rPr lang="en-US" altLang="ko-KR" sz="1200" i="1">
-                          <a:latin typeface="Cambria Math" panose="02040503050406030204" pitchFamily="18" charset="0"/>
-                        </a:rPr>
-                        <m:t>𝑡𝑒𝑠𝑡</m:t>
-                      </m:r>
-                      <m:r>
-                        <a:rPr lang="en-US" altLang="ko-KR" sz="1200" i="1">
-                          <a:latin typeface="Cambria Math" panose="02040503050406030204" pitchFamily="18" charset="0"/>
-                        </a:rPr>
-                        <m:t> </m:t>
-                      </m:r>
-                      <m:r>
-                        <a:rPr lang="en-US" altLang="ko-KR" sz="1200" i="1">
-                          <a:latin typeface="Cambria Math" panose="02040503050406030204" pitchFamily="18" charset="0"/>
-                        </a:rPr>
-                        <m:t>𝑖𝑚𝑎𝑔𝑒</m:t>
-                      </m:r>
-                      <m:r>
-                        <a:rPr lang="en-US" altLang="ko-KR" sz="1200" i="1">
-                          <a:latin typeface="Cambria Math" panose="02040503050406030204" pitchFamily="18" charset="0"/>
-                        </a:rPr>
-                        <m:t>.</m:t>
-                      </m:r>
-                    </m:oMath>
-                  </m:oMathPara>
-                </a14:m>
-                <a:endParaRPr lang="en-US" altLang="ko-KR" sz="1200" dirty="0"/>
-              </a:p>
-            </p:txBody>
-          </p:sp>
-        </mc:Choice>
-        <mc:Fallback>
-          <p:sp>
-            <p:nvSpPr>
-              <p:cNvPr id="6" name="내용 개체 틀 2">
-                <a:extLst>
-                  <a:ext uri="{FF2B5EF4-FFF2-40B4-BE49-F238E27FC236}">
-                    <a16:creationId xmlns:a16="http://schemas.microsoft.com/office/drawing/2014/main" id="{30029AAD-8E8B-4222-9628-06EDE3155E8A}"/>
-                  </a:ext>
-                </a:extLst>
-              </p:cNvPr>
-              <p:cNvSpPr txBox="1">
-                <a:spLocks noRot="1" noChangeAspect="1" noMove="1" noResize="1" noEditPoints="1" noAdjustHandles="1" noChangeArrowheads="1" noChangeShapeType="1" noTextEdit="1"/>
-              </p:cNvSpPr>
-              <p:nvPr/>
-            </p:nvSpPr>
-            <p:spPr>
-              <a:xfrm>
-                <a:off x="838200" y="4739593"/>
-                <a:ext cx="4718801" cy="1985210"/>
-              </a:xfrm>
-              <a:prstGeom prst="rect">
-                <a:avLst/>
-              </a:prstGeom>
-              <a:blipFill>
-                <a:blip r:embed="rId3"/>
-                <a:stretch>
-                  <a:fillRect r="-1163"/>
-                </a:stretch>
-              </a:blipFill>
-            </p:spPr>
-            <p:txBody>
-              <a:bodyPr/>
-              <a:lstStyle/>
-              <a:p>
-                <a:r>
-                  <a:rPr lang="ko-KR" altLang="en-US">
-                    <a:noFill/>
-                  </a:rPr>
-                  <a:t> </a:t>
-                </a:r>
-              </a:p>
-            </p:txBody>
-          </p:sp>
-        </mc:Fallback>
-      </mc:AlternateContent>
     </p:spTree>
     <p:extLst>
       <p:ext uri="{BB962C8B-B14F-4D97-AF65-F5344CB8AC3E}">
-        <p14:creationId xmlns:p14="http://schemas.microsoft.com/office/powerpoint/2010/main" val="3220736579"/>
+        <p14:creationId xmlns:p14="http://schemas.microsoft.com/office/powerpoint/2010/main" val="4234984888"/>
       </p:ext>
     </p:extLst>
   </p:cSld>

--- a/Patch Distribution Modeling Framework for Anomaly Detection and Localization/Patch Distribution Modeling Framework for Anomaly Detection and Localization(eng).pptx
+++ b/Patch Distribution Modeling Framework for Anomaly Detection and Localization/Patch Distribution Modeling Framework for Anomaly Detection and Localization(eng).pptx
@@ -5,7 +5,7 @@
     <p:sldMasterId id="2147483648" r:id="rId1"/>
   </p:sldMasterIdLst>
   <p:notesMasterIdLst>
-    <p:notesMasterId r:id="rId14"/>
+    <p:notesMasterId r:id="rId15"/>
   </p:notesMasterIdLst>
   <p:sldIdLst>
     <p:sldId id="256" r:id="rId2"/>
@@ -19,7 +19,8 @@
     <p:sldId id="296" r:id="rId10"/>
     <p:sldId id="297" r:id="rId11"/>
     <p:sldId id="301" r:id="rId12"/>
-    <p:sldId id="270" r:id="rId13"/>
+    <p:sldId id="302" r:id="rId13"/>
+    <p:sldId id="270" r:id="rId14"/>
   </p:sldIdLst>
   <p:sldSz cx="12192000" cy="6858000"/>
   <p:notesSz cx="6858000" cy="9144000"/>
@@ -665,7 +666,21 @@
           <a:p>
             <a:r>
               <a:rPr lang="en-US" altLang="ko-KR" dirty="0"/>
-              <a:t>Image of a bottle viewed from above</a:t>
+              <a:t>Image of the bottle from above</a:t>
+            </a:r>
+          </a:p>
+          <a:p>
+            <a:r>
+              <a:rPr lang="en-US" altLang="ko-KR" dirty="0"/>
+              <a:t>The </a:t>
+            </a:r>
+            <a:r>
+              <a:rPr lang="en-US" altLang="ko-KR" dirty="0" err="1"/>
+              <a:t>mvtec</a:t>
+            </a:r>
+            <a:r>
+              <a:rPr lang="en-US" altLang="ko-KR" dirty="0"/>
+              <a:t> dataset is a representative dataset used for anomaly detection</a:t>
             </a:r>
           </a:p>
           <a:p>
@@ -6286,7 +6301,7 @@
         </p:spPr>
         <p:txBody>
           <a:bodyPr>
-            <a:normAutofit lnSpcReduction="10000"/>
+            <a:normAutofit/>
           </a:bodyPr>
           <a:lstStyle/>
           <a:p>
@@ -6301,17 +6316,27 @@
           <a:p>
             <a:r>
               <a:rPr lang="en-US" altLang="ko-KR" dirty="0"/>
+              <a:t>No need to train deep learning model, and inference taking approximately 150 seconds per class when using </a:t>
+            </a:r>
+            <a:r>
+              <a:rPr lang="en-US" altLang="ko-KR" dirty="0" err="1"/>
+              <a:t>cpu</a:t>
+            </a:r>
+            <a:r>
+              <a:rPr lang="en-US" altLang="ko-KR" dirty="0"/>
+              <a:t>.</a:t>
+            </a:r>
+          </a:p>
+          <a:p>
+            <a:endParaRPr lang="en-US" altLang="ko-KR" dirty="0"/>
+          </a:p>
+          <a:p>
+            <a:r>
+              <a:rPr lang="en-US" altLang="ko-KR" dirty="0"/>
               <a:t>Achieved State-Of-The-Art (SOTA) in 2020</a:t>
             </a:r>
           </a:p>
           <a:p>
-            <a:endParaRPr lang="en-US" altLang="ko-KR" dirty="0"/>
-          </a:p>
-          <a:p>
-            <a:r>
-              <a:rPr lang="en-US" altLang="ko-KR" dirty="0"/>
-              <a:t>No need to train deep learning model, and inference can be performed on a CPU, taking approximately 150 seconds per class.</a:t>
-            </a:r>
             <a:endParaRPr lang="ko-KR" altLang="en-US" dirty="0"/>
           </a:p>
         </p:txBody>
@@ -6409,6 +6434,521 @@
 </file>
 
 <file path=ppt/slides/slide12.xml><?xml version="1.0" encoding="utf-8"?>
+<p:sld xmlns:a="http://schemas.openxmlformats.org/drawingml/2006/main" xmlns:r="http://schemas.openxmlformats.org/officeDocument/2006/relationships" xmlns:p="http://schemas.openxmlformats.org/presentationml/2006/main">
+  <p:cSld>
+    <p:spTree>
+      <p:nvGrpSpPr>
+        <p:cNvPr id="1" name=""/>
+        <p:cNvGrpSpPr/>
+        <p:nvPr/>
+      </p:nvGrpSpPr>
+      <p:grpSpPr>
+        <a:xfrm>
+          <a:off x="0" y="0"/>
+          <a:ext cx="0" cy="0"/>
+          <a:chOff x="0" y="0"/>
+          <a:chExt cx="0" cy="0"/>
+        </a:xfrm>
+      </p:grpSpPr>
+      <p:sp>
+        <p:nvSpPr>
+          <p:cNvPr id="7" name="직사각형 6">
+            <a:extLst>
+              <a:ext uri="{FF2B5EF4-FFF2-40B4-BE49-F238E27FC236}">
+                <a16:creationId xmlns:a16="http://schemas.microsoft.com/office/drawing/2014/main" id="{0FCFF1AD-9D37-44AF-8BEC-07348036B89F}"/>
+              </a:ext>
+            </a:extLst>
+          </p:cNvPr>
+          <p:cNvSpPr/>
+          <p:nvPr/>
+        </p:nvSpPr>
+        <p:spPr>
+          <a:xfrm>
+            <a:off x="0" y="7825"/>
+            <a:ext cx="12192000" cy="1138060"/>
+          </a:xfrm>
+          <a:prstGeom prst="rect">
+            <a:avLst/>
+          </a:prstGeom>
+          <a:blipFill dpi="0" rotWithShape="1">
+            <a:blip r:embed="rId2">
+              <a:duotone>
+                <a:schemeClr val="bg2">
+                  <a:shade val="45000"/>
+                  <a:satMod val="135000"/>
+                </a:schemeClr>
+                <a:prstClr val="white"/>
+              </a:duotone>
+            </a:blip>
+            <a:srcRect/>
+            <a:stretch>
+              <a:fillRect/>
+            </a:stretch>
+          </a:blipFill>
+          <a:ln>
+            <a:noFill/>
+          </a:ln>
+        </p:spPr>
+        <p:style>
+          <a:lnRef idx="2">
+            <a:schemeClr val="accent1">
+              <a:shade val="50000"/>
+            </a:schemeClr>
+          </a:lnRef>
+          <a:fillRef idx="1">
+            <a:schemeClr val="accent1"/>
+          </a:fillRef>
+          <a:effectRef idx="0">
+            <a:schemeClr val="accent1"/>
+          </a:effectRef>
+          <a:fontRef idx="minor">
+            <a:schemeClr val="lt1"/>
+          </a:fontRef>
+        </p:style>
+        <p:txBody>
+          <a:bodyPr rtlCol="0" anchor="ctr"/>
+          <a:lstStyle/>
+          <a:p>
+            <a:pPr algn="ctr"/>
+            <a:endParaRPr lang="ko-KR" altLang="en-US"/>
+          </a:p>
+        </p:txBody>
+      </p:sp>
+      <p:sp>
+        <p:nvSpPr>
+          <p:cNvPr id="8" name="제목 1">
+            <a:extLst>
+              <a:ext uri="{FF2B5EF4-FFF2-40B4-BE49-F238E27FC236}">
+                <a16:creationId xmlns:a16="http://schemas.microsoft.com/office/drawing/2014/main" id="{72F7E889-1B79-4CB2-9AED-9AA615AF7E2E}"/>
+              </a:ext>
+            </a:extLst>
+          </p:cNvPr>
+          <p:cNvSpPr txBox="1">
+            <a:spLocks/>
+          </p:cNvSpPr>
+          <p:nvPr/>
+        </p:nvSpPr>
+        <p:spPr>
+          <a:xfrm>
+            <a:off x="540000" y="0"/>
+            <a:ext cx="10515600" cy="1145885"/>
+          </a:xfrm>
+          <a:prstGeom prst="rect">
+            <a:avLst/>
+          </a:prstGeom>
+        </p:spPr>
+        <p:txBody>
+          <a:bodyPr vert="horz" lIns="91440" tIns="45720" rIns="91440" bIns="45720" rtlCol="0" anchor="ctr">
+            <a:normAutofit/>
+          </a:bodyPr>
+          <a:lstStyle>
+            <a:lvl1pPr algn="l" defTabSz="914400" rtl="0" eaLnBrk="1" latinLnBrk="1" hangingPunct="1">
+              <a:lnSpc>
+                <a:spcPct val="90000"/>
+              </a:lnSpc>
+              <a:spcBef>
+                <a:spcPct val="0"/>
+              </a:spcBef>
+              <a:buNone/>
+              <a:defRPr sz="4400" kern="1200">
+                <a:solidFill>
+                  <a:schemeClr val="tx1"/>
+                </a:solidFill>
+                <a:latin typeface="+mj-lt"/>
+                <a:ea typeface="+mj-ea"/>
+                <a:cs typeface="+mj-cs"/>
+              </a:defRPr>
+            </a:lvl1pPr>
+          </a:lstStyle>
+          <a:p>
+            <a:r>
+              <a:rPr lang="en-US" altLang="ko-KR" i="1" dirty="0">
+                <a:effectLst>
+                  <a:outerShdw blurRad="38100" dist="38100" dir="2700000" algn="tl">
+                    <a:srgbClr val="000000">
+                      <a:alpha val="43137"/>
+                    </a:srgbClr>
+                  </a:outerShdw>
+                </a:effectLst>
+                <a:latin typeface="Georgia" panose="02040502050405020303" pitchFamily="18" charset="0"/>
+              </a:rPr>
+              <a:t>3. Conclusion</a:t>
+            </a:r>
+            <a:endParaRPr lang="ko-KR" altLang="en-US" i="1" dirty="0">
+              <a:effectLst>
+                <a:outerShdw blurRad="38100" dist="38100" dir="2700000" algn="tl">
+                  <a:srgbClr val="000000">
+                    <a:alpha val="43137"/>
+                  </a:srgbClr>
+                </a:outerShdw>
+              </a:effectLst>
+              <a:latin typeface="Georgia" panose="02040502050405020303" pitchFamily="18" charset="0"/>
+            </a:endParaRPr>
+          </a:p>
+        </p:txBody>
+      </p:sp>
+      <p:pic>
+        <p:nvPicPr>
+          <p:cNvPr id="6" name="그림 5">
+            <a:extLst>
+              <a:ext uri="{FF2B5EF4-FFF2-40B4-BE49-F238E27FC236}">
+                <a16:creationId xmlns:a16="http://schemas.microsoft.com/office/drawing/2014/main" id="{9F0ADB17-B47C-4693-A515-C296D59B0488}"/>
+              </a:ext>
+            </a:extLst>
+          </p:cNvPr>
+          <p:cNvPicPr>
+            <a:picLocks noChangeAspect="1"/>
+          </p:cNvPicPr>
+          <p:nvPr/>
+        </p:nvPicPr>
+        <p:blipFill>
+          <a:blip r:embed="rId3"/>
+          <a:stretch>
+            <a:fillRect/>
+          </a:stretch>
+        </p:blipFill>
+        <p:spPr>
+          <a:xfrm>
+            <a:off x="1614724" y="1546816"/>
+            <a:ext cx="8962551" cy="4734345"/>
+          </a:xfrm>
+          <a:prstGeom prst="rect">
+            <a:avLst/>
+          </a:prstGeom>
+        </p:spPr>
+      </p:pic>
+      <p:sp>
+        <p:nvSpPr>
+          <p:cNvPr id="10" name="타원 9">
+            <a:extLst>
+              <a:ext uri="{FF2B5EF4-FFF2-40B4-BE49-F238E27FC236}">
+                <a16:creationId xmlns:a16="http://schemas.microsoft.com/office/drawing/2014/main" id="{0EE376E5-C626-4F7C-81C5-7DFF6FFE310E}"/>
+              </a:ext>
+            </a:extLst>
+          </p:cNvPr>
+          <p:cNvSpPr/>
+          <p:nvPr/>
+        </p:nvSpPr>
+        <p:spPr>
+          <a:xfrm>
+            <a:off x="4340269" y="3958225"/>
+            <a:ext cx="926926" cy="225468"/>
+          </a:xfrm>
+          <a:prstGeom prst="ellipse">
+            <a:avLst/>
+          </a:prstGeom>
+          <a:noFill/>
+          <a:ln w="19050">
+            <a:solidFill>
+              <a:srgbClr val="FF0000"/>
+            </a:solidFill>
+          </a:ln>
+        </p:spPr>
+        <p:style>
+          <a:lnRef idx="2">
+            <a:schemeClr val="accent1">
+              <a:shade val="50000"/>
+            </a:schemeClr>
+          </a:lnRef>
+          <a:fillRef idx="1">
+            <a:schemeClr val="accent1"/>
+          </a:fillRef>
+          <a:effectRef idx="0">
+            <a:schemeClr val="accent1"/>
+          </a:effectRef>
+          <a:fontRef idx="minor">
+            <a:schemeClr val="lt1"/>
+          </a:fontRef>
+        </p:style>
+        <p:txBody>
+          <a:bodyPr rtlCol="0" anchor="ctr"/>
+          <a:lstStyle/>
+          <a:p>
+            <a:pPr algn="ctr"/>
+            <a:endParaRPr lang="ko-KR" altLang="en-US"/>
+          </a:p>
+        </p:txBody>
+      </p:sp>
+      <p:sp>
+        <p:nvSpPr>
+          <p:cNvPr id="13" name="타원 12">
+            <a:extLst>
+              <a:ext uri="{FF2B5EF4-FFF2-40B4-BE49-F238E27FC236}">
+                <a16:creationId xmlns:a16="http://schemas.microsoft.com/office/drawing/2014/main" id="{7D0EA438-494D-4006-A4E5-D612F1C99D4C}"/>
+              </a:ext>
+            </a:extLst>
+          </p:cNvPr>
+          <p:cNvSpPr/>
+          <p:nvPr/>
+        </p:nvSpPr>
+        <p:spPr>
+          <a:xfrm>
+            <a:off x="8755694" y="3958225"/>
+            <a:ext cx="1672224" cy="225468"/>
+          </a:xfrm>
+          <a:prstGeom prst="ellipse">
+            <a:avLst/>
+          </a:prstGeom>
+          <a:noFill/>
+          <a:ln w="19050">
+            <a:solidFill>
+              <a:srgbClr val="FF0000"/>
+            </a:solidFill>
+          </a:ln>
+        </p:spPr>
+        <p:style>
+          <a:lnRef idx="2">
+            <a:schemeClr val="accent1">
+              <a:shade val="50000"/>
+            </a:schemeClr>
+          </a:lnRef>
+          <a:fillRef idx="1">
+            <a:schemeClr val="accent1"/>
+          </a:fillRef>
+          <a:effectRef idx="0">
+            <a:schemeClr val="accent1"/>
+          </a:effectRef>
+          <a:fontRef idx="minor">
+            <a:schemeClr val="lt1"/>
+          </a:fontRef>
+        </p:style>
+        <p:txBody>
+          <a:bodyPr rtlCol="0" anchor="ctr"/>
+          <a:lstStyle/>
+          <a:p>
+            <a:pPr algn="ctr"/>
+            <a:endParaRPr lang="ko-KR" altLang="en-US"/>
+          </a:p>
+        </p:txBody>
+      </p:sp>
+    </p:spTree>
+    <p:extLst>
+      <p:ext uri="{BB962C8B-B14F-4D97-AF65-F5344CB8AC3E}">
+        <p14:creationId xmlns:p14="http://schemas.microsoft.com/office/powerpoint/2010/main" val="159954989"/>
+      </p:ext>
+    </p:extLst>
+  </p:cSld>
+  <p:clrMapOvr>
+    <a:masterClrMapping/>
+  </p:clrMapOvr>
+  <p:timing>
+    <p:tnLst>
+      <p:par>
+        <p:cTn id="1" dur="indefinite" restart="never" nodeType="tmRoot">
+          <p:childTnLst>
+            <p:seq concurrent="1" nextAc="seek">
+              <p:cTn id="2" dur="indefinite" nodeType="mainSeq">
+                <p:childTnLst>
+                  <p:par>
+                    <p:cTn id="3" fill="hold">
+                      <p:stCondLst>
+                        <p:cond delay="indefinite"/>
+                      </p:stCondLst>
+                      <p:childTnLst>
+                        <p:par>
+                          <p:cTn id="4" fill="hold">
+                            <p:stCondLst>
+                              <p:cond delay="0"/>
+                            </p:stCondLst>
+                            <p:childTnLst>
+                              <p:par>
+                                <p:cTn id="5" presetID="42" presetClass="entr" presetSubtype="0" fill="hold" grpId="0" nodeType="clickEffect">
+                                  <p:stCondLst>
+                                    <p:cond delay="0"/>
+                                  </p:stCondLst>
+                                  <p:childTnLst>
+                                    <p:set>
+                                      <p:cBhvr>
+                                        <p:cTn id="6" dur="1" fill="hold">
+                                          <p:stCondLst>
+                                            <p:cond delay="0"/>
+                                          </p:stCondLst>
+                                        </p:cTn>
+                                        <p:tgtEl>
+                                          <p:spTgt spid="13"/>
+                                        </p:tgtEl>
+                                        <p:attrNameLst>
+                                          <p:attrName>style.visibility</p:attrName>
+                                        </p:attrNameLst>
+                                      </p:cBhvr>
+                                      <p:to>
+                                        <p:strVal val="visible"/>
+                                      </p:to>
+                                    </p:set>
+                                    <p:animEffect transition="in" filter="fade">
+                                      <p:cBhvr>
+                                        <p:cTn id="7" dur="1000"/>
+                                        <p:tgtEl>
+                                          <p:spTgt spid="13"/>
+                                        </p:tgtEl>
+                                      </p:cBhvr>
+                                    </p:animEffect>
+                                    <p:anim calcmode="lin" valueType="num">
+                                      <p:cBhvr>
+                                        <p:cTn id="8" dur="1000" fill="hold"/>
+                                        <p:tgtEl>
+                                          <p:spTgt spid="13"/>
+                                        </p:tgtEl>
+                                        <p:attrNameLst>
+                                          <p:attrName>ppt_x</p:attrName>
+                                        </p:attrNameLst>
+                                      </p:cBhvr>
+                                      <p:tavLst>
+                                        <p:tav tm="0">
+                                          <p:val>
+                                            <p:strVal val="#ppt_x"/>
+                                          </p:val>
+                                        </p:tav>
+                                        <p:tav tm="100000">
+                                          <p:val>
+                                            <p:strVal val="#ppt_x"/>
+                                          </p:val>
+                                        </p:tav>
+                                      </p:tavLst>
+                                    </p:anim>
+                                    <p:anim calcmode="lin" valueType="num">
+                                      <p:cBhvr>
+                                        <p:cTn id="9" dur="1000" fill="hold"/>
+                                        <p:tgtEl>
+                                          <p:spTgt spid="13"/>
+                                        </p:tgtEl>
+                                        <p:attrNameLst>
+                                          <p:attrName>ppt_y</p:attrName>
+                                        </p:attrNameLst>
+                                      </p:cBhvr>
+                                      <p:tavLst>
+                                        <p:tav tm="0">
+                                          <p:val>
+                                            <p:strVal val="#ppt_y+.1"/>
+                                          </p:val>
+                                        </p:tav>
+                                        <p:tav tm="100000">
+                                          <p:val>
+                                            <p:strVal val="#ppt_y"/>
+                                          </p:val>
+                                        </p:tav>
+                                      </p:tavLst>
+                                    </p:anim>
+                                  </p:childTnLst>
+                                </p:cTn>
+                              </p:par>
+                              <p:par>
+                                <p:cTn id="10" presetID="42" presetClass="entr" presetSubtype="0" fill="hold" grpId="0" nodeType="withEffect">
+                                  <p:stCondLst>
+                                    <p:cond delay="0"/>
+                                  </p:stCondLst>
+                                  <p:childTnLst>
+                                    <p:set>
+                                      <p:cBhvr>
+                                        <p:cTn id="11" dur="1" fill="hold">
+                                          <p:stCondLst>
+                                            <p:cond delay="0"/>
+                                          </p:stCondLst>
+                                        </p:cTn>
+                                        <p:tgtEl>
+                                          <p:spTgt spid="10"/>
+                                        </p:tgtEl>
+                                        <p:attrNameLst>
+                                          <p:attrName>style.visibility</p:attrName>
+                                        </p:attrNameLst>
+                                      </p:cBhvr>
+                                      <p:to>
+                                        <p:strVal val="visible"/>
+                                      </p:to>
+                                    </p:set>
+                                    <p:animEffect transition="in" filter="fade">
+                                      <p:cBhvr>
+                                        <p:cTn id="12" dur="1000"/>
+                                        <p:tgtEl>
+                                          <p:spTgt spid="10"/>
+                                        </p:tgtEl>
+                                      </p:cBhvr>
+                                    </p:animEffect>
+                                    <p:anim calcmode="lin" valueType="num">
+                                      <p:cBhvr>
+                                        <p:cTn id="13" dur="1000" fill="hold"/>
+                                        <p:tgtEl>
+                                          <p:spTgt spid="10"/>
+                                        </p:tgtEl>
+                                        <p:attrNameLst>
+                                          <p:attrName>ppt_x</p:attrName>
+                                        </p:attrNameLst>
+                                      </p:cBhvr>
+                                      <p:tavLst>
+                                        <p:tav tm="0">
+                                          <p:val>
+                                            <p:strVal val="#ppt_x"/>
+                                          </p:val>
+                                        </p:tav>
+                                        <p:tav tm="100000">
+                                          <p:val>
+                                            <p:strVal val="#ppt_x"/>
+                                          </p:val>
+                                        </p:tav>
+                                      </p:tavLst>
+                                    </p:anim>
+                                    <p:anim calcmode="lin" valueType="num">
+                                      <p:cBhvr>
+                                        <p:cTn id="14" dur="1000" fill="hold"/>
+                                        <p:tgtEl>
+                                          <p:spTgt spid="10"/>
+                                        </p:tgtEl>
+                                        <p:attrNameLst>
+                                          <p:attrName>ppt_y</p:attrName>
+                                        </p:attrNameLst>
+                                      </p:cBhvr>
+                                      <p:tavLst>
+                                        <p:tav tm="0">
+                                          <p:val>
+                                            <p:strVal val="#ppt_y+.1"/>
+                                          </p:val>
+                                        </p:tav>
+                                        <p:tav tm="100000">
+                                          <p:val>
+                                            <p:strVal val="#ppt_y"/>
+                                          </p:val>
+                                        </p:tav>
+                                      </p:tavLst>
+                                    </p:anim>
+                                  </p:childTnLst>
+                                </p:cTn>
+                              </p:par>
+                            </p:childTnLst>
+                          </p:cTn>
+                        </p:par>
+                      </p:childTnLst>
+                    </p:cTn>
+                  </p:par>
+                </p:childTnLst>
+              </p:cTn>
+              <p:prevCondLst>
+                <p:cond evt="onPrev" delay="0">
+                  <p:tgtEl>
+                    <p:sldTgt/>
+                  </p:tgtEl>
+                </p:cond>
+              </p:prevCondLst>
+              <p:nextCondLst>
+                <p:cond evt="onNext" delay="0">
+                  <p:tgtEl>
+                    <p:sldTgt/>
+                  </p:tgtEl>
+                </p:cond>
+              </p:nextCondLst>
+            </p:seq>
+          </p:childTnLst>
+        </p:cTn>
+      </p:par>
+    </p:tnLst>
+    <p:bldLst>
+      <p:bldP spid="10" grpId="0" animBg="1"/>
+      <p:bldP spid="13" grpId="0" animBg="1"/>
+    </p:bldLst>
+  </p:timing>
+</p:sld>
+</file>
+
+<file path=ppt/slides/slide13.xml><?xml version="1.0" encoding="utf-8"?>
 <p:sld xmlns:a="http://schemas.openxmlformats.org/drawingml/2006/main" xmlns:r="http://schemas.openxmlformats.org/officeDocument/2006/relationships" xmlns:p="http://schemas.openxmlformats.org/presentationml/2006/main">
   <p:cSld>
     <p:spTree>
@@ -8364,7 +8904,7 @@
         </p:blipFill>
         <p:spPr>
           <a:xfrm>
-            <a:off x="365369" y="2438234"/>
+            <a:off x="365369" y="1686672"/>
             <a:ext cx="11461261" cy="3392904"/>
           </a:xfrm>
           <a:prstGeom prst="rect">
@@ -8442,6 +8982,55 @@
               </a:effectLst>
               <a:latin typeface="Georgia" panose="02040502050405020303" pitchFamily="18" charset="0"/>
             </a:endParaRPr>
+          </a:p>
+        </p:txBody>
+      </p:sp>
+      <p:sp>
+        <p:nvSpPr>
+          <p:cNvPr id="6" name="내용 개체 틀 2">
+            <a:extLst>
+              <a:ext uri="{FF2B5EF4-FFF2-40B4-BE49-F238E27FC236}">
+                <a16:creationId xmlns:a16="http://schemas.microsoft.com/office/drawing/2014/main" id="{E74930A4-5C32-47BB-869A-C3E12FB44464}"/>
+              </a:ext>
+            </a:extLst>
+          </p:cNvPr>
+          <p:cNvSpPr>
+            <a:spLocks noGrp="1"/>
+          </p:cNvSpPr>
+          <p:nvPr>
+            <p:ph idx="1"/>
+          </p:nvPr>
+        </p:nvSpPr>
+        <p:spPr>
+          <a:xfrm>
+            <a:off x="838200" y="5779589"/>
+            <a:ext cx="10515600" cy="1710246"/>
+          </a:xfrm>
+        </p:spPr>
+        <p:txBody>
+          <a:bodyPr>
+            <a:normAutofit/>
+          </a:bodyPr>
+          <a:lstStyle/>
+          <a:p>
+            <a:r>
+              <a:rPr lang="en-US" altLang="ko-KR" dirty="0">
+                <a:latin typeface="Georgia" panose="02040502050405020303" pitchFamily="18" charset="0"/>
+              </a:rPr>
+              <a:t> Simplified data processing flow of a </a:t>
+            </a:r>
+            <a:r>
+              <a:rPr lang="en-US" altLang="ko-KR" dirty="0" err="1">
+                <a:latin typeface="Georgia" panose="02040502050405020303" pitchFamily="18" charset="0"/>
+              </a:rPr>
+              <a:t>PaDim</a:t>
+            </a:r>
+            <a:r>
+              <a:rPr lang="en-US" altLang="ko-KR" dirty="0">
+                <a:latin typeface="Georgia" panose="02040502050405020303" pitchFamily="18" charset="0"/>
+              </a:rPr>
+              <a:t> model</a:t>
+            </a:r>
           </a:p>
         </p:txBody>
       </p:sp>
@@ -11106,8 +11695,8 @@
           </a:prstGeom>
         </p:spPr>
       </p:pic>
-      <mc:AlternateContent xmlns:mc="http://schemas.openxmlformats.org/markup-compatibility/2006">
-        <mc:Choice xmlns:a14="http://schemas.microsoft.com/office/drawing/2010/main" Requires="a14">
+      <mc:AlternateContent xmlns:mc="http://schemas.openxmlformats.org/markup-compatibility/2006" xmlns:a14="http://schemas.microsoft.com/office/drawing/2010/main">
+        <mc:Choice Requires="a14">
           <p:sp>
             <p:nvSpPr>
               <p:cNvPr id="12" name="내용 개체 틀 2">
@@ -12373,7 +12962,7 @@
             </p:txBody>
           </p:sp>
         </mc:Choice>
-        <mc:Fallback>
+        <mc:Fallback xmlns="">
           <p:sp>
             <p:nvSpPr>
               <p:cNvPr id="12" name="내용 개체 틀 2">

--- a/Patch Distribution Modeling Framework for Anomaly Detection and Localization/Patch Distribution Modeling Framework for Anomaly Detection and Localization(eng).pptx
+++ b/Patch Distribution Modeling Framework for Anomaly Detection and Localization/Patch Distribution Modeling Framework for Anomaly Detection and Localization(eng).pptx
@@ -4603,7 +4603,7 @@
         </p:nvSpPr>
         <p:spPr>
           <a:xfrm>
-            <a:off x="0" y="7825"/>
+            <a:off x="0" y="1562"/>
             <a:ext cx="12192000" cy="1138060"/>
           </a:xfrm>
           <a:prstGeom prst="rect">
@@ -6154,7 +6154,7 @@
         </p:nvSpPr>
         <p:spPr>
           <a:xfrm>
-            <a:off x="0" y="7825"/>
+            <a:off x="0" y="1562"/>
             <a:ext cx="12192000" cy="1138060"/>
           </a:xfrm>
           <a:prstGeom prst="rect">
@@ -6464,7 +6464,7 @@
         </p:nvSpPr>
         <p:spPr>
           <a:xfrm>
-            <a:off x="0" y="7825"/>
+            <a:off x="0" y="1562"/>
             <a:ext cx="12192000" cy="1138060"/>
           </a:xfrm>
           <a:prstGeom prst="rect">
@@ -7048,7 +7048,7 @@
         </p:nvSpPr>
         <p:spPr>
           <a:xfrm>
-            <a:off x="0" y="7825"/>
+            <a:off x="0" y="0"/>
             <a:ext cx="12192000" cy="1138060"/>
           </a:xfrm>
           <a:prstGeom prst="rect">
@@ -7094,7 +7094,7 @@
           <a:lstStyle/>
           <a:p>
             <a:pPr algn="ctr"/>
-            <a:endParaRPr lang="ko-KR" altLang="en-US"/>
+            <a:endParaRPr lang="ko-KR" altLang="en-US" dirty="0"/>
           </a:p>
         </p:txBody>
       </p:sp>
@@ -7305,7 +7305,7 @@
         </p:nvSpPr>
         <p:spPr>
           <a:xfrm>
-            <a:off x="0" y="7825"/>
+            <a:off x="0" y="1562"/>
             <a:ext cx="12192000" cy="1138060"/>
           </a:xfrm>
           <a:prstGeom prst="rect">
@@ -7519,7 +7519,7 @@
         </p:nvSpPr>
         <p:spPr>
           <a:xfrm>
-            <a:off x="0" y="7825"/>
+            <a:off x="0" y="1562"/>
             <a:ext cx="12192000" cy="1138060"/>
           </a:xfrm>
           <a:prstGeom prst="rect">
@@ -8297,7 +8297,7 @@
         </p:nvSpPr>
         <p:spPr>
           <a:xfrm>
-            <a:off x="0" y="7825"/>
+            <a:off x="0" y="1562"/>
             <a:ext cx="12192000" cy="1138060"/>
           </a:xfrm>
           <a:prstGeom prst="rect">
@@ -8833,7 +8833,7 @@
         </p:nvSpPr>
         <p:spPr>
           <a:xfrm>
-            <a:off x="0" y="7825"/>
+            <a:off x="0" y="1562"/>
             <a:ext cx="12192000" cy="1138060"/>
           </a:xfrm>
           <a:prstGeom prst="rect">
@@ -9078,7 +9078,7 @@
         </p:nvSpPr>
         <p:spPr>
           <a:xfrm>
-            <a:off x="0" y="7825"/>
+            <a:off x="0" y="1562"/>
             <a:ext cx="12192000" cy="1138060"/>
           </a:xfrm>
           <a:prstGeom prst="rect">
@@ -11161,7 +11161,7 @@
         </p:nvSpPr>
         <p:spPr>
           <a:xfrm>
-            <a:off x="0" y="7825"/>
+            <a:off x="0" y="1562"/>
             <a:ext cx="12192000" cy="1138060"/>
           </a:xfrm>
           <a:prstGeom prst="rect">
@@ -11615,7 +11615,7 @@
         </p:nvSpPr>
         <p:spPr>
           <a:xfrm>
-            <a:off x="0" y="7825"/>
+            <a:off x="0" y="1562"/>
             <a:ext cx="12192000" cy="1138060"/>
           </a:xfrm>
           <a:prstGeom prst="rect">

--- a/Patch Distribution Modeling Framework for Anomaly Detection and Localization/Patch Distribution Modeling Framework for Anomaly Detection and Localization(eng).pptx
+++ b/Patch Distribution Modeling Framework for Anomaly Detection and Localization/Patch Distribution Modeling Framework for Anomaly Detection and Localization(eng).pptx
@@ -4255,7 +4255,7 @@
           <a:lstStyle/>
           <a:p>
             <a:r>
-              <a:rPr lang="en-US" altLang="ko-KR" sz="3600" dirty="0" err="1">
+              <a:rPr lang="en-US" altLang="ko-KR" sz="3600" i="1" dirty="0" err="1">
                 <a:solidFill>
                   <a:schemeClr val="bg1"/>
                 </a:solidFill>
@@ -4264,7 +4264,7 @@
               <a:t>PaDiM</a:t>
             </a:r>
             <a:r>
-              <a:rPr lang="en-US" altLang="ko-KR" sz="3600" dirty="0">
+              <a:rPr lang="en-US" altLang="ko-KR" sz="3600" i="1" dirty="0">
                 <a:solidFill>
                   <a:schemeClr val="bg1"/>
                 </a:solidFill>
@@ -4273,7 +4273,7 @@
               <a:t>: a Patch Distribution Modeling Framework for </a:t>
             </a:r>
             <a:br>
-              <a:rPr lang="en-US" altLang="ko-KR" sz="3600" dirty="0">
+              <a:rPr lang="en-US" altLang="ko-KR" sz="3600" i="1" dirty="0">
                 <a:solidFill>
                   <a:schemeClr val="bg1"/>
                 </a:solidFill>
@@ -4281,7 +4281,7 @@
               </a:rPr>
             </a:br>
             <a:r>
-              <a:rPr lang="en-US" altLang="ko-KR" sz="3600" dirty="0">
+              <a:rPr lang="en-US" altLang="ko-KR" sz="3600" i="1" dirty="0">
                 <a:solidFill>
                   <a:schemeClr val="bg1"/>
                 </a:solidFill>
@@ -4289,7 +4289,7 @@
               </a:rPr>
               <a:t>Anomaly Detection and Localization</a:t>
             </a:r>
-            <a:endParaRPr lang="ko-KR" altLang="en-US" sz="3600" dirty="0">
+            <a:endParaRPr lang="ko-KR" altLang="en-US" sz="3600" i="1" dirty="0">
               <a:solidFill>
                 <a:schemeClr val="bg1"/>
               </a:solidFill>

--- a/Patch Distribution Modeling Framework for Anomaly Detection and Localization/Patch Distribution Modeling Framework for Anomaly Detection and Localization(eng).pptx
+++ b/Patch Distribution Modeling Framework for Anomaly Detection and Localization/Patch Distribution Modeling Framework for Anomaly Detection and Localization(eng).pptx
@@ -224,7 +224,7 @@
               <a:pPr lvl="0">
                 <a:defRPr/>
               </a:pPr>
-              <a:t>2024-02-06</a:t>
+              <a:t>2024-02-08</a:t>
             </a:fld>
             <a:endParaRPr lang="ko-KR" altLang="en-US"/>
           </a:p>
@@ -559,20 +559,34 @@
           <a:lstStyle/>
           <a:p>
             <a:r>
+              <a:rPr lang="en-US" altLang="ko-KR" dirty="0" err="1"/>
+              <a:t>i’m</a:t>
+            </a:r>
+            <a:r>
               <a:rPr lang="en-US" altLang="ko-KR" dirty="0"/>
-              <a:t>I don't know how much you know about </a:t>
+              <a:t> master’s degree student of </a:t>
             </a:r>
             <a:r>
               <a:rPr lang="en-US" altLang="ko-KR" dirty="0" err="1"/>
-              <a:t>Padim</a:t>
+              <a:t>prof.Hyejin</a:t>
             </a:r>
             <a:r>
               <a:rPr lang="en-US" altLang="ko-KR" dirty="0"/>
-              <a:t>, so I’ll explain a quick overview of the basics of </a:t>
+              <a:t> </a:t>
             </a:r>
             <a:r>
               <a:rPr lang="en-US" altLang="ko-KR" dirty="0" err="1"/>
-              <a:t>Padim</a:t>
+              <a:t>kim</a:t>
+            </a:r>
+            <a:r>
+              <a:rPr lang="en-US" altLang="ko-KR" dirty="0"/>
+              <a:t>.</a:t>
+            </a:r>
+          </a:p>
+          <a:p>
+            <a:r>
+              <a:rPr lang="en-US" altLang="ko-KR" dirty="0"/>
+              <a:t>I'm interested in the anomaly detection and I decided to review this paper because this model is often used as a base model of anomaly detection task.</a:t>
             </a:r>
             <a:endParaRPr lang="ko-KR" altLang="en-US" dirty="0"/>
           </a:p>
@@ -601,7 +615,7 @@
               <a:pPr lvl="0">
                 <a:defRPr/>
               </a:pPr>
-              <a:t>2</a:t>
+              <a:t>1</a:t>
             </a:fld>
             <a:endParaRPr lang="ko-KR" altLang="en-US"/>
           </a:p>
@@ -610,7 +624,7 @@
     </p:spTree>
     <p:extLst>
       <p:ext uri="{BB962C8B-B14F-4D97-AF65-F5344CB8AC3E}">
-        <p14:creationId xmlns:p14="http://schemas.microsoft.com/office/powerpoint/2010/main" val="261781022"/>
+        <p14:creationId xmlns:p14="http://schemas.microsoft.com/office/powerpoint/2010/main" val="2956773864"/>
       </p:ext>
     </p:extLst>
   </p:cSld>
@@ -666,27 +680,19 @@
           <a:p>
             <a:r>
               <a:rPr lang="en-US" altLang="ko-KR" dirty="0"/>
-              <a:t>Image of the bottle from above</a:t>
-            </a:r>
-          </a:p>
-          <a:p>
+              <a:t>I don't know how much you know about </a:t>
+            </a:r>
+            <a:r>
+              <a:rPr lang="en-US" altLang="ko-KR" dirty="0" err="1"/>
+              <a:t>Padim</a:t>
+            </a:r>
             <a:r>
               <a:rPr lang="en-US" altLang="ko-KR" dirty="0"/>
-              <a:t>The </a:t>
+              <a:t>, so I’ll explain a quick overview of the basics of </a:t>
             </a:r>
             <a:r>
               <a:rPr lang="en-US" altLang="ko-KR" dirty="0" err="1"/>
-              <a:t>mvtec</a:t>
-            </a:r>
-            <a:r>
-              <a:rPr lang="en-US" altLang="ko-KR" dirty="0"/>
-              <a:t> dataset is a representative dataset used for anomaly detection</a:t>
-            </a:r>
-          </a:p>
-          <a:p>
-            <a:r>
-              <a:rPr lang="en-US" altLang="ko-KR" dirty="0"/>
-              <a:t>crack</a:t>
+              <a:t>Padim</a:t>
             </a:r>
             <a:endParaRPr lang="ko-KR" altLang="en-US" dirty="0"/>
           </a:p>
@@ -715,7 +721,7 @@
               <a:pPr lvl="0">
                 <a:defRPr/>
               </a:pPr>
-              <a:t>4</a:t>
+              <a:t>2</a:t>
             </a:fld>
             <a:endParaRPr lang="ko-KR" altLang="en-US"/>
           </a:p>
@@ -724,7 +730,7 @@
     </p:spTree>
     <p:extLst>
       <p:ext uri="{BB962C8B-B14F-4D97-AF65-F5344CB8AC3E}">
-        <p14:creationId xmlns:p14="http://schemas.microsoft.com/office/powerpoint/2010/main" val="3601050800"/>
+        <p14:creationId xmlns:p14="http://schemas.microsoft.com/office/powerpoint/2010/main" val="261781022"/>
       </p:ext>
     </p:extLst>
   </p:cSld>
@@ -779,8 +785,22 @@
           <a:lstStyle/>
           <a:p>
             <a:r>
+              <a:rPr lang="en-US" altLang="ko-KR" dirty="0" err="1"/>
+              <a:t>i’ll</a:t>
+            </a:r>
+            <a:r>
               <a:rPr lang="en-US" altLang="ko-KR" dirty="0"/>
-              <a:t>The red circle is the set of points that have the same probability value</a:t>
+              <a:t> explain detail about this content on later slide </a:t>
+            </a:r>
+          </a:p>
+          <a:p>
+            <a:r>
+              <a:rPr lang="ko-KR" altLang="en-US" dirty="0"/>
+              <a:t>전제</a:t>
+            </a:r>
+            <a:r>
+              <a:rPr lang="en-US" altLang="ko-KR" dirty="0"/>
+              <a:t>: Premise</a:t>
             </a:r>
             <a:endParaRPr lang="ko-KR" altLang="en-US" dirty="0"/>
           </a:p>
@@ -809,7 +829,7 @@
               <a:pPr lvl="0">
                 <a:defRPr/>
               </a:pPr>
-              <a:t>5</a:t>
+              <a:t>3</a:t>
             </a:fld>
             <a:endParaRPr lang="ko-KR" altLang="en-US"/>
           </a:p>
@@ -818,7 +838,7 @@
     </p:spTree>
     <p:extLst>
       <p:ext uri="{BB962C8B-B14F-4D97-AF65-F5344CB8AC3E}">
-        <p14:creationId xmlns:p14="http://schemas.microsoft.com/office/powerpoint/2010/main" val="4120146764"/>
+        <p14:creationId xmlns:p14="http://schemas.microsoft.com/office/powerpoint/2010/main" val="3616756036"/>
       </p:ext>
     </p:extLst>
   </p:cSld>
@@ -874,8 +894,93 @@
           <a:p>
             <a:r>
               <a:rPr lang="en-US" altLang="ko-KR" dirty="0"/>
-              <a:t>Get the data from multiple channels in the red rectangle and calculate mean and covariance.</a:t>
-            </a:r>
+              <a:t>The </a:t>
+            </a:r>
+            <a:r>
+              <a:rPr lang="en-US" altLang="ko-KR" dirty="0" err="1"/>
+              <a:t>mvtec</a:t>
+            </a:r>
+            <a:r>
+              <a:rPr lang="en-US" altLang="ko-KR" dirty="0"/>
+              <a:t> dataset is a representative dataset used for anomaly detection</a:t>
+            </a:r>
+          </a:p>
+          <a:p>
+            <a:pPr marL="0" marR="0" lvl="0" indent="0" algn="l" defTabSz="914400" rtl="0" eaLnBrk="1" fontAlgn="auto" latinLnBrk="1" hangingPunct="1">
+              <a:lnSpc>
+                <a:spcPct val="100000"/>
+              </a:lnSpc>
+              <a:spcBef>
+                <a:spcPts val="0"/>
+              </a:spcBef>
+              <a:spcAft>
+                <a:spcPts val="0"/>
+              </a:spcAft>
+              <a:buClrTx/>
+              <a:buSzTx/>
+              <a:buFontTx/>
+              <a:buNone/>
+              <a:tabLst/>
+              <a:defRPr/>
+            </a:pPr>
+            <a:r>
+              <a:rPr lang="en-US" altLang="ko-KR" dirty="0"/>
+              <a:t>Images of a bottle viewed from above.</a:t>
+            </a:r>
+          </a:p>
+          <a:p>
+            <a:pPr marL="0" marR="0" lvl="0" indent="0" algn="l" defTabSz="914400" rtl="0" eaLnBrk="1" fontAlgn="auto" latinLnBrk="1" hangingPunct="1">
+              <a:lnSpc>
+                <a:spcPct val="100000"/>
+              </a:lnSpc>
+              <a:spcBef>
+                <a:spcPts val="0"/>
+              </a:spcBef>
+              <a:spcAft>
+                <a:spcPts val="0"/>
+              </a:spcAft>
+              <a:buClrTx/>
+              <a:buSzTx/>
+              <a:buFontTx/>
+              <a:buNone/>
+              <a:tabLst/>
+              <a:defRPr/>
+            </a:pPr>
+            <a:r>
+              <a:rPr lang="en-US" altLang="ko-KR" dirty="0"/>
+              <a:t>The part marked with a red square is an abnormal point.</a:t>
+            </a:r>
+          </a:p>
+          <a:p>
+            <a:pPr marL="0" marR="0" lvl="0" indent="0" algn="l" defTabSz="914400" rtl="0" eaLnBrk="1" fontAlgn="auto" latinLnBrk="1" hangingPunct="1">
+              <a:lnSpc>
+                <a:spcPct val="100000"/>
+              </a:lnSpc>
+              <a:spcBef>
+                <a:spcPts val="0"/>
+              </a:spcBef>
+              <a:spcAft>
+                <a:spcPts val="0"/>
+              </a:spcAft>
+              <a:buClrTx/>
+              <a:buSzTx/>
+              <a:buFontTx/>
+              <a:buNone/>
+              <a:tabLst/>
+              <a:defRPr/>
+            </a:pPr>
+            <a:r>
+              <a:rPr lang="en-US" altLang="ko-KR" dirty="0"/>
+              <a:t>Crack</a:t>
+            </a:r>
+          </a:p>
+          <a:p>
+            <a:r>
+              <a:rPr lang="en-US" altLang="ko-KR" dirty="0"/>
+              <a:t>It is difficult to distinguish and specify all these different kinds of defects, so we only use normal images and judge deviations from normal patterns as abnormal.</a:t>
+            </a:r>
+          </a:p>
+          <a:p>
             <a:endParaRPr lang="ko-KR" altLang="en-US" dirty="0"/>
           </a:p>
         </p:txBody>
@@ -903,6 +1008,215 @@
               <a:pPr lvl="0">
                 <a:defRPr/>
               </a:pPr>
+              <a:t>4</a:t>
+            </a:fld>
+            <a:endParaRPr lang="ko-KR" altLang="en-US"/>
+          </a:p>
+        </p:txBody>
+      </p:sp>
+    </p:spTree>
+    <p:extLst>
+      <p:ext uri="{BB962C8B-B14F-4D97-AF65-F5344CB8AC3E}">
+        <p14:creationId xmlns:p14="http://schemas.microsoft.com/office/powerpoint/2010/main" val="3601050800"/>
+      </p:ext>
+    </p:extLst>
+  </p:cSld>
+  <p:clrMapOvr>
+    <a:masterClrMapping/>
+  </p:clrMapOvr>
+</p:notes>
+</file>
+
+<file path=ppt/notesSlides/notesSlide5.xml><?xml version="1.0" encoding="utf-8"?>
+<p:notes xmlns:a="http://schemas.openxmlformats.org/drawingml/2006/main" xmlns:r="http://schemas.openxmlformats.org/officeDocument/2006/relationships" xmlns:p="http://schemas.openxmlformats.org/presentationml/2006/main">
+  <p:cSld>
+    <p:spTree>
+      <p:nvGrpSpPr>
+        <p:cNvPr id="1" name=""/>
+        <p:cNvGrpSpPr/>
+        <p:nvPr/>
+      </p:nvGrpSpPr>
+      <p:grpSpPr>
+        <a:xfrm>
+          <a:off x="0" y="0"/>
+          <a:ext cx="0" cy="0"/>
+          <a:chOff x="0" y="0"/>
+          <a:chExt cx="0" cy="0"/>
+        </a:xfrm>
+      </p:grpSpPr>
+      <p:sp>
+        <p:nvSpPr>
+          <p:cNvPr id="2" name="슬라이드 이미지 개체 틀 1"/>
+          <p:cNvSpPr>
+            <a:spLocks noGrp="1" noRot="1" noChangeAspect="1"/>
+          </p:cNvSpPr>
+          <p:nvPr>
+            <p:ph type="sldImg"/>
+          </p:nvPr>
+        </p:nvSpPr>
+        <p:spPr/>
+      </p:sp>
+      <p:sp>
+        <p:nvSpPr>
+          <p:cNvPr id="3" name="슬라이드 노트 개체 틀 2"/>
+          <p:cNvSpPr>
+            <a:spLocks noGrp="1"/>
+          </p:cNvSpPr>
+          <p:nvPr>
+            <p:ph type="body" idx="1"/>
+          </p:nvPr>
+        </p:nvSpPr>
+        <p:spPr/>
+        <p:txBody>
+          <a:bodyPr/>
+          <a:lstStyle/>
+          <a:p>
+            <a:r>
+              <a:rPr lang="en-US" altLang="ko-KR" dirty="0"/>
+              <a:t>The red circle is the set of points that have the same probability value</a:t>
+            </a:r>
+          </a:p>
+          <a:p>
+            <a:r>
+              <a:rPr lang="en-US" altLang="ko-KR" dirty="0"/>
+              <a:t>We can say that C is more likely or more probable than B.</a:t>
+            </a:r>
+            <a:endParaRPr lang="ko-KR" altLang="en-US" dirty="0"/>
+          </a:p>
+        </p:txBody>
+      </p:sp>
+      <p:sp>
+        <p:nvSpPr>
+          <p:cNvPr id="4" name="슬라이드 번호 개체 틀 3"/>
+          <p:cNvSpPr>
+            <a:spLocks noGrp="1"/>
+          </p:cNvSpPr>
+          <p:nvPr>
+            <p:ph type="sldNum" sz="quarter" idx="5"/>
+          </p:nvPr>
+        </p:nvSpPr>
+        <p:spPr/>
+        <p:txBody>
+          <a:bodyPr/>
+          <a:lstStyle/>
+          <a:p>
+            <a:pPr lvl="0">
+              <a:defRPr/>
+            </a:pPr>
+            <a:fld id="{17CD097A-5759-4135-9984-2451C32C3456}" type="slidenum">
+              <a:rPr lang="ko-KR" altLang="en-US" smtClean="0"/>
+              <a:pPr lvl="0">
+                <a:defRPr/>
+              </a:pPr>
+              <a:t>5</a:t>
+            </a:fld>
+            <a:endParaRPr lang="ko-KR" altLang="en-US"/>
+          </a:p>
+        </p:txBody>
+      </p:sp>
+    </p:spTree>
+    <p:extLst>
+      <p:ext uri="{BB962C8B-B14F-4D97-AF65-F5344CB8AC3E}">
+        <p14:creationId xmlns:p14="http://schemas.microsoft.com/office/powerpoint/2010/main" val="4120146764"/>
+      </p:ext>
+    </p:extLst>
+  </p:cSld>
+  <p:clrMapOvr>
+    <a:masterClrMapping/>
+  </p:clrMapOvr>
+</p:notes>
+</file>
+
+<file path=ppt/notesSlides/notesSlide6.xml><?xml version="1.0" encoding="utf-8"?>
+<p:notes xmlns:a="http://schemas.openxmlformats.org/drawingml/2006/main" xmlns:r="http://schemas.openxmlformats.org/officeDocument/2006/relationships" xmlns:p="http://schemas.openxmlformats.org/presentationml/2006/main">
+  <p:cSld>
+    <p:spTree>
+      <p:nvGrpSpPr>
+        <p:cNvPr id="1" name=""/>
+        <p:cNvGrpSpPr/>
+        <p:nvPr/>
+      </p:nvGrpSpPr>
+      <p:grpSpPr>
+        <a:xfrm>
+          <a:off x="0" y="0"/>
+          <a:ext cx="0" cy="0"/>
+          <a:chOff x="0" y="0"/>
+          <a:chExt cx="0" cy="0"/>
+        </a:xfrm>
+      </p:grpSpPr>
+      <p:sp>
+        <p:nvSpPr>
+          <p:cNvPr id="2" name="슬라이드 이미지 개체 틀 1"/>
+          <p:cNvSpPr>
+            <a:spLocks noGrp="1" noRot="1" noChangeAspect="1"/>
+          </p:cNvSpPr>
+          <p:nvPr>
+            <p:ph type="sldImg"/>
+          </p:nvPr>
+        </p:nvSpPr>
+        <p:spPr/>
+      </p:sp>
+      <p:sp>
+        <p:nvSpPr>
+          <p:cNvPr id="3" name="슬라이드 노트 개체 틀 2"/>
+          <p:cNvSpPr>
+            <a:spLocks noGrp="1"/>
+          </p:cNvSpPr>
+          <p:nvPr>
+            <p:ph type="body" idx="1"/>
+          </p:nvPr>
+        </p:nvSpPr>
+        <p:spPr/>
+        <p:txBody>
+          <a:bodyPr/>
+          <a:lstStyle/>
+          <a:p>
+            <a:r>
+              <a:rPr lang="en-US" altLang="ko-KR" dirty="0"/>
+              <a:t>These are images representation of the value of a specific channel of the embedding vector obtained from </a:t>
+            </a:r>
+            <a:r>
+              <a:rPr lang="en-US" altLang="ko-KR" dirty="0" err="1"/>
+              <a:t>resnet</a:t>
+            </a:r>
+            <a:r>
+              <a:rPr lang="en-US" altLang="ko-KR" dirty="0"/>
+              <a:t> </a:t>
+            </a:r>
+            <a:r>
+              <a:rPr lang="en-US" altLang="ko-KR" dirty="0" err="1"/>
+              <a:t>architecutre</a:t>
+            </a:r>
+            <a:r>
+              <a:rPr lang="en-US" altLang="ko-KR" dirty="0"/>
+              <a:t>.</a:t>
+            </a:r>
+          </a:p>
+        </p:txBody>
+      </p:sp>
+      <p:sp>
+        <p:nvSpPr>
+          <p:cNvPr id="4" name="슬라이드 번호 개체 틀 3"/>
+          <p:cNvSpPr>
+            <a:spLocks noGrp="1"/>
+          </p:cNvSpPr>
+          <p:nvPr>
+            <p:ph type="sldNum" sz="quarter" idx="5"/>
+          </p:nvPr>
+        </p:nvSpPr>
+        <p:spPr/>
+        <p:txBody>
+          <a:bodyPr/>
+          <a:lstStyle/>
+          <a:p>
+            <a:pPr lvl="0">
+              <a:defRPr/>
+            </a:pPr>
+            <a:fld id="{17CD097A-5759-4135-9984-2451C32C3456}" type="slidenum">
+              <a:rPr lang="ko-KR" altLang="en-US" smtClean="0"/>
+              <a:pPr lvl="0">
+                <a:defRPr/>
+              </a:pPr>
               <a:t>7</a:t>
             </a:fld>
             <a:endParaRPr lang="ko-KR" altLang="en-US"/>
@@ -913,6 +1227,192 @@
     <p:extLst>
       <p:ext uri="{BB962C8B-B14F-4D97-AF65-F5344CB8AC3E}">
         <p14:creationId xmlns:p14="http://schemas.microsoft.com/office/powerpoint/2010/main" val="4132936142"/>
+      </p:ext>
+    </p:extLst>
+  </p:cSld>
+  <p:clrMapOvr>
+    <a:masterClrMapping/>
+  </p:clrMapOvr>
+</p:notes>
+</file>
+
+<file path=ppt/notesSlides/notesSlide7.xml><?xml version="1.0" encoding="utf-8"?>
+<p:notes xmlns:a="http://schemas.openxmlformats.org/drawingml/2006/main" xmlns:r="http://schemas.openxmlformats.org/officeDocument/2006/relationships" xmlns:p="http://schemas.openxmlformats.org/presentationml/2006/main">
+  <p:cSld>
+    <p:spTree>
+      <p:nvGrpSpPr>
+        <p:cNvPr id="1" name=""/>
+        <p:cNvGrpSpPr/>
+        <p:nvPr/>
+      </p:nvGrpSpPr>
+      <p:grpSpPr>
+        <a:xfrm>
+          <a:off x="0" y="0"/>
+          <a:ext cx="0" cy="0"/>
+          <a:chOff x="0" y="0"/>
+          <a:chExt cx="0" cy="0"/>
+        </a:xfrm>
+      </p:grpSpPr>
+      <p:sp>
+        <p:nvSpPr>
+          <p:cNvPr id="2" name="슬라이드 이미지 개체 틀 1"/>
+          <p:cNvSpPr>
+            <a:spLocks noGrp="1" noRot="1" noChangeAspect="1"/>
+          </p:cNvSpPr>
+          <p:nvPr>
+            <p:ph type="sldImg"/>
+          </p:nvPr>
+        </p:nvSpPr>
+        <p:spPr/>
+      </p:sp>
+      <p:sp>
+        <p:nvSpPr>
+          <p:cNvPr id="3" name="슬라이드 노트 개체 틀 2"/>
+          <p:cNvSpPr>
+            <a:spLocks noGrp="1"/>
+          </p:cNvSpPr>
+          <p:nvPr>
+            <p:ph type="body" idx="1"/>
+          </p:nvPr>
+        </p:nvSpPr>
+        <p:spPr/>
+        <p:txBody>
+          <a:bodyPr/>
+          <a:lstStyle/>
+          <a:p>
+            <a:endParaRPr lang="ko-KR" altLang="en-US" dirty="0"/>
+          </a:p>
+        </p:txBody>
+      </p:sp>
+      <p:sp>
+        <p:nvSpPr>
+          <p:cNvPr id="4" name="슬라이드 번호 개체 틀 3"/>
+          <p:cNvSpPr>
+            <a:spLocks noGrp="1"/>
+          </p:cNvSpPr>
+          <p:nvPr>
+            <p:ph type="sldNum" sz="quarter" idx="5"/>
+          </p:nvPr>
+        </p:nvSpPr>
+        <p:spPr/>
+        <p:txBody>
+          <a:bodyPr/>
+          <a:lstStyle/>
+          <a:p>
+            <a:pPr lvl="0">
+              <a:defRPr/>
+            </a:pPr>
+            <a:fld id="{17CD097A-5759-4135-9984-2451C32C3456}" type="slidenum">
+              <a:rPr lang="ko-KR" altLang="en-US" smtClean="0"/>
+              <a:pPr lvl="0">
+                <a:defRPr/>
+              </a:pPr>
+              <a:t>9</a:t>
+            </a:fld>
+            <a:endParaRPr lang="ko-KR" altLang="en-US"/>
+          </a:p>
+        </p:txBody>
+      </p:sp>
+    </p:spTree>
+    <p:extLst>
+      <p:ext uri="{BB962C8B-B14F-4D97-AF65-F5344CB8AC3E}">
+        <p14:creationId xmlns:p14="http://schemas.microsoft.com/office/powerpoint/2010/main" val="3908965098"/>
+      </p:ext>
+    </p:extLst>
+  </p:cSld>
+  <p:clrMapOvr>
+    <a:masterClrMapping/>
+  </p:clrMapOvr>
+</p:notes>
+</file>
+
+<file path=ppt/notesSlides/notesSlide8.xml><?xml version="1.0" encoding="utf-8"?>
+<p:notes xmlns:a="http://schemas.openxmlformats.org/drawingml/2006/main" xmlns:r="http://schemas.openxmlformats.org/officeDocument/2006/relationships" xmlns:p="http://schemas.openxmlformats.org/presentationml/2006/main">
+  <p:cSld>
+    <p:spTree>
+      <p:nvGrpSpPr>
+        <p:cNvPr id="1" name=""/>
+        <p:cNvGrpSpPr/>
+        <p:nvPr/>
+      </p:nvGrpSpPr>
+      <p:grpSpPr>
+        <a:xfrm>
+          <a:off x="0" y="0"/>
+          <a:ext cx="0" cy="0"/>
+          <a:chOff x="0" y="0"/>
+          <a:chExt cx="0" cy="0"/>
+        </a:xfrm>
+      </p:grpSpPr>
+      <p:sp>
+        <p:nvSpPr>
+          <p:cNvPr id="2" name="슬라이드 이미지 개체 틀 1"/>
+          <p:cNvSpPr>
+            <a:spLocks noGrp="1" noRot="1" noChangeAspect="1"/>
+          </p:cNvSpPr>
+          <p:nvPr>
+            <p:ph type="sldImg"/>
+          </p:nvPr>
+        </p:nvSpPr>
+        <p:spPr/>
+      </p:sp>
+      <p:sp>
+        <p:nvSpPr>
+          <p:cNvPr id="3" name="슬라이드 노트 개체 틀 2"/>
+          <p:cNvSpPr>
+            <a:spLocks noGrp="1"/>
+          </p:cNvSpPr>
+          <p:nvPr>
+            <p:ph type="body" idx="1"/>
+          </p:nvPr>
+        </p:nvSpPr>
+        <p:spPr/>
+        <p:txBody>
+          <a:bodyPr/>
+          <a:lstStyle/>
+          <a:p>
+            <a:r>
+              <a:rPr lang="en-US" altLang="ko-KR" dirty="0"/>
+              <a:t>So we can say that the PADIM model is very important in the anomaly detection task.</a:t>
+            </a:r>
+          </a:p>
+          <a:p>
+            <a:endParaRPr lang="ko-KR" altLang="en-US" dirty="0"/>
+          </a:p>
+        </p:txBody>
+      </p:sp>
+      <p:sp>
+        <p:nvSpPr>
+          <p:cNvPr id="4" name="슬라이드 번호 개체 틀 3"/>
+          <p:cNvSpPr>
+            <a:spLocks noGrp="1"/>
+          </p:cNvSpPr>
+          <p:nvPr>
+            <p:ph type="sldNum" sz="quarter" idx="5"/>
+          </p:nvPr>
+        </p:nvSpPr>
+        <p:spPr/>
+        <p:txBody>
+          <a:bodyPr/>
+          <a:lstStyle/>
+          <a:p>
+            <a:pPr lvl="0">
+              <a:defRPr/>
+            </a:pPr>
+            <a:fld id="{17CD097A-5759-4135-9984-2451C32C3456}" type="slidenum">
+              <a:rPr lang="ko-KR" altLang="en-US" smtClean="0"/>
+              <a:pPr lvl="0">
+                <a:defRPr/>
+              </a:pPr>
+              <a:t>12</a:t>
+            </a:fld>
+            <a:endParaRPr lang="ko-KR" altLang="en-US"/>
+          </a:p>
+        </p:txBody>
+      </p:sp>
+    </p:spTree>
+    <p:extLst>
+      <p:ext uri="{BB962C8B-B14F-4D97-AF65-F5344CB8AC3E}">
+        <p14:creationId xmlns:p14="http://schemas.microsoft.com/office/powerpoint/2010/main" val="4223455023"/>
       </p:ext>
     </p:extLst>
   </p:cSld>
@@ -1069,7 +1569,7 @@
           <a:p>
             <a:fld id="{C98425AB-0F5E-4B1B-A3F7-CE19EA6D8895}" type="datetimeFigureOut">
               <a:rPr lang="ko-KR" altLang="en-US" smtClean="0"/>
-              <a:t>2024-02-06</a:t>
+              <a:t>2024-02-08</a:t>
             </a:fld>
             <a:endParaRPr lang="ko-KR" altLang="en-US"/>
           </a:p>
@@ -1267,7 +1767,7 @@
           <a:p>
             <a:fld id="{C98425AB-0F5E-4B1B-A3F7-CE19EA6D8895}" type="datetimeFigureOut">
               <a:rPr lang="ko-KR" altLang="en-US" smtClean="0"/>
-              <a:t>2024-02-06</a:t>
+              <a:t>2024-02-08</a:t>
             </a:fld>
             <a:endParaRPr lang="ko-KR" altLang="en-US"/>
           </a:p>
@@ -1475,7 +1975,7 @@
           <a:p>
             <a:fld id="{C98425AB-0F5E-4B1B-A3F7-CE19EA6D8895}" type="datetimeFigureOut">
               <a:rPr lang="ko-KR" altLang="en-US" smtClean="0"/>
-              <a:t>2024-02-06</a:t>
+              <a:t>2024-02-08</a:t>
             </a:fld>
             <a:endParaRPr lang="ko-KR" altLang="en-US"/>
           </a:p>
@@ -1673,7 +2173,7 @@
           <a:p>
             <a:fld id="{C98425AB-0F5E-4B1B-A3F7-CE19EA6D8895}" type="datetimeFigureOut">
               <a:rPr lang="ko-KR" altLang="en-US" smtClean="0"/>
-              <a:t>2024-02-06</a:t>
+              <a:t>2024-02-08</a:t>
             </a:fld>
             <a:endParaRPr lang="ko-KR" altLang="en-US"/>
           </a:p>
@@ -1948,7 +2448,7 @@
           <a:p>
             <a:fld id="{C98425AB-0F5E-4B1B-A3F7-CE19EA6D8895}" type="datetimeFigureOut">
               <a:rPr lang="ko-KR" altLang="en-US" smtClean="0"/>
-              <a:t>2024-02-06</a:t>
+              <a:t>2024-02-08</a:t>
             </a:fld>
             <a:endParaRPr lang="ko-KR" altLang="en-US"/>
           </a:p>
@@ -2213,7 +2713,7 @@
           <a:p>
             <a:fld id="{C98425AB-0F5E-4B1B-A3F7-CE19EA6D8895}" type="datetimeFigureOut">
               <a:rPr lang="ko-KR" altLang="en-US" smtClean="0"/>
-              <a:t>2024-02-06</a:t>
+              <a:t>2024-02-08</a:t>
             </a:fld>
             <a:endParaRPr lang="ko-KR" altLang="en-US"/>
           </a:p>
@@ -2625,7 +3125,7 @@
           <a:p>
             <a:fld id="{C98425AB-0F5E-4B1B-A3F7-CE19EA6D8895}" type="datetimeFigureOut">
               <a:rPr lang="ko-KR" altLang="en-US" smtClean="0"/>
-              <a:t>2024-02-06</a:t>
+              <a:t>2024-02-08</a:t>
             </a:fld>
             <a:endParaRPr lang="ko-KR" altLang="en-US"/>
           </a:p>
@@ -2766,7 +3266,7 @@
           <a:p>
             <a:fld id="{C98425AB-0F5E-4B1B-A3F7-CE19EA6D8895}" type="datetimeFigureOut">
               <a:rPr lang="ko-KR" altLang="en-US" smtClean="0"/>
-              <a:t>2024-02-06</a:t>
+              <a:t>2024-02-08</a:t>
             </a:fld>
             <a:endParaRPr lang="ko-KR" altLang="en-US"/>
           </a:p>
@@ -2879,7 +3379,7 @@
           <a:p>
             <a:fld id="{C98425AB-0F5E-4B1B-A3F7-CE19EA6D8895}" type="datetimeFigureOut">
               <a:rPr lang="ko-KR" altLang="en-US" smtClean="0"/>
-              <a:t>2024-02-06</a:t>
+              <a:t>2024-02-08</a:t>
             </a:fld>
             <a:endParaRPr lang="ko-KR" altLang="en-US"/>
           </a:p>
@@ -3190,7 +3690,7 @@
           <a:p>
             <a:fld id="{C98425AB-0F5E-4B1B-A3F7-CE19EA6D8895}" type="datetimeFigureOut">
               <a:rPr lang="ko-KR" altLang="en-US" smtClean="0"/>
-              <a:t>2024-02-06</a:t>
+              <a:t>2024-02-08</a:t>
             </a:fld>
             <a:endParaRPr lang="ko-KR" altLang="en-US"/>
           </a:p>
@@ -3478,7 +3978,7 @@
           <a:p>
             <a:fld id="{C98425AB-0F5E-4B1B-A3F7-CE19EA6D8895}" type="datetimeFigureOut">
               <a:rPr lang="ko-KR" altLang="en-US" smtClean="0"/>
-              <a:t>2024-02-06</a:t>
+              <a:t>2024-02-08</a:t>
             </a:fld>
             <a:endParaRPr lang="ko-KR" altLang="en-US"/>
           </a:p>
@@ -3719,7 +4219,7 @@
           <a:p>
             <a:fld id="{C98425AB-0F5E-4B1B-A3F7-CE19EA6D8895}" type="datetimeFigureOut">
               <a:rPr lang="ko-KR" altLang="en-US" smtClean="0"/>
-              <a:t>2024-02-06</a:t>
+              <a:t>2024-02-08</a:t>
             </a:fld>
             <a:endParaRPr lang="ko-KR" altLang="en-US"/>
           </a:p>
@@ -4151,7 +4651,7 @@
           <p:nvPr/>
         </p:nvPicPr>
         <p:blipFill>
-          <a:blip r:embed="rId2">
+          <a:blip r:embed="rId3">
             <a:extLst>
               <a:ext uri="{28A0092B-C50C-407E-A947-70E740481C1C}">
                 <a14:useLocalDpi xmlns:a14="http://schemas.microsoft.com/office/drawing/2010/main" val="0"/>
@@ -4683,8 +5183,8 @@
           </a:prstGeom>
         </p:spPr>
       </p:pic>
-      <mc:AlternateContent xmlns:mc="http://schemas.openxmlformats.org/markup-compatibility/2006" xmlns:a14="http://schemas.microsoft.com/office/drawing/2010/main">
-        <mc:Choice Requires="a14">
+      <mc:AlternateContent xmlns:mc="http://schemas.openxmlformats.org/markup-compatibility/2006">
+        <mc:Choice xmlns:a14="http://schemas.microsoft.com/office/drawing/2010/main" Requires="a14">
           <p:sp>
             <p:nvSpPr>
               <p:cNvPr id="6" name="내용 개체 틀 2">
@@ -4990,10 +5490,10 @@
                         <m:t> </m:t>
                       </m:r>
                       <m:r>
-                        <a:rPr lang="en-US" altLang="ko-KR" sz="1200" i="1">
+                        <a:rPr lang="en-US" altLang="ko-KR" sz="1200" b="0" i="1" smtClean="0">
                           <a:latin typeface="Cambria Math" panose="02040503050406030204" pitchFamily="18" charset="0"/>
                         </a:rPr>
-                        <m:t>𝑝𝑜𝑠𝑖𝑡𝑖𝑜𝑛</m:t>
+                        <m:t>𝑙𝑜𝑐𝑎𝑡𝑖𝑜𝑛</m:t>
                       </m:r>
                       <m:r>
                         <a:rPr lang="en-US" altLang="ko-KR" sz="1200" i="1">
@@ -5302,10 +5802,10 @@
                       <m:t> </m:t>
                     </m:r>
                     <m:r>
-                      <a:rPr lang="en-US" altLang="ko-KR" sz="1200" i="1">
-                        <a:latin typeface="Cambria Math" panose="02040503050406030204" pitchFamily="18" charset="0"/>
-                      </a:rPr>
-                      <m:t>𝑝𝑜𝑠𝑖𝑡𝑖𝑜𝑛</m:t>
+                      <a:rPr lang="en-US" altLang="ko-KR" sz="1200" b="0" i="1" smtClean="0">
+                        <a:latin typeface="Cambria Math" panose="02040503050406030204" pitchFamily="18" charset="0"/>
+                      </a:rPr>
+                      <m:t>𝑙𝑜𝑐𝑎𝑡𝑖𝑜𝑛</m:t>
                     </m:r>
                     <m:r>
                       <a:rPr lang="en-US" altLang="ko-KR" sz="1200" i="1">
@@ -5749,7 +6249,7 @@
             </p:txBody>
           </p:sp>
         </mc:Choice>
-        <mc:Fallback xmlns="">
+        <mc:Fallback>
           <p:sp>
             <p:nvSpPr>
               <p:cNvPr id="6" name="내용 개체 틀 2">
@@ -6080,7 +6580,7 @@
               <a:rPr lang="en-US" altLang="ko-KR" dirty="0">
                 <a:latin typeface="Georgia" panose="02040502050405020303" pitchFamily="18" charset="0"/>
               </a:rPr>
-              <a:t>Test images are input into the pre-trained CNN model in the same method as the previous process.</a:t>
+              <a:t>Test images are input into the pre-trained CNN model as same method as the previous process.</a:t>
             </a:r>
           </a:p>
           <a:p>
@@ -6105,7 +6605,7 @@
               <a:rPr lang="en-US" altLang="ko-KR" dirty="0">
                 <a:latin typeface="Georgia" panose="02040502050405020303" pitchFamily="18" charset="0"/>
               </a:rPr>
-              <a:t> distance is then calculated to compare how far each patch is from the mean and covariance values of the normal images on a patch-by-patch.</a:t>
+              <a:t> distance is calculated to compare how far each patch is from the mean and covariance values of the normal images on a patch-by-patch.</a:t>
             </a:r>
           </a:p>
         </p:txBody>
@@ -6301,7 +6801,7 @@
         </p:spPr>
         <p:txBody>
           <a:bodyPr>
-            <a:normAutofit/>
+            <a:normAutofit lnSpcReduction="10000"/>
           </a:bodyPr>
           <a:lstStyle/>
           <a:p>
@@ -6316,7 +6816,7 @@
           <a:p>
             <a:r>
               <a:rPr lang="en-US" altLang="ko-KR" dirty="0"/>
-              <a:t>No need to train deep learning model, and inference taking approximately 150 seconds per class when using </a:t>
+              <a:t>No need to train deep learning model, so inference taking less time. (for example, approximately 150 seconds per class when using </a:t>
             </a:r>
             <a:r>
               <a:rPr lang="en-US" altLang="ko-KR" dirty="0" err="1"/>
@@ -6324,7 +6824,7 @@
             </a:r>
             <a:r>
               <a:rPr lang="en-US" altLang="ko-KR" dirty="0"/>
-              <a:t>.</a:t>
+              <a:t>)</a:t>
             </a:r>
           </a:p>
           <a:p>
@@ -6471,7 +6971,7 @@
             <a:avLst/>
           </a:prstGeom>
           <a:blipFill dpi="0" rotWithShape="1">
-            <a:blip r:embed="rId2">
+            <a:blip r:embed="rId3">
               <a:duotone>
                 <a:schemeClr val="bg2">
                   <a:shade val="45000"/>
@@ -6602,7 +7102,7 @@
           <p:nvPr/>
         </p:nvPicPr>
         <p:blipFill>
-          <a:blip r:embed="rId3"/>
+          <a:blip r:embed="rId4"/>
           <a:stretch>
             <a:fillRect/>
           </a:stretch>
@@ -7312,7 +7812,7 @@
             <a:avLst/>
           </a:prstGeom>
           <a:blipFill dpi="0" rotWithShape="1">
-            <a:blip r:embed="rId2">
+            <a:blip r:embed="rId3">
               <a:duotone>
                 <a:schemeClr val="bg2">
                   <a:shade val="45000"/>
@@ -7687,7 +8187,7 @@
               <a:rPr lang="en-US" altLang="ko-KR" dirty="0">
                 <a:latin typeface="Georgia" panose="02040502050405020303" pitchFamily="18" charset="0"/>
               </a:rPr>
-              <a:t>In industrial site, it is easy to obtain normal images, but difficult to get various abnormal images. </a:t>
+              <a:t>In industrial site, it is easy to get normal images, but difficult to get various abnormal images. </a:t>
             </a:r>
           </a:p>
         </p:txBody>
@@ -8469,7 +8969,7 @@
         </p:spPr>
         <p:txBody>
           <a:bodyPr vert="horz" lIns="91440" tIns="45720" rIns="91440" bIns="45720" rtlCol="0">
-            <a:normAutofit/>
+            <a:normAutofit fontScale="92500"/>
           </a:bodyPr>
           <a:lstStyle>
             <a:lvl1pPr marL="228600" indent="-228600" algn="l" defTabSz="914400" rtl="0" eaLnBrk="1" latinLnBrk="1" hangingPunct="1">
@@ -8654,7 +9154,7 @@
               <a:rPr lang="en-US" altLang="ko-KR" sz="2000" dirty="0">
                 <a:latin typeface="Georgia" panose="02040502050405020303" pitchFamily="18" charset="0"/>
               </a:rPr>
-              <a:t>μ: Mean of the data values</a:t>
+              <a:t>μ: Mean of the data distribution</a:t>
             </a:r>
           </a:p>
           <a:p>
@@ -8665,7 +9165,7 @@
               <a:rPr lang="en-US" altLang="ko-KR" sz="2000" dirty="0">
                 <a:latin typeface="Georgia" panose="02040502050405020303" pitchFamily="18" charset="0"/>
               </a:rPr>
-              <a:t>S: Covariance matrix of the data</a:t>
+              <a:t>S: Covariance matrix of the data distribution</a:t>
             </a:r>
           </a:p>
         </p:txBody>
@@ -11622,7 +12122,7 @@
             <a:avLst/>
           </a:prstGeom>
           <a:blipFill dpi="0" rotWithShape="1">
-            <a:blip r:embed="rId2">
+            <a:blip r:embed="rId3">
               <a:duotone>
                 <a:schemeClr val="bg2">
                   <a:shade val="45000"/>
@@ -11680,7 +12180,7 @@
           <p:nvPr/>
         </p:nvPicPr>
         <p:blipFill>
-          <a:blip r:embed="rId3"/>
+          <a:blip r:embed="rId4"/>
           <a:stretch>
             <a:fillRect/>
           </a:stretch>
@@ -11695,8 +12195,8 @@
           </a:prstGeom>
         </p:spPr>
       </p:pic>
-      <mc:AlternateContent xmlns:mc="http://schemas.openxmlformats.org/markup-compatibility/2006" xmlns:a14="http://schemas.microsoft.com/office/drawing/2010/main">
-        <mc:Choice Requires="a14">
+      <mc:AlternateContent xmlns:mc="http://schemas.openxmlformats.org/markup-compatibility/2006">
+        <mc:Choice xmlns:a14="http://schemas.microsoft.com/office/drawing/2010/main" Requires="a14">
           <p:sp>
             <p:nvSpPr>
               <p:cNvPr id="12" name="내용 개체 틀 2">
@@ -11986,10 +12486,10 @@
                         <m:t> </m:t>
                       </m:r>
                       <m:r>
-                        <a:rPr lang="en-US" altLang="ko-KR" sz="1200" i="1">
+                        <a:rPr lang="en-US" altLang="ko-KR" sz="1200" b="0" i="1" smtClean="0">
                           <a:latin typeface="Cambria Math" panose="02040503050406030204" pitchFamily="18" charset="0"/>
                         </a:rPr>
-                        <m:t>𝑐𝑜𝑟𝑟𝑒𝑠𝑝𝑜𝑛𝑑𝑖𝑛𝑔</m:t>
+                        <m:t>𝑜𝑓</m:t>
                       </m:r>
                       <m:r>
                         <a:rPr lang="en-US" altLang="ko-KR" sz="1200" i="1">
@@ -11998,22 +12498,10 @@
                         <m:t> </m:t>
                       </m:r>
                       <m:r>
-                        <a:rPr lang="en-US" altLang="ko-KR" sz="1200" i="1">
+                        <a:rPr lang="en-US" altLang="ko-KR" sz="1200" b="0" i="1" smtClean="0">
                           <a:latin typeface="Cambria Math" panose="02040503050406030204" pitchFamily="18" charset="0"/>
                         </a:rPr>
-                        <m:t>𝑡𝑜</m:t>
-                      </m:r>
-                      <m:r>
-                        <a:rPr lang="en-US" altLang="ko-KR" sz="1200" i="1">
-                          <a:latin typeface="Cambria Math" panose="02040503050406030204" pitchFamily="18" charset="0"/>
-                        </a:rPr>
-                        <m:t> </m:t>
-                      </m:r>
-                      <m:r>
-                        <a:rPr lang="en-US" altLang="ko-KR" sz="1200" i="1">
-                          <a:latin typeface="Cambria Math" panose="02040503050406030204" pitchFamily="18" charset="0"/>
-                        </a:rPr>
-                        <m:t>𝑝𝑜𝑠𝑖𝑡𝑖𝑜𝑛</m:t>
+                        <m:t>𝑙𝑜𝑐𝑎𝑡𝑖𝑜𝑛</m:t>
                       </m:r>
                       <m:r>
                         <a:rPr lang="en-US" altLang="ko-KR" sz="1200" i="1">
@@ -12050,23 +12538,12 @@
                           </m:r>
                         </m:e>
                       </m:d>
-                    </m:oMath>
-                  </m:oMathPara>
-                </a14:m>
-                <a:endParaRPr lang="en-US" altLang="ko-KR" sz="1200" i="1" dirty="0">
-                  <a:latin typeface="Georgia" panose="02040502050405020303" pitchFamily="18" charset="0"/>
-                </a:endParaRPr>
-              </a:p>
-              <a:p>
-                <a:pPr marL="0" indent="0">
-                  <a:buNone/>
-                </a:pPr>
-                <a14:m>
-                  <m:oMathPara xmlns:m="http://schemas.openxmlformats.org/officeDocument/2006/math">
-                    <m:oMathParaPr>
-                      <m:jc m:val="left"/>
-                    </m:oMathParaPr>
-                    <m:oMath xmlns:m="http://schemas.openxmlformats.org/officeDocument/2006/math">
+                      <m:r>
+                        <a:rPr lang="en-US" altLang="ko-KR" sz="1200" b="0" i="1" smtClean="0">
+                          <a:latin typeface="Cambria Math" panose="02040503050406030204" pitchFamily="18" charset="0"/>
+                        </a:rPr>
+                        <m:t> </m:t>
+                      </m:r>
                       <m:r>
                         <a:rPr lang="en-US" altLang="ko-KR" sz="1200" i="1">
                           <a:latin typeface="Cambria Math" panose="02040503050406030204" pitchFamily="18" charset="0"/>
@@ -12115,6 +12592,23 @@
                         </a:rPr>
                         <m:t> </m:t>
                       </m:r>
+                    </m:oMath>
+                  </m:oMathPara>
+                </a14:m>
+                <a:endParaRPr lang="en-US" altLang="ko-KR" sz="1200" i="1" dirty="0">
+                  <a:latin typeface="Cambria Math" panose="02040503050406030204" pitchFamily="18" charset="0"/>
+                </a:endParaRPr>
+              </a:p>
+              <a:p>
+                <a:pPr marL="0" indent="0">
+                  <a:buNone/>
+                </a:pPr>
+                <a14:m>
+                  <m:oMathPara xmlns:m="http://schemas.openxmlformats.org/officeDocument/2006/math">
+                    <m:oMathParaPr>
+                      <m:jc m:val="left"/>
+                    </m:oMathParaPr>
+                    <m:oMath xmlns:m="http://schemas.openxmlformats.org/officeDocument/2006/math">
                       <m:r>
                         <a:rPr lang="en-US" altLang="ko-KR" sz="1200" i="1">
                           <a:latin typeface="Cambria Math" panose="02040503050406030204" pitchFamily="18" charset="0"/>
@@ -12528,10 +13022,10 @@
                       <m:t> </m:t>
                     </m:r>
                     <m:r>
-                      <a:rPr lang="en-US" altLang="ko-KR" sz="1200" i="1">
-                        <a:latin typeface="Cambria Math" panose="02040503050406030204" pitchFamily="18" charset="0"/>
-                      </a:rPr>
-                      <m:t>𝑝𝑜𝑠𝑖𝑡𝑖𝑜𝑛</m:t>
+                      <a:rPr lang="en-US" altLang="ko-KR" sz="1200" b="0" i="1" smtClean="0">
+                        <a:latin typeface="Cambria Math" panose="02040503050406030204" pitchFamily="18" charset="0"/>
+                      </a:rPr>
+                      <m:t>𝑙𝑜𝑐𝑎𝑡𝑖𝑜𝑛</m:t>
                     </m:r>
                     <m:r>
                       <a:rPr lang="en-US" altLang="ko-KR" sz="1200" i="1">
@@ -12962,7 +13456,7 @@
             </p:txBody>
           </p:sp>
         </mc:Choice>
-        <mc:Fallback xmlns="">
+        <mc:Fallback>
           <p:sp>
             <p:nvSpPr>
               <p:cNvPr id="12" name="내용 개체 틀 2">
@@ -12986,7 +13480,7 @@
                 <a:avLst/>
               </a:prstGeom>
               <a:blipFill>
-                <a:blip r:embed="rId4"/>
+                <a:blip r:embed="rId5"/>
                 <a:stretch>
                   <a:fillRect r="-1163" b="-615"/>
                 </a:stretch>
